--- a/static/media/tools/eFMI-tools.pptx
+++ b/static/media/tools/eFMI-tools.pptx
@@ -11,16 +11,16 @@
   <p:notesSz cx="6858000" cy="9144000"/>
   <p:embeddedFontLst>
     <p:embeddedFont>
-      <p:font typeface="Calibri" panose="020F0502020204030204" pitchFamily="34" charset="0"/>
+      <p:font typeface="Calibri Light" panose="020F0302020204030204" pitchFamily="34" charset="0"/>
       <p:regular r:id="rId3"/>
-      <p:bold r:id="rId4"/>
-      <p:italic r:id="rId5"/>
-      <p:boldItalic r:id="rId6"/>
+      <p:italic r:id="rId4"/>
     </p:embeddedFont>
     <p:embeddedFont>
-      <p:font typeface="Calibri Light" panose="020F0302020204030204" pitchFamily="34" charset="0"/>
-      <p:regular r:id="rId7"/>
-      <p:italic r:id="rId8"/>
+      <p:font typeface="Calibri" panose="020F0502020204030204" pitchFamily="34" charset="0"/>
+      <p:regular r:id="rId5"/>
+      <p:bold r:id="rId6"/>
+      <p:italic r:id="rId7"/>
+      <p:boldItalic r:id="rId8"/>
     </p:embeddedFont>
   </p:embeddedFontLst>
   <p:defaultTextStyle>
@@ -118,6 +118,11 @@
       </a:defRPr>
     </a:lvl9pPr>
   </p:defaultTextStyle>
+  <p:extLst>
+    <p:ext uri="{EFAFB233-063F-42B5-8137-9DF3F51BA10A}">
+      <p15:sldGuideLst xmlns:p15="http://schemas.microsoft.com/office/powerpoint/2012/main"/>
+    </p:ext>
+  </p:extLst>
 </p:presentation>
 </file>
 
@@ -252,7 +257,7 @@
           <a:p>
             <a:fld id="{076171DA-D5DD-486B-A5F5-158E752AA603}" type="datetimeFigureOut">
               <a:rPr lang="en-US" smtClean="0"/>
-              <a:t>4/17/2023</a:t>
+              <a:t>4/18/2023</a:t>
             </a:fld>
             <a:endParaRPr lang="en-US"/>
           </a:p>
@@ -422,7 +427,7 @@
           <a:p>
             <a:fld id="{076171DA-D5DD-486B-A5F5-158E752AA603}" type="datetimeFigureOut">
               <a:rPr lang="en-US" smtClean="0"/>
-              <a:t>4/17/2023</a:t>
+              <a:t>4/18/2023</a:t>
             </a:fld>
             <a:endParaRPr lang="en-US"/>
           </a:p>
@@ -602,7 +607,7 @@
           <a:p>
             <a:fld id="{076171DA-D5DD-486B-A5F5-158E752AA603}" type="datetimeFigureOut">
               <a:rPr lang="en-US" smtClean="0"/>
-              <a:t>4/17/2023</a:t>
+              <a:t>4/18/2023</a:t>
             </a:fld>
             <a:endParaRPr lang="en-US"/>
           </a:p>
@@ -772,7 +777,7 @@
           <a:p>
             <a:fld id="{076171DA-D5DD-486B-A5F5-158E752AA603}" type="datetimeFigureOut">
               <a:rPr lang="en-US" smtClean="0"/>
-              <a:t>4/17/2023</a:t>
+              <a:t>4/18/2023</a:t>
             </a:fld>
             <a:endParaRPr lang="en-US"/>
           </a:p>
@@ -1018,7 +1023,7 @@
           <a:p>
             <a:fld id="{076171DA-D5DD-486B-A5F5-158E752AA603}" type="datetimeFigureOut">
               <a:rPr lang="en-US" smtClean="0"/>
-              <a:t>4/17/2023</a:t>
+              <a:t>4/18/2023</a:t>
             </a:fld>
             <a:endParaRPr lang="en-US"/>
           </a:p>
@@ -1250,7 +1255,7 @@
           <a:p>
             <a:fld id="{076171DA-D5DD-486B-A5F5-158E752AA603}" type="datetimeFigureOut">
               <a:rPr lang="en-US" smtClean="0"/>
-              <a:t>4/17/2023</a:t>
+              <a:t>4/18/2023</a:t>
             </a:fld>
             <a:endParaRPr lang="en-US"/>
           </a:p>
@@ -1617,7 +1622,7 @@
           <a:p>
             <a:fld id="{076171DA-D5DD-486B-A5F5-158E752AA603}" type="datetimeFigureOut">
               <a:rPr lang="en-US" smtClean="0"/>
-              <a:t>4/17/2023</a:t>
+              <a:t>4/18/2023</a:t>
             </a:fld>
             <a:endParaRPr lang="en-US"/>
           </a:p>
@@ -1735,7 +1740,7 @@
           <a:p>
             <a:fld id="{076171DA-D5DD-486B-A5F5-158E752AA603}" type="datetimeFigureOut">
               <a:rPr lang="en-US" smtClean="0"/>
-              <a:t>4/17/2023</a:t>
+              <a:t>4/18/2023</a:t>
             </a:fld>
             <a:endParaRPr lang="en-US"/>
           </a:p>
@@ -1830,7 +1835,7 @@
           <a:p>
             <a:fld id="{076171DA-D5DD-486B-A5F5-158E752AA603}" type="datetimeFigureOut">
               <a:rPr lang="en-US" smtClean="0"/>
-              <a:t>4/17/2023</a:t>
+              <a:t>4/18/2023</a:t>
             </a:fld>
             <a:endParaRPr lang="en-US"/>
           </a:p>
@@ -2107,7 +2112,7 @@
           <a:p>
             <a:fld id="{076171DA-D5DD-486B-A5F5-158E752AA603}" type="datetimeFigureOut">
               <a:rPr lang="en-US" smtClean="0"/>
-              <a:t>4/17/2023</a:t>
+              <a:t>4/18/2023</a:t>
             </a:fld>
             <a:endParaRPr lang="en-US"/>
           </a:p>
@@ -2360,7 +2365,7 @@
           <a:p>
             <a:fld id="{076171DA-D5DD-486B-A5F5-158E752AA603}" type="datetimeFigureOut">
               <a:rPr lang="en-US" smtClean="0"/>
-              <a:t>4/17/2023</a:t>
+              <a:t>4/18/2023</a:t>
             </a:fld>
             <a:endParaRPr lang="en-US"/>
           </a:p>
@@ -2573,7 +2578,7 @@
           <a:p>
             <a:fld id="{076171DA-D5DD-486B-A5F5-158E752AA603}" type="datetimeFigureOut">
               <a:rPr lang="en-US" smtClean="0"/>
-              <a:t>4/17/2023</a:t>
+              <a:t>4/18/2023</a:t>
             </a:fld>
             <a:endParaRPr lang="en-US"/>
           </a:p>
@@ -3105,7 +3110,7 @@
             <p:nvPr/>
           </p:nvPicPr>
           <p:blipFill>
-            <a:blip r:embed="rId4" cstate="print">
+            <a:blip r:embed="rId5" cstate="print">
               <a:extLst>
                 <a:ext uri="{28A0092B-C50C-407E-A947-70E740481C1C}">
                   <a14:useLocalDpi xmlns:a14="http://schemas.microsoft.com/office/drawing/2010/main" val="0"/>
@@ -3205,7 +3210,7 @@
             <p:nvPr/>
           </p:nvPicPr>
           <p:blipFill>
-            <a:blip r:embed="rId5">
+            <a:blip r:embed="rId6">
               <a:extLst>
                 <a:ext uri="{28A0092B-C50C-407E-A947-70E740481C1C}">
                   <a14:useLocalDpi xmlns:a14="http://schemas.microsoft.com/office/drawing/2010/main" val="0"/>
@@ -3325,18 +3330,17 @@
             <p:cNvPr id="11" name="Gewinkelte Verbindung 26"/>
             <p:cNvCxnSpPr>
               <a:stCxn id="76" idx="3"/>
-              <a:endCxn id="54" idx="4"/>
             </p:cNvCxnSpPr>
             <p:nvPr/>
           </p:nvCxnSpPr>
           <p:spPr>
             <a:xfrm flipH="1">
-              <a:off x="5964595" y="2571853"/>
-              <a:ext cx="1514858" cy="1524775"/>
+              <a:off x="5970077" y="2571853"/>
+              <a:ext cx="1509376" cy="1377886"/>
             </a:xfrm>
             <a:prstGeom prst="bentConnector3">
               <a:avLst>
-                <a:gd name="adj1" fmla="val -41309"/>
+                <a:gd name="adj1" fmla="val -44729"/>
               </a:avLst>
             </a:prstGeom>
             <a:noFill/>
@@ -3358,12 +3362,12 @@
             </p:cNvPicPr>
             <p:nvPr>
               <p:custDataLst>
-                <p:tags r:id="rId1"/>
+                <p:tags r:id="rId2"/>
               </p:custDataLst>
             </p:nvPr>
           </p:nvPicPr>
           <p:blipFill rotWithShape="1">
-            <a:blip r:embed="rId6" cstate="print">
+            <a:blip r:embed="rId7" cstate="print">
               <a:extLst>
                 <a:ext uri="{28A0092B-C50C-407E-A947-70E740481C1C}">
                   <a14:useLocalDpi xmlns:a14="http://schemas.microsoft.com/office/drawing/2010/main" val="0"/>
@@ -3516,18 +3520,17 @@
             <p:cNvPr id="41" name="Gewinkelte Verbindung 26"/>
             <p:cNvCxnSpPr>
               <a:stCxn id="2" idx="3"/>
-              <a:endCxn id="54" idx="4"/>
             </p:cNvCxnSpPr>
             <p:nvPr/>
           </p:nvCxnSpPr>
           <p:spPr>
             <a:xfrm flipH="1">
-              <a:off x="5964595" y="3566116"/>
-              <a:ext cx="1918074" cy="530512"/>
+              <a:off x="5970078" y="3566117"/>
+              <a:ext cx="1912591" cy="386407"/>
             </a:xfrm>
             <a:prstGeom prst="bentConnector3">
               <a:avLst>
-                <a:gd name="adj1" fmla="val -11918"/>
+                <a:gd name="adj1" fmla="val -14359"/>
               </a:avLst>
             </a:prstGeom>
             <a:noFill/>
@@ -3549,8 +3552,8 @@
           </p:nvSpPr>
           <p:spPr>
             <a:xfrm>
-              <a:off x="9436996" y="2832132"/>
-              <a:ext cx="1376123" cy="692497"/>
+              <a:off x="9436996" y="2998572"/>
+              <a:ext cx="1376123" cy="692498"/>
             </a:xfrm>
             <a:prstGeom prst="rect">
               <a:avLst/>
@@ -4293,7 +4296,7 @@
             <p:nvPr/>
           </p:nvPicPr>
           <p:blipFill>
-            <a:blip r:embed="rId7" cstate="print">
+            <a:blip r:embed="rId8" cstate="print">
               <a:extLst>
                 <a:ext uri="{28A0092B-C50C-407E-A947-70E740481C1C}">
                   <a14:useLocalDpi xmlns:a14="http://schemas.microsoft.com/office/drawing/2010/main" val="0"/>
@@ -4323,7 +4326,7 @@
             <p:nvPr/>
           </p:nvPicPr>
           <p:blipFill>
-            <a:blip r:embed="rId8" cstate="print">
+            <a:blip r:embed="rId9" cstate="print">
               <a:extLst>
                 <a:ext uri="{28A0092B-C50C-407E-A947-70E740481C1C}">
                   <a14:useLocalDpi xmlns:a14="http://schemas.microsoft.com/office/drawing/2010/main" val="0"/>
@@ -4350,7 +4353,7 @@
             <p:cNvSpPr txBox="1"/>
             <p:nvPr>
               <p:custDataLst>
-                <p:tags r:id="rId2"/>
+                <p:tags r:id="rId3"/>
               </p:custDataLst>
             </p:nvPr>
           </p:nvSpPr>
@@ -4414,7 +4417,7 @@
             <p:nvPr/>
           </p:nvPicPr>
           <p:blipFill>
-            <a:blip r:embed="rId9">
+            <a:blip r:embed="rId10">
               <a:extLst>
                 <a:ext uri="{28A0092B-C50C-407E-A947-70E740481C1C}">
                   <a14:useLocalDpi xmlns:a14="http://schemas.microsoft.com/office/drawing/2010/main" val="0"/>
@@ -4494,7 +4497,7 @@
             <p:nvPr/>
           </p:nvPicPr>
           <p:blipFill>
-            <a:blip r:embed="rId10">
+            <a:blip r:embed="rId11">
               <a:extLst>
                 <a:ext uri="{28A0092B-C50C-407E-A947-70E740481C1C}">
                   <a14:useLocalDpi xmlns:a14="http://schemas.microsoft.com/office/drawing/2010/main" val="0"/>
@@ -4599,19 +4602,18 @@
           <p:nvCxnSpPr>
             <p:cNvPr id="75" name="Gewinkelte Verbindung 26"/>
             <p:cNvCxnSpPr>
-              <a:endCxn id="53" idx="4"/>
+              <a:endCxn id="3" idx="1"/>
             </p:cNvCxnSpPr>
             <p:nvPr/>
           </p:nvCxnSpPr>
           <p:spPr>
-            <a:xfrm rot="16200000" flipH="1">
-              <a:off x="5683145" y="4586787"/>
-              <a:ext cx="547049" cy="17339"/>
+            <a:xfrm>
+              <a:off x="5961517" y="4235461"/>
+              <a:ext cx="929904" cy="108363"/>
             </a:xfrm>
-            <a:prstGeom prst="bentConnector4">
+            <a:prstGeom prst="bentConnector3">
               <a:avLst>
-                <a:gd name="adj1" fmla="val 2287"/>
-                <a:gd name="adj2" fmla="val 1604856"/>
+                <a:gd name="adj1" fmla="val 50000"/>
               </a:avLst>
             </a:prstGeom>
             <a:noFill/>
@@ -4647,6 +4649,7 @@
                 <a:srgbClr val="00B050"/>
               </a:solidFill>
               <a:prstDash val="sysDot"/>
+              <a:headEnd type="triangle"/>
               <a:tailEnd type="triangle"/>
             </a:ln>
           </p:spPr>
@@ -4674,7 +4677,7 @@
             <p:nvPr/>
           </p:nvPicPr>
           <p:blipFill>
-            <a:blip r:embed="rId11" cstate="print">
+            <a:blip r:embed="rId12" cstate="print">
               <a:extLst>
                 <a:ext uri="{28A0092B-C50C-407E-A947-70E740481C1C}">
                   <a14:useLocalDpi xmlns:a14="http://schemas.microsoft.com/office/drawing/2010/main" val="0"/>
@@ -4696,6 +4699,174 @@
           </p:spPr>
         </p:pic>
       </p:grpSp>
+      <p:pic>
+        <p:nvPicPr>
+          <p:cNvPr id="3" name="Picture 2"/>
+          <p:cNvPicPr>
+            <a:picLocks noChangeAspect="1"/>
+          </p:cNvPicPr>
+          <p:nvPr/>
+        </p:nvPicPr>
+        <p:blipFill>
+          <a:blip r:embed="rId13" cstate="print">
+            <a:extLst>
+              <a:ext uri="{28A0092B-C50C-407E-A947-70E740481C1C}">
+                <a14:useLocalDpi xmlns:a14="http://schemas.microsoft.com/office/drawing/2010/main" val="0"/>
+              </a:ext>
+            </a:extLst>
+          </a:blip>
+          <a:stretch>
+            <a:fillRect/>
+          </a:stretch>
+        </p:blipFill>
+        <p:spPr>
+          <a:xfrm>
+            <a:off x="6959407" y="4083388"/>
+            <a:ext cx="427854" cy="427854"/>
+          </a:xfrm>
+          <a:prstGeom prst="rect">
+            <a:avLst/>
+          </a:prstGeom>
+        </p:spPr>
+      </p:pic>
+      <p:sp>
+        <p:nvSpPr>
+          <p:cNvPr id="42" name="TextBox 41"/>
+          <p:cNvSpPr txBox="1"/>
+          <p:nvPr>
+            <p:custDataLst>
+              <p:tags r:id="rId1"/>
+            </p:custDataLst>
+          </p:nvPr>
+        </p:nvSpPr>
+        <p:spPr>
+          <a:xfrm>
+            <a:off x="6454753" y="4550649"/>
+            <a:ext cx="1442896" cy="200055"/>
+          </a:xfrm>
+          <a:prstGeom prst="rect">
+            <a:avLst/>
+          </a:prstGeom>
+          <a:solidFill>
+            <a:scrgbClr r="0" g="0" b="0">
+              <a:alpha val="0"/>
+            </a:scrgbClr>
+          </a:solidFill>
+          <a:ln>
+            <a:noFill/>
+          </a:ln>
+        </p:spPr>
+        <p:txBody>
+          <a:bodyPr wrap="none" lIns="0" tIns="0" rIns="0" bIns="0" rtlCol="0">
+            <a:spAutoFit/>
+          </a:bodyPr>
+          <a:lstStyle/>
+          <a:p>
+            <a:pPr algn="ctr" eaLnBrk="0" fontAlgn="base" hangingPunct="0">
+              <a:spcBef>
+                <a:spcPts val="500"/>
+              </a:spcBef>
+              <a:spcAft>
+                <a:spcPct val="0"/>
+              </a:spcAft>
+            </a:pPr>
+            <a:r>
+              <a:rPr lang="sv-SE" sz="1300" b="1" dirty="0" smtClean="0">
+                <a:solidFill>
+                  <a:srgbClr val="5E676E"/>
+                </a:solidFill>
+                <a:latin typeface="Arial" panose="020B0604020202020204" pitchFamily="34" charset="0"/>
+                <a:cs typeface="Arial" panose="020B0604020202020204" pitchFamily="34" charset="0"/>
+              </a:rPr>
+              <a:t>AUTOSAR </a:t>
+            </a:r>
+            <a:r>
+              <a:rPr lang="sv-SE" sz="1300" b="1" dirty="0" err="1" smtClean="0">
+                <a:solidFill>
+                  <a:srgbClr val="5E676E"/>
+                </a:solidFill>
+                <a:latin typeface="Arial" panose="020B0604020202020204" pitchFamily="34" charset="0"/>
+                <a:cs typeface="Arial" panose="020B0604020202020204" pitchFamily="34" charset="0"/>
+              </a:rPr>
+              <a:t>Builder</a:t>
+            </a:r>
+            <a:endParaRPr sz="1300" b="1" dirty="0">
+              <a:solidFill>
+                <a:srgbClr val="5E676E"/>
+              </a:solidFill>
+              <a:latin typeface="Arial" panose="020B0604020202020204" pitchFamily="34" charset="0"/>
+              <a:cs typeface="Arial" panose="020B0604020202020204" pitchFamily="34" charset="0"/>
+            </a:endParaRPr>
+          </a:p>
+        </p:txBody>
+      </p:sp>
+      <p:cxnSp>
+        <p:nvCxnSpPr>
+          <p:cNvPr id="43" name="Gewinkelte Verbindung 26"/>
+          <p:cNvCxnSpPr>
+            <a:stCxn id="3" idx="3"/>
+          </p:cNvCxnSpPr>
+          <p:nvPr/>
+        </p:nvCxnSpPr>
+        <p:spPr>
+          <a:xfrm flipH="1">
+            <a:off x="6150165" y="4297315"/>
+            <a:ext cx="1237096" cy="564009"/>
+          </a:xfrm>
+          <a:prstGeom prst="bentConnector3">
+            <a:avLst>
+              <a:gd name="adj1" fmla="val -50584"/>
+            </a:avLst>
+          </a:prstGeom>
+          <a:noFill/>
+          <a:ln w="25400" cap="flat" cmpd="sng" algn="ctr">
+            <a:solidFill>
+              <a:srgbClr val="0070C0"/>
+            </a:solidFill>
+            <a:prstDash val="solid"/>
+            <a:tailEnd type="arrow"/>
+          </a:ln>
+          <a:effectLst/>
+        </p:spPr>
+      </p:cxnSp>
+      <p:cxnSp>
+        <p:nvCxnSpPr>
+          <p:cNvPr id="61" name="Straight Arrow Connector 60"/>
+          <p:cNvCxnSpPr/>
+          <p:nvPr/>
+        </p:nvCxnSpPr>
+        <p:spPr>
+          <a:xfrm>
+            <a:off x="7387261" y="4423195"/>
+            <a:ext cx="1204863" cy="7797"/>
+          </a:xfrm>
+          <a:prstGeom prst="straightConnector1">
+            <a:avLst/>
+          </a:prstGeom>
+          <a:ln w="31750">
+            <a:solidFill>
+              <a:srgbClr val="00B050"/>
+            </a:solidFill>
+            <a:prstDash val="sysDot"/>
+            <a:headEnd type="triangle"/>
+            <a:tailEnd type="triangle"/>
+          </a:ln>
+        </p:spPr>
+        <p:style>
+          <a:lnRef idx="1">
+            <a:schemeClr val="accent1"/>
+          </a:lnRef>
+          <a:fillRef idx="0">
+            <a:schemeClr val="accent1"/>
+          </a:fillRef>
+          <a:effectRef idx="0">
+            <a:schemeClr val="accent1"/>
+          </a:effectRef>
+          <a:fontRef idx="minor">
+            <a:schemeClr val="tx1"/>
+          </a:fontRef>
+        </p:style>
+      </p:cxnSp>
     </p:spTree>
     <p:extLst>
       <p:ext uri="{BB962C8B-B14F-4D97-AF65-F5344CB8AC3E}">
@@ -4706,11 +4877,11 @@
   <p:clrMapOvr>
     <a:masterClrMapping/>
   </p:clrMapOvr>
-  <mc:AlternateContent xmlns:mc="http://schemas.openxmlformats.org/markup-compatibility/2006">
-    <mc:Choice xmlns:p14="http://schemas.microsoft.com/office/powerpoint/2010/main" Requires="p14">
+  <mc:AlternateContent xmlns:mc="http://schemas.openxmlformats.org/markup-compatibility/2006" xmlns:p14="http://schemas.microsoft.com/office/powerpoint/2010/main">
+    <mc:Choice Requires="p14">
       <p:transition spd="slow" p14:dur="2000"/>
     </mc:Choice>
-    <mc:Fallback>
+    <mc:Fallback xmlns="">
       <p:transition spd="slow"/>
     </mc:Fallback>
   </mc:AlternateContent>
@@ -4732,6 +4903,13 @@
 </file>
 
 <file path=ppt/tags/tag2.xml><?xml version="1.0" encoding="utf-8"?>
+<p:tagLst xmlns:a="http://schemas.openxmlformats.org/drawingml/2006/main" xmlns:r="http://schemas.openxmlformats.org/officeDocument/2006/relationships" xmlns:p="http://schemas.openxmlformats.org/presentationml/2006/main">
+  <p:tag name="COLORSETCLASSNAME" val="ColorSet2"/>
+  <p:tag name="COLORS" val="-2;-2;-2;-2;-1;-2"/>
+</p:tagLst>
+</file>
+
+<file path=ppt/tags/tag3.xml><?xml version="1.0" encoding="utf-8"?>
 <p:tagLst xmlns:a="http://schemas.openxmlformats.org/drawingml/2006/main" xmlns:r="http://schemas.openxmlformats.org/officeDocument/2006/relationships" xmlns:p="http://schemas.openxmlformats.org/presentationml/2006/main">
   <p:tag name="COLORSETCLASSNAME" val="ColorSet2"/>
   <p:tag name="COLORS" val="-2;-2;-2;-2;-1;-2"/>

--- a/static/media/tools/eFMI-tools.pptx
+++ b/static/media/tools/eFMI-tools.pptx
@@ -257,7 +257,7 @@
           <a:p>
             <a:fld id="{076171DA-D5DD-486B-A5F5-158E752AA603}" type="datetimeFigureOut">
               <a:rPr lang="en-US" smtClean="0"/>
-              <a:t>4/18/2023</a:t>
+              <a:t>8/1/2023</a:t>
             </a:fld>
             <a:endParaRPr lang="en-US"/>
           </a:p>
@@ -427,7 +427,7 @@
           <a:p>
             <a:fld id="{076171DA-D5DD-486B-A5F5-158E752AA603}" type="datetimeFigureOut">
               <a:rPr lang="en-US" smtClean="0"/>
-              <a:t>4/18/2023</a:t>
+              <a:t>8/1/2023</a:t>
             </a:fld>
             <a:endParaRPr lang="en-US"/>
           </a:p>
@@ -607,7 +607,7 @@
           <a:p>
             <a:fld id="{076171DA-D5DD-486B-A5F5-158E752AA603}" type="datetimeFigureOut">
               <a:rPr lang="en-US" smtClean="0"/>
-              <a:t>4/18/2023</a:t>
+              <a:t>8/1/2023</a:t>
             </a:fld>
             <a:endParaRPr lang="en-US"/>
           </a:p>
@@ -777,7 +777,7 @@
           <a:p>
             <a:fld id="{076171DA-D5DD-486B-A5F5-158E752AA603}" type="datetimeFigureOut">
               <a:rPr lang="en-US" smtClean="0"/>
-              <a:t>4/18/2023</a:t>
+              <a:t>8/1/2023</a:t>
             </a:fld>
             <a:endParaRPr lang="en-US"/>
           </a:p>
@@ -1023,7 +1023,7 @@
           <a:p>
             <a:fld id="{076171DA-D5DD-486B-A5F5-158E752AA603}" type="datetimeFigureOut">
               <a:rPr lang="en-US" smtClean="0"/>
-              <a:t>4/18/2023</a:t>
+              <a:t>8/1/2023</a:t>
             </a:fld>
             <a:endParaRPr lang="en-US"/>
           </a:p>
@@ -1255,7 +1255,7 @@
           <a:p>
             <a:fld id="{076171DA-D5DD-486B-A5F5-158E752AA603}" type="datetimeFigureOut">
               <a:rPr lang="en-US" smtClean="0"/>
-              <a:t>4/18/2023</a:t>
+              <a:t>8/1/2023</a:t>
             </a:fld>
             <a:endParaRPr lang="en-US"/>
           </a:p>
@@ -1622,7 +1622,7 @@
           <a:p>
             <a:fld id="{076171DA-D5DD-486B-A5F5-158E752AA603}" type="datetimeFigureOut">
               <a:rPr lang="en-US" smtClean="0"/>
-              <a:t>4/18/2023</a:t>
+              <a:t>8/1/2023</a:t>
             </a:fld>
             <a:endParaRPr lang="en-US"/>
           </a:p>
@@ -1740,7 +1740,7 @@
           <a:p>
             <a:fld id="{076171DA-D5DD-486B-A5F5-158E752AA603}" type="datetimeFigureOut">
               <a:rPr lang="en-US" smtClean="0"/>
-              <a:t>4/18/2023</a:t>
+              <a:t>8/1/2023</a:t>
             </a:fld>
             <a:endParaRPr lang="en-US"/>
           </a:p>
@@ -1835,7 +1835,7 @@
           <a:p>
             <a:fld id="{076171DA-D5DD-486B-A5F5-158E752AA603}" type="datetimeFigureOut">
               <a:rPr lang="en-US" smtClean="0"/>
-              <a:t>4/18/2023</a:t>
+              <a:t>8/1/2023</a:t>
             </a:fld>
             <a:endParaRPr lang="en-US"/>
           </a:p>
@@ -2112,7 +2112,7 @@
           <a:p>
             <a:fld id="{076171DA-D5DD-486B-A5F5-158E752AA603}" type="datetimeFigureOut">
               <a:rPr lang="en-US" smtClean="0"/>
-              <a:t>4/18/2023</a:t>
+              <a:t>8/1/2023</a:t>
             </a:fld>
             <a:endParaRPr lang="en-US"/>
           </a:p>
@@ -2365,7 +2365,7 @@
           <a:p>
             <a:fld id="{076171DA-D5DD-486B-A5F5-158E752AA603}" type="datetimeFigureOut">
               <a:rPr lang="en-US" smtClean="0"/>
-              <a:t>4/18/2023</a:t>
+              <a:t>8/1/2023</a:t>
             </a:fld>
             <a:endParaRPr lang="en-US"/>
           </a:p>
@@ -2578,7 +2578,7 @@
           <a:p>
             <a:fld id="{076171DA-D5DD-486B-A5F5-158E752AA603}" type="datetimeFigureOut">
               <a:rPr lang="en-US" smtClean="0"/>
-              <a:t>4/18/2023</a:t>
+              <a:t>8/1/2023</a:t>
             </a:fld>
             <a:endParaRPr lang="en-US"/>
           </a:p>
@@ -2985,7 +2985,7 @@
       </p:grpSpPr>
       <p:grpSp>
         <p:nvGrpSpPr>
-          <p:cNvPr id="122" name="Group 121"/>
+          <p:cNvPr id="7" name="Group 6"/>
           <p:cNvGrpSpPr>
             <a:grpSpLocks noChangeAspect="1"/>
           </p:cNvGrpSpPr>
@@ -2995,8 +2995,8 @@
           <a:xfrm>
             <a:off x="2235200" y="1896464"/>
             <a:ext cx="7988639" cy="3272528"/>
-            <a:chOff x="1216036" y="1459583"/>
-            <a:chExt cx="9597083" cy="3931423"/>
+            <a:chOff x="2235200" y="1896464"/>
+            <a:chExt cx="7988639" cy="3272528"/>
           </a:xfrm>
         </p:grpSpPr>
         <p:sp>
@@ -3007,8 +3007,8 @@
           </p:nvSpPr>
           <p:spPr bwMode="auto">
             <a:xfrm>
-              <a:off x="2802028" y="1459583"/>
-              <a:ext cx="6537783" cy="3931423"/>
+              <a:off x="3555384" y="1896464"/>
+              <a:ext cx="5442069" cy="3272528"/>
             </a:xfrm>
             <a:prstGeom prst="blockArc">
               <a:avLst>
@@ -3082,8 +3082,8 @@
           </p:nvCxnSpPr>
           <p:spPr>
             <a:xfrm flipV="1">
-              <a:off x="3607922" y="3318092"/>
-              <a:ext cx="667414" cy="939591"/>
+              <a:off x="4226213" y="3443492"/>
+              <a:ext cx="555557" cy="782118"/>
             </a:xfrm>
             <a:prstGeom prst="bentConnector3">
               <a:avLst>
@@ -3123,8 +3123,8 @@
           </p:blipFill>
           <p:spPr>
             <a:xfrm>
-              <a:off x="8898966" y="1910161"/>
-              <a:ext cx="1222848" cy="409036"/>
+              <a:off x="8630493" y="2271526"/>
+              <a:ext cx="1017902" cy="340483"/>
             </a:xfrm>
             <a:prstGeom prst="rect">
               <a:avLst/>
@@ -3139,8 +3139,8 @@
           </p:nvSpPr>
           <p:spPr bwMode="auto">
             <a:xfrm rot="906860">
-              <a:off x="8436830" y="3550904"/>
-              <a:ext cx="1204820" cy="555466"/>
+              <a:off x="8245809" y="3637286"/>
+              <a:ext cx="1002896" cy="462372"/>
             </a:xfrm>
             <a:prstGeom prst="triangle">
               <a:avLst>
@@ -3224,8 +3224,8 @@
           </p:blipFill>
           <p:spPr bwMode="auto">
             <a:xfrm>
-              <a:off x="1216036" y="2890948"/>
-              <a:ext cx="1187583" cy="1176654"/>
+              <a:off x="2235200" y="3087936"/>
+              <a:ext cx="988547" cy="979450"/>
             </a:xfrm>
             <a:prstGeom prst="rect">
               <a:avLst/>
@@ -3263,8 +3263,8 @@
           </p:nvSpPr>
           <p:spPr>
             <a:xfrm>
-              <a:off x="1359223" y="4072762"/>
-              <a:ext cx="901208" cy="492443"/>
+              <a:off x="2354389" y="4071682"/>
+              <a:ext cx="750168" cy="409911"/>
             </a:xfrm>
             <a:prstGeom prst="rect">
               <a:avLst/>
@@ -3335,8 +3335,8 @@
           </p:nvCxnSpPr>
           <p:spPr>
             <a:xfrm flipH="1">
-              <a:off x="5970077" y="2571853"/>
-              <a:ext cx="1509376" cy="1377886"/>
+              <a:off x="6192477" y="2822321"/>
+              <a:ext cx="1256409" cy="1146956"/>
             </a:xfrm>
             <a:prstGeom prst="bentConnector3">
               <a:avLst>
@@ -3362,7 +3362,7 @@
             </p:cNvPicPr>
             <p:nvPr>
               <p:custDataLst>
-                <p:tags r:id="rId2"/>
+                <p:tags r:id="rId1"/>
               </p:custDataLst>
             </p:nvPr>
           </p:nvPicPr>
@@ -3379,8 +3379,8 @@
           </p:blipFill>
           <p:spPr>
             <a:xfrm>
-              <a:off x="8853617" y="4268397"/>
-              <a:ext cx="1345547" cy="864831"/>
+              <a:off x="8592744" y="4234529"/>
+              <a:ext cx="1120037" cy="719888"/>
             </a:xfrm>
             <a:prstGeom prst="rect">
               <a:avLst/>
@@ -3406,8 +3406,8 @@
           </p:nvCxnSpPr>
           <p:spPr>
             <a:xfrm>
-              <a:off x="2403619" y="3479275"/>
-              <a:ext cx="438131" cy="778408"/>
+              <a:off x="3223747" y="3577662"/>
+              <a:ext cx="364701" cy="647949"/>
             </a:xfrm>
             <a:prstGeom prst="bentConnector3">
               <a:avLst>
@@ -3436,8 +3436,8 @@
           </p:nvCxnSpPr>
           <p:spPr>
             <a:xfrm>
-              <a:off x="5967336" y="3318092"/>
-              <a:ext cx="490154" cy="248024"/>
+              <a:off x="6190196" y="3443492"/>
+              <a:ext cx="408006" cy="206456"/>
             </a:xfrm>
             <a:prstGeom prst="bentConnector3">
               <a:avLst>
@@ -3466,8 +3466,8 @@
           </p:nvCxnSpPr>
           <p:spPr>
             <a:xfrm flipV="1">
-              <a:off x="2403619" y="2515142"/>
-              <a:ext cx="441424" cy="964133"/>
+              <a:off x="3223747" y="2775114"/>
+              <a:ext cx="367443" cy="802547"/>
             </a:xfrm>
             <a:prstGeom prst="bentConnector3">
               <a:avLst>
@@ -3496,8 +3496,8 @@
           </p:nvCxnSpPr>
           <p:spPr>
             <a:xfrm flipV="1">
-              <a:off x="5967336" y="2571853"/>
-              <a:ext cx="890709" cy="746239"/>
+              <a:off x="6190196" y="2822321"/>
+              <a:ext cx="741429" cy="621172"/>
             </a:xfrm>
             <a:prstGeom prst="bentConnector3">
               <a:avLst>
@@ -3525,8 +3525,8 @@
           </p:nvCxnSpPr>
           <p:spPr>
             <a:xfrm flipH="1">
-              <a:off x="5970078" y="3566117"/>
-              <a:ext cx="1912591" cy="386407"/>
+              <a:off x="6192478" y="3649949"/>
+              <a:ext cx="1592046" cy="321646"/>
             </a:xfrm>
             <a:prstGeom prst="bentConnector3">
               <a:avLst>
@@ -3552,8 +3552,8 @@
           </p:nvSpPr>
           <p:spPr>
             <a:xfrm>
-              <a:off x="9436996" y="2998572"/>
-              <a:ext cx="1376123" cy="692498"/>
+              <a:off x="9078350" y="3177523"/>
+              <a:ext cx="1145489" cy="576437"/>
             </a:xfrm>
             <a:prstGeom prst="rect">
               <a:avLst/>
@@ -3665,8 +3665,8 @@
           </p:nvCxnSpPr>
           <p:spPr>
             <a:xfrm flipV="1">
-              <a:off x="3607922" y="2515867"/>
-              <a:ext cx="667414" cy="1741816"/>
+              <a:off x="4226213" y="2775718"/>
+              <a:ext cx="555557" cy="1449893"/>
             </a:xfrm>
             <a:prstGeom prst="bentConnector3">
               <a:avLst>
@@ -3692,8 +3692,8 @@
           </p:nvSpPr>
           <p:spPr>
             <a:xfrm>
-              <a:off x="4273339" y="4346958"/>
-              <a:ext cx="1692000" cy="1044048"/>
+              <a:off x="4780108" y="4299923"/>
+              <a:ext cx="1408426" cy="869069"/>
             </a:xfrm>
             <a:prstGeom prst="flowChartMagneticDisk">
               <a:avLst/>
@@ -3805,8 +3805,8 @@
           </p:nvSpPr>
           <p:spPr>
             <a:xfrm>
-              <a:off x="4272595" y="3574604"/>
-              <a:ext cx="1692000" cy="1044048"/>
+              <a:off x="4779488" y="3657014"/>
+              <a:ext cx="1408426" cy="869069"/>
             </a:xfrm>
             <a:prstGeom prst="flowChartMagneticDisk">
               <a:avLst/>
@@ -3918,8 +3918,8 @@
           </p:nvSpPr>
           <p:spPr>
             <a:xfrm>
-              <a:off x="4275336" y="2796068"/>
-              <a:ext cx="1692000" cy="1044048"/>
+              <a:off x="4781770" y="3008958"/>
+              <a:ext cx="1408426" cy="869069"/>
             </a:xfrm>
             <a:prstGeom prst="flowChartMagneticDisk">
               <a:avLst/>
@@ -4031,8 +4031,8 @@
           </p:nvSpPr>
           <p:spPr>
             <a:xfrm>
-              <a:off x="4275336" y="1964213"/>
-              <a:ext cx="1692000" cy="1103307"/>
+              <a:off x="4781770" y="2316519"/>
+              <a:ext cx="1408426" cy="918396"/>
             </a:xfrm>
             <a:prstGeom prst="flowChartMagneticDisk">
               <a:avLst/>
@@ -4144,8 +4144,8 @@
           </p:nvSpPr>
           <p:spPr>
             <a:xfrm>
-              <a:off x="4275336" y="1645757"/>
-              <a:ext cx="1692000" cy="612000"/>
+              <a:off x="4781770" y="2051436"/>
+              <a:ext cx="1408426" cy="509431"/>
             </a:xfrm>
             <a:prstGeom prst="flowChartMagneticDisk">
               <a:avLst/>
@@ -4212,8 +4212,8 @@
           </p:nvCxnSpPr>
           <p:spPr>
             <a:xfrm flipV="1">
-              <a:off x="5964595" y="4700813"/>
-              <a:ext cx="2889022" cy="498597"/>
+              <a:off x="6187914" y="4594473"/>
+              <a:ext cx="2404830" cy="415034"/>
             </a:xfrm>
             <a:prstGeom prst="bentConnector3">
               <a:avLst>
@@ -4241,8 +4241,8 @@
           </p:nvCxnSpPr>
           <p:spPr>
             <a:xfrm flipV="1">
-              <a:off x="5962096" y="2114679"/>
-              <a:ext cx="2936870" cy="216574"/>
+              <a:off x="6185834" y="2441768"/>
+              <a:ext cx="2444659" cy="180277"/>
             </a:xfrm>
             <a:prstGeom prst="bentConnector3">
               <a:avLst>
@@ -4270,8 +4270,8 @@
           </p:nvCxnSpPr>
           <p:spPr>
             <a:xfrm rot="16200000" flipH="1">
-              <a:off x="7306369" y="3153566"/>
-              <a:ext cx="2561812" cy="532684"/>
+              <a:off x="7304810" y="3306540"/>
+              <a:ext cx="2132460" cy="443408"/>
             </a:xfrm>
             <a:prstGeom prst="bentConnector2">
               <a:avLst/>
@@ -4309,8 +4309,8 @@
           </p:blipFill>
           <p:spPr>
             <a:xfrm>
-              <a:off x="6457490" y="3309152"/>
-              <a:ext cx="1425179" cy="513928"/>
+              <a:off x="6598201" y="3436051"/>
+              <a:ext cx="1186323" cy="427795"/>
             </a:xfrm>
             <a:prstGeom prst="rect">
               <a:avLst/>
@@ -4339,8 +4339,8 @@
           </p:blipFill>
           <p:spPr>
             <a:xfrm>
-              <a:off x="6858045" y="2261149"/>
-              <a:ext cx="621408" cy="621408"/>
+              <a:off x="6931624" y="2563690"/>
+              <a:ext cx="517262" cy="517262"/>
             </a:xfrm>
             <a:prstGeom prst="rect">
               <a:avLst/>
@@ -4353,14 +4353,14 @@
             <p:cNvSpPr txBox="1"/>
             <p:nvPr>
               <p:custDataLst>
-                <p:tags r:id="rId3"/>
+                <p:tags r:id="rId2"/>
               </p:custDataLst>
             </p:nvPr>
           </p:nvSpPr>
           <p:spPr>
             <a:xfrm>
-              <a:off x="6726986" y="2876564"/>
-              <a:ext cx="869532" cy="200055"/>
+              <a:off x="6822530" y="3075963"/>
+              <a:ext cx="723801" cy="166526"/>
             </a:xfrm>
             <a:prstGeom prst="rect">
               <a:avLst/>
@@ -4430,8 +4430,8 @@
           </p:blipFill>
           <p:spPr>
             <a:xfrm>
-              <a:off x="2841750" y="4010949"/>
-              <a:ext cx="766172" cy="493467"/>
+              <a:off x="3588449" y="4020229"/>
+              <a:ext cx="637764" cy="410763"/>
             </a:xfrm>
             <a:prstGeom prst="rect">
               <a:avLst/>
@@ -4446,8 +4446,8 @@
           </p:nvSpPr>
           <p:spPr>
             <a:xfrm>
-              <a:off x="2745006" y="4466732"/>
-              <a:ext cx="959660" cy="292388"/>
+              <a:off x="3507919" y="4399624"/>
+              <a:ext cx="798824" cy="243385"/>
             </a:xfrm>
             <a:prstGeom prst="rect">
               <a:avLst/>
@@ -4510,8 +4510,8 @@
           </p:blipFill>
           <p:spPr>
             <a:xfrm>
-              <a:off x="2845043" y="2108721"/>
-              <a:ext cx="812842" cy="812842"/>
+              <a:off x="3591190" y="2436808"/>
+              <a:ext cx="676612" cy="676612"/>
             </a:xfrm>
             <a:prstGeom prst="rect">
               <a:avLst/>
@@ -4526,8 +4526,8 @@
           </p:nvSpPr>
           <p:spPr>
             <a:xfrm>
-              <a:off x="2720042" y="2745578"/>
-              <a:ext cx="1102288" cy="292388"/>
+              <a:off x="3487139" y="2966930"/>
+              <a:ext cx="917548" cy="243385"/>
             </a:xfrm>
             <a:prstGeom prst="rect">
               <a:avLst/>
@@ -4579,8 +4579,8 @@
           </p:nvCxnSpPr>
           <p:spPr>
             <a:xfrm>
-              <a:off x="3630177" y="2515142"/>
-              <a:ext cx="645159" cy="725"/>
+              <a:off x="4244738" y="2775114"/>
+              <a:ext cx="537032" cy="603"/>
             </a:xfrm>
             <a:prstGeom prst="bentConnector3">
               <a:avLst>
@@ -4608,8 +4608,8 @@
           </p:nvCxnSpPr>
           <p:spPr>
             <a:xfrm>
-              <a:off x="5961517" y="4235461"/>
-              <a:ext cx="929904" cy="108363"/>
+              <a:off x="6185352" y="4207113"/>
+              <a:ext cx="774055" cy="90202"/>
             </a:xfrm>
             <a:prstGeom prst="bentConnector3">
               <a:avLst>
@@ -4638,8 +4638,8 @@
           </p:nvCxnSpPr>
           <p:spPr>
             <a:xfrm>
-              <a:off x="9510390" y="2319197"/>
-              <a:ext cx="16001" cy="1949200"/>
+              <a:off x="9139444" y="2612009"/>
+              <a:ext cx="13319" cy="1622520"/>
             </a:xfrm>
             <a:prstGeom prst="straightConnector1">
               <a:avLst/>
@@ -4690,183 +4690,183 @@
           </p:blipFill>
           <p:spPr>
             <a:xfrm>
-              <a:off x="1216036" y="1460562"/>
-              <a:ext cx="2488630" cy="596008"/>
+              <a:off x="2235200" y="1897279"/>
+              <a:ext cx="2071543" cy="496119"/>
             </a:xfrm>
             <a:prstGeom prst="rect">
               <a:avLst/>
             </a:prstGeom>
           </p:spPr>
         </p:pic>
-      </p:grpSp>
-      <p:pic>
-        <p:nvPicPr>
-          <p:cNvPr id="3" name="Picture 2"/>
-          <p:cNvPicPr>
-            <a:picLocks noChangeAspect="1"/>
-          </p:cNvPicPr>
-          <p:nvPr/>
-        </p:nvPicPr>
-        <p:blipFill>
-          <a:blip r:embed="rId13" cstate="print">
-            <a:extLst>
-              <a:ext uri="{28A0092B-C50C-407E-A947-70E740481C1C}">
-                <a14:useLocalDpi xmlns:a14="http://schemas.microsoft.com/office/drawing/2010/main" val="0"/>
-              </a:ext>
-            </a:extLst>
-          </a:blip>
-          <a:stretch>
-            <a:fillRect/>
-          </a:stretch>
-        </p:blipFill>
-        <p:spPr>
-          <a:xfrm>
-            <a:off x="6959407" y="4083388"/>
-            <a:ext cx="427854" cy="427854"/>
-          </a:xfrm>
-          <a:prstGeom prst="rect">
-            <a:avLst/>
-          </a:prstGeom>
-        </p:spPr>
-      </p:pic>
-      <p:sp>
-        <p:nvSpPr>
-          <p:cNvPr id="42" name="TextBox 41"/>
-          <p:cNvSpPr txBox="1"/>
-          <p:nvPr>
-            <p:custDataLst>
-              <p:tags r:id="rId1"/>
-            </p:custDataLst>
-          </p:nvPr>
-        </p:nvSpPr>
-        <p:spPr>
-          <a:xfrm>
-            <a:off x="6454753" y="4550649"/>
-            <a:ext cx="1442896" cy="200055"/>
-          </a:xfrm>
-          <a:prstGeom prst="rect">
-            <a:avLst/>
-          </a:prstGeom>
-          <a:solidFill>
-            <a:scrgbClr r="0" g="0" b="0">
-              <a:alpha val="0"/>
-            </a:scrgbClr>
-          </a:solidFill>
-          <a:ln>
-            <a:noFill/>
-          </a:ln>
-        </p:spPr>
-        <p:txBody>
-          <a:bodyPr wrap="none" lIns="0" tIns="0" rIns="0" bIns="0" rtlCol="0">
-            <a:spAutoFit/>
-          </a:bodyPr>
-          <a:lstStyle/>
-          <a:p>
-            <a:pPr algn="ctr" eaLnBrk="0" fontAlgn="base" hangingPunct="0">
-              <a:spcBef>
-                <a:spcPts val="500"/>
-              </a:spcBef>
-              <a:spcAft>
-                <a:spcPct val="0"/>
-              </a:spcAft>
-            </a:pPr>
-            <a:r>
-              <a:rPr lang="sv-SE" sz="1300" b="1" dirty="0" smtClean="0">
+        <p:pic>
+          <p:nvPicPr>
+            <p:cNvPr id="3" name="Picture 2"/>
+            <p:cNvPicPr>
+              <a:picLocks noChangeAspect="1"/>
+            </p:cNvPicPr>
+            <p:nvPr/>
+          </p:nvPicPr>
+          <p:blipFill>
+            <a:blip r:embed="rId13" cstate="print">
+              <a:extLst>
+                <a:ext uri="{28A0092B-C50C-407E-A947-70E740481C1C}">
+                  <a14:useLocalDpi xmlns:a14="http://schemas.microsoft.com/office/drawing/2010/main" val="0"/>
+                </a:ext>
+              </a:extLst>
+            </a:blip>
+            <a:stretch>
+              <a:fillRect/>
+            </a:stretch>
+          </p:blipFill>
+          <p:spPr>
+            <a:xfrm>
+              <a:off x="6959407" y="4083388"/>
+              <a:ext cx="427854" cy="427854"/>
+            </a:xfrm>
+            <a:prstGeom prst="rect">
+              <a:avLst/>
+            </a:prstGeom>
+          </p:spPr>
+        </p:pic>
+        <p:sp>
+          <p:nvSpPr>
+            <p:cNvPr id="42" name="TextBox 41"/>
+            <p:cNvSpPr txBox="1"/>
+            <p:nvPr>
+              <p:custDataLst>
+                <p:tags r:id="rId3"/>
+              </p:custDataLst>
+            </p:nvPr>
+          </p:nvSpPr>
+          <p:spPr>
+            <a:xfrm>
+              <a:off x="6454753" y="4550649"/>
+              <a:ext cx="1442896" cy="200055"/>
+            </a:xfrm>
+            <a:prstGeom prst="rect">
+              <a:avLst/>
+            </a:prstGeom>
+            <a:solidFill>
+              <a:scrgbClr r="0" g="0" b="0">
+                <a:alpha val="0"/>
+              </a:scrgbClr>
+            </a:solidFill>
+            <a:ln>
+              <a:noFill/>
+            </a:ln>
+          </p:spPr>
+          <p:txBody>
+            <a:bodyPr wrap="none" lIns="0" tIns="0" rIns="0" bIns="0" rtlCol="0">
+              <a:spAutoFit/>
+            </a:bodyPr>
+            <a:lstStyle/>
+            <a:p>
+              <a:pPr algn="ctr" eaLnBrk="0" fontAlgn="base" hangingPunct="0">
+                <a:spcBef>
+                  <a:spcPts val="500"/>
+                </a:spcBef>
+                <a:spcAft>
+                  <a:spcPct val="0"/>
+                </a:spcAft>
+              </a:pPr>
+              <a:r>
+                <a:rPr lang="sv-SE" sz="1300" b="1" dirty="0" smtClean="0">
+                  <a:solidFill>
+                    <a:srgbClr val="5E676E"/>
+                  </a:solidFill>
+                  <a:latin typeface="Arial" panose="020B0604020202020204" pitchFamily="34" charset="0"/>
+                  <a:cs typeface="Arial" panose="020B0604020202020204" pitchFamily="34" charset="0"/>
+                </a:rPr>
+                <a:t>AUTOSAR </a:t>
+              </a:r>
+              <a:r>
+                <a:rPr lang="sv-SE" sz="1300" b="1" dirty="0" err="1" smtClean="0">
+                  <a:solidFill>
+                    <a:srgbClr val="5E676E"/>
+                  </a:solidFill>
+                  <a:latin typeface="Arial" panose="020B0604020202020204" pitchFamily="34" charset="0"/>
+                  <a:cs typeface="Arial" panose="020B0604020202020204" pitchFamily="34" charset="0"/>
+                </a:rPr>
+                <a:t>Builder</a:t>
+              </a:r>
+              <a:endParaRPr sz="1300" b="1" dirty="0">
                 <a:solidFill>
                   <a:srgbClr val="5E676E"/>
                 </a:solidFill>
                 <a:latin typeface="Arial" panose="020B0604020202020204" pitchFamily="34" charset="0"/>
                 <a:cs typeface="Arial" panose="020B0604020202020204" pitchFamily="34" charset="0"/>
-              </a:rPr>
-              <a:t>AUTOSAR </a:t>
-            </a:r>
-            <a:r>
-              <a:rPr lang="sv-SE" sz="1300" b="1" dirty="0" err="1" smtClean="0">
-                <a:solidFill>
-                  <a:srgbClr val="5E676E"/>
-                </a:solidFill>
-                <a:latin typeface="Arial" panose="020B0604020202020204" pitchFamily="34" charset="0"/>
-                <a:cs typeface="Arial" panose="020B0604020202020204" pitchFamily="34" charset="0"/>
-              </a:rPr>
-              <a:t>Builder</a:t>
-            </a:r>
-            <a:endParaRPr sz="1300" b="1" dirty="0">
+              </a:endParaRPr>
+            </a:p>
+          </p:txBody>
+        </p:sp>
+        <p:cxnSp>
+          <p:nvCxnSpPr>
+            <p:cNvPr id="43" name="Gewinkelte Verbindung 26"/>
+            <p:cNvCxnSpPr>
+              <a:stCxn id="3" idx="3"/>
+            </p:cNvCxnSpPr>
+            <p:nvPr/>
+          </p:nvCxnSpPr>
+          <p:spPr>
+            <a:xfrm flipH="1">
+              <a:off x="6150165" y="4297315"/>
+              <a:ext cx="1237096" cy="564009"/>
+            </a:xfrm>
+            <a:prstGeom prst="bentConnector3">
+              <a:avLst>
+                <a:gd name="adj1" fmla="val -50584"/>
+              </a:avLst>
+            </a:prstGeom>
+            <a:noFill/>
+            <a:ln w="25400" cap="flat" cmpd="sng" algn="ctr">
               <a:solidFill>
-                <a:srgbClr val="5E676E"/>
+                <a:srgbClr val="0070C0"/>
               </a:solidFill>
-              <a:latin typeface="Arial" panose="020B0604020202020204" pitchFamily="34" charset="0"/>
-              <a:cs typeface="Arial" panose="020B0604020202020204" pitchFamily="34" charset="0"/>
-            </a:endParaRPr>
-          </a:p>
-        </p:txBody>
-      </p:sp>
-      <p:cxnSp>
-        <p:nvCxnSpPr>
-          <p:cNvPr id="43" name="Gewinkelte Verbindung 26"/>
-          <p:cNvCxnSpPr>
-            <a:stCxn id="3" idx="3"/>
-          </p:cNvCxnSpPr>
-          <p:nvPr/>
-        </p:nvCxnSpPr>
-        <p:spPr>
-          <a:xfrm flipH="1">
-            <a:off x="6150165" y="4297315"/>
-            <a:ext cx="1237096" cy="564009"/>
-          </a:xfrm>
-          <a:prstGeom prst="bentConnector3">
-            <a:avLst>
-              <a:gd name="adj1" fmla="val -50584"/>
-            </a:avLst>
-          </a:prstGeom>
-          <a:noFill/>
-          <a:ln w="25400" cap="flat" cmpd="sng" algn="ctr">
-            <a:solidFill>
-              <a:srgbClr val="0070C0"/>
-            </a:solidFill>
-            <a:prstDash val="solid"/>
-            <a:tailEnd type="arrow"/>
-          </a:ln>
-          <a:effectLst/>
-        </p:spPr>
-      </p:cxnSp>
-      <p:cxnSp>
-        <p:nvCxnSpPr>
-          <p:cNvPr id="61" name="Straight Arrow Connector 60"/>
-          <p:cNvCxnSpPr/>
-          <p:nvPr/>
-        </p:nvCxnSpPr>
-        <p:spPr>
-          <a:xfrm>
-            <a:off x="7387261" y="4423195"/>
-            <a:ext cx="1204863" cy="7797"/>
-          </a:xfrm>
-          <a:prstGeom prst="straightConnector1">
-            <a:avLst/>
-          </a:prstGeom>
-          <a:ln w="31750">
-            <a:solidFill>
-              <a:srgbClr val="00B050"/>
-            </a:solidFill>
-            <a:prstDash val="sysDot"/>
-            <a:headEnd type="triangle"/>
-            <a:tailEnd type="triangle"/>
-          </a:ln>
-        </p:spPr>
-        <p:style>
-          <a:lnRef idx="1">
-            <a:schemeClr val="accent1"/>
-          </a:lnRef>
-          <a:fillRef idx="0">
-            <a:schemeClr val="accent1"/>
-          </a:fillRef>
-          <a:effectRef idx="0">
-            <a:schemeClr val="accent1"/>
-          </a:effectRef>
-          <a:fontRef idx="minor">
-            <a:schemeClr val="tx1"/>
-          </a:fontRef>
-        </p:style>
-      </p:cxnSp>
+              <a:prstDash val="solid"/>
+              <a:tailEnd type="arrow"/>
+            </a:ln>
+            <a:effectLst/>
+          </p:spPr>
+        </p:cxnSp>
+        <p:cxnSp>
+          <p:nvCxnSpPr>
+            <p:cNvPr id="61" name="Straight Arrow Connector 60"/>
+            <p:cNvCxnSpPr/>
+            <p:nvPr/>
+          </p:nvCxnSpPr>
+          <p:spPr>
+            <a:xfrm>
+              <a:off x="7387261" y="4423195"/>
+              <a:ext cx="1204863" cy="7797"/>
+            </a:xfrm>
+            <a:prstGeom prst="straightConnector1">
+              <a:avLst/>
+            </a:prstGeom>
+            <a:ln w="31750">
+              <a:solidFill>
+                <a:srgbClr val="00B050"/>
+              </a:solidFill>
+              <a:prstDash val="sysDot"/>
+              <a:headEnd type="triangle"/>
+              <a:tailEnd type="triangle"/>
+            </a:ln>
+          </p:spPr>
+          <p:style>
+            <a:lnRef idx="1">
+              <a:schemeClr val="accent1"/>
+            </a:lnRef>
+            <a:fillRef idx="0">
+              <a:schemeClr val="accent1"/>
+            </a:fillRef>
+            <a:effectRef idx="0">
+              <a:schemeClr val="accent1"/>
+            </a:effectRef>
+            <a:fontRef idx="minor">
+              <a:schemeClr val="tx1"/>
+            </a:fontRef>
+          </p:style>
+        </p:cxnSp>
+      </p:grpSp>
     </p:spTree>
     <p:extLst>
       <p:ext uri="{BB962C8B-B14F-4D97-AF65-F5344CB8AC3E}">

--- a/static/media/tools/eFMI-tools.pptx
+++ b/static/media/tools/eFMI-tools.pptx
@@ -257,7 +257,7 @@
           <a:p>
             <a:fld id="{076171DA-D5DD-486B-A5F5-158E752AA603}" type="datetimeFigureOut">
               <a:rPr lang="en-US" smtClean="0"/>
-              <a:t>8/1/2023</a:t>
+              <a:t>1/9/2024</a:t>
             </a:fld>
             <a:endParaRPr lang="en-US"/>
           </a:p>
@@ -427,7 +427,7 @@
           <a:p>
             <a:fld id="{076171DA-D5DD-486B-A5F5-158E752AA603}" type="datetimeFigureOut">
               <a:rPr lang="en-US" smtClean="0"/>
-              <a:t>8/1/2023</a:t>
+              <a:t>1/9/2024</a:t>
             </a:fld>
             <a:endParaRPr lang="en-US"/>
           </a:p>
@@ -607,7 +607,7 @@
           <a:p>
             <a:fld id="{076171DA-D5DD-486B-A5F5-158E752AA603}" type="datetimeFigureOut">
               <a:rPr lang="en-US" smtClean="0"/>
-              <a:t>8/1/2023</a:t>
+              <a:t>1/9/2024</a:t>
             </a:fld>
             <a:endParaRPr lang="en-US"/>
           </a:p>
@@ -777,7 +777,7 @@
           <a:p>
             <a:fld id="{076171DA-D5DD-486B-A5F5-158E752AA603}" type="datetimeFigureOut">
               <a:rPr lang="en-US" smtClean="0"/>
-              <a:t>8/1/2023</a:t>
+              <a:t>1/9/2024</a:t>
             </a:fld>
             <a:endParaRPr lang="en-US"/>
           </a:p>
@@ -1023,7 +1023,7 @@
           <a:p>
             <a:fld id="{076171DA-D5DD-486B-A5F5-158E752AA603}" type="datetimeFigureOut">
               <a:rPr lang="en-US" smtClean="0"/>
-              <a:t>8/1/2023</a:t>
+              <a:t>1/9/2024</a:t>
             </a:fld>
             <a:endParaRPr lang="en-US"/>
           </a:p>
@@ -1255,7 +1255,7 @@
           <a:p>
             <a:fld id="{076171DA-D5DD-486B-A5F5-158E752AA603}" type="datetimeFigureOut">
               <a:rPr lang="en-US" smtClean="0"/>
-              <a:t>8/1/2023</a:t>
+              <a:t>1/9/2024</a:t>
             </a:fld>
             <a:endParaRPr lang="en-US"/>
           </a:p>
@@ -1622,7 +1622,7 @@
           <a:p>
             <a:fld id="{076171DA-D5DD-486B-A5F5-158E752AA603}" type="datetimeFigureOut">
               <a:rPr lang="en-US" smtClean="0"/>
-              <a:t>8/1/2023</a:t>
+              <a:t>1/9/2024</a:t>
             </a:fld>
             <a:endParaRPr lang="en-US"/>
           </a:p>
@@ -1740,7 +1740,7 @@
           <a:p>
             <a:fld id="{076171DA-D5DD-486B-A5F5-158E752AA603}" type="datetimeFigureOut">
               <a:rPr lang="en-US" smtClean="0"/>
-              <a:t>8/1/2023</a:t>
+              <a:t>1/9/2024</a:t>
             </a:fld>
             <a:endParaRPr lang="en-US"/>
           </a:p>
@@ -1835,7 +1835,7 @@
           <a:p>
             <a:fld id="{076171DA-D5DD-486B-A5F5-158E752AA603}" type="datetimeFigureOut">
               <a:rPr lang="en-US" smtClean="0"/>
-              <a:t>8/1/2023</a:t>
+              <a:t>1/9/2024</a:t>
             </a:fld>
             <a:endParaRPr lang="en-US"/>
           </a:p>
@@ -2112,7 +2112,7 @@
           <a:p>
             <a:fld id="{076171DA-D5DD-486B-A5F5-158E752AA603}" type="datetimeFigureOut">
               <a:rPr lang="en-US" smtClean="0"/>
-              <a:t>8/1/2023</a:t>
+              <a:t>1/9/2024</a:t>
             </a:fld>
             <a:endParaRPr lang="en-US"/>
           </a:p>
@@ -2365,7 +2365,7 @@
           <a:p>
             <a:fld id="{076171DA-D5DD-486B-A5F5-158E752AA603}" type="datetimeFigureOut">
               <a:rPr lang="en-US" smtClean="0"/>
-              <a:t>8/1/2023</a:t>
+              <a:t>1/9/2024</a:t>
             </a:fld>
             <a:endParaRPr lang="en-US"/>
           </a:p>
@@ -2578,7 +2578,7 @@
           <a:p>
             <a:fld id="{076171DA-D5DD-486B-A5F5-158E752AA603}" type="datetimeFigureOut">
               <a:rPr lang="en-US" smtClean="0"/>
-              <a:t>8/1/2023</a:t>
+              <a:t>1/9/2024</a:t>
             </a:fld>
             <a:endParaRPr lang="en-US"/>
           </a:p>
@@ -3263,8 +3263,8 @@
           </p:nvSpPr>
           <p:spPr>
             <a:xfrm>
-              <a:off x="2354389" y="4071682"/>
-              <a:ext cx="750168" cy="409911"/>
+              <a:off x="2307723" y="4071682"/>
+              <a:ext cx="843501" cy="461665"/>
             </a:xfrm>
             <a:prstGeom prst="rect">
               <a:avLst/>
@@ -3286,7 +3286,7 @@
                 </a:spcAft>
               </a:pPr>
               <a:r>
-                <a:rPr lang="en-US" sz="1300" b="1" dirty="0" smtClean="0">
+                <a:rPr lang="en-US" sz="1200" b="1" dirty="0" smtClean="0">
                   <a:solidFill>
                     <a:srgbClr val="5E676E"/>
                   </a:solidFill>
@@ -3306,7 +3306,7 @@
                 </a:spcAft>
               </a:pPr>
               <a:r>
-                <a:rPr lang="en-US" sz="1300" b="1" dirty="0" smtClean="0">
+                <a:rPr lang="en-US" sz="1200" b="1" dirty="0" smtClean="0">
                   <a:solidFill>
                     <a:srgbClr val="5E676E"/>
                   </a:solidFill>
@@ -3315,7 +3315,7 @@
                 </a:rPr>
                 <a:t>model</a:t>
               </a:r>
-              <a:endParaRPr lang="en-US" sz="1300" b="1" dirty="0">
+              <a:endParaRPr lang="en-US" sz="1200" b="1" dirty="0">
                 <a:solidFill>
                   <a:srgbClr val="5E676E"/>
                 </a:solidFill>
@@ -3553,7 +3553,7 @@
           <p:spPr>
             <a:xfrm>
               <a:off x="9078350" y="3177523"/>
-              <a:ext cx="1145489" cy="576437"/>
+              <a:ext cx="1145489" cy="646331"/>
             </a:xfrm>
             <a:prstGeom prst="rect">
               <a:avLst/>
@@ -3575,7 +3575,7 @@
                 </a:spcAft>
               </a:pPr>
               <a:r>
-                <a:rPr lang="sv-SE" sz="1300" dirty="0" err="1">
+                <a:rPr lang="sv-SE" sz="1200" b="1" dirty="0" err="1">
                   <a:solidFill>
                     <a:srgbClr val="00B050"/>
                   </a:solidFill>
@@ -3585,7 +3585,7 @@
                 <a:t>t</a:t>
               </a:r>
               <a:r>
-                <a:rPr lang="sv-SE" sz="1300" dirty="0" err="1" smtClean="0">
+                <a:rPr lang="sv-SE" sz="1200" b="1" dirty="0" err="1" smtClean="0">
                   <a:solidFill>
                     <a:srgbClr val="00B050"/>
                   </a:solidFill>
@@ -3595,7 +3595,7 @@
                 <a:t>esting</a:t>
               </a:r>
               <a:r>
-                <a:rPr lang="sv-SE" sz="1300" dirty="0" smtClean="0">
+                <a:rPr lang="sv-SE" sz="1200" b="1" dirty="0" smtClean="0">
                   <a:solidFill>
                     <a:srgbClr val="00B050"/>
                   </a:solidFill>
@@ -3615,7 +3615,7 @@
                 </a:spcAft>
               </a:pPr>
               <a:r>
-                <a:rPr lang="sv-SE" sz="1300" dirty="0">
+                <a:rPr lang="sv-SE" sz="1200" b="1" dirty="0">
                   <a:solidFill>
                     <a:srgbClr val="00B050"/>
                   </a:solidFill>
@@ -3625,7 +3625,7 @@
                 <a:t>s</a:t>
               </a:r>
               <a:r>
-                <a:rPr lang="sv-SE" sz="1300" dirty="0" smtClean="0">
+                <a:rPr lang="sv-SE" sz="1200" b="1" dirty="0" smtClean="0">
                   <a:solidFill>
                     <a:srgbClr val="00B050"/>
                   </a:solidFill>
@@ -3635,7 +3635,7 @@
                 <a:t>ystem </a:t>
               </a:r>
               <a:r>
-                <a:rPr lang="sv-SE" sz="1300" dirty="0">
+                <a:rPr lang="sv-SE" sz="1200" b="1" dirty="0">
                   <a:solidFill>
                     <a:srgbClr val="00B050"/>
                   </a:solidFill>
@@ -3644,7 +3644,7 @@
                 </a:rPr>
                 <a:t>integration</a:t>
               </a:r>
-              <a:endParaRPr lang="en-US" sz="1300" dirty="0">
+              <a:endParaRPr lang="en-US" sz="1200" b="1" dirty="0">
                 <a:solidFill>
                   <a:srgbClr val="00B050"/>
                 </a:solidFill>
@@ -4359,8 +4359,8 @@
           </p:nvSpPr>
           <p:spPr>
             <a:xfrm>
-              <a:off x="6822530" y="3075963"/>
-              <a:ext cx="723801" cy="166526"/>
+              <a:off x="6431023" y="3057491"/>
+              <a:ext cx="1506823" cy="369332"/>
             </a:xfrm>
             <a:prstGeom prst="rect">
               <a:avLst/>
@@ -4389,16 +4389,55 @@
                 </a:spcAft>
               </a:pPr>
               <a:r>
-                <a:rPr lang="sv-SE" sz="1300" b="1" dirty="0" smtClean="0">
+                <a:rPr lang="sv-SE" sz="1200" b="1" dirty="0" smtClean="0">
                   <a:solidFill>
                     <a:srgbClr val="5E676E"/>
                   </a:solidFill>
                   <a:latin typeface="Arial" panose="020B0604020202020204" pitchFamily="34" charset="0"/>
                   <a:cs typeface="Arial" panose="020B0604020202020204" pitchFamily="34" charset="0"/>
                 </a:rPr>
-                <a:t>CATIA ESP</a:t>
+                <a:t>Software </a:t>
               </a:r>
-              <a:endParaRPr sz="1300" b="1" dirty="0">
+              <a:r>
+                <a:rPr lang="sv-SE" sz="1200" b="1" dirty="0" err="1" smtClean="0">
+                  <a:solidFill>
+                    <a:srgbClr val="5E676E"/>
+                  </a:solidFill>
+                  <a:latin typeface="Arial" panose="020B0604020202020204" pitchFamily="34" charset="0"/>
+                  <a:cs typeface="Arial" panose="020B0604020202020204" pitchFamily="34" charset="0"/>
+                </a:rPr>
+                <a:t>Production</a:t>
+              </a:r>
+              <a:r>
+                <a:rPr lang="sv-SE" sz="1200" b="1" dirty="0" smtClean="0">
+                  <a:solidFill>
+                    <a:srgbClr val="5E676E"/>
+                  </a:solidFill>
+                  <a:latin typeface="Arial" panose="020B0604020202020204" pitchFamily="34" charset="0"/>
+                  <a:cs typeface="Arial" panose="020B0604020202020204" pitchFamily="34" charset="0"/>
+                </a:rPr>
+                <a:t/>
+              </a:r>
+              <a:br>
+                <a:rPr lang="sv-SE" sz="1200" b="1" dirty="0" smtClean="0">
+                  <a:solidFill>
+                    <a:srgbClr val="5E676E"/>
+                  </a:solidFill>
+                  <a:latin typeface="Arial" panose="020B0604020202020204" pitchFamily="34" charset="0"/>
+                  <a:cs typeface="Arial" panose="020B0604020202020204" pitchFamily="34" charset="0"/>
+                </a:rPr>
+              </a:br>
+              <a:r>
+                <a:rPr lang="sv-SE" sz="1200" b="1" dirty="0" err="1" smtClean="0">
+                  <a:solidFill>
+                    <a:srgbClr val="5E676E"/>
+                  </a:solidFill>
+                  <a:latin typeface="Arial" panose="020B0604020202020204" pitchFamily="34" charset="0"/>
+                  <a:cs typeface="Arial" panose="020B0604020202020204" pitchFamily="34" charset="0"/>
+                </a:rPr>
+                <a:t>Engineering</a:t>
+              </a:r>
+              <a:endParaRPr sz="1200" b="1" dirty="0">
                 <a:solidFill>
                   <a:srgbClr val="5E676E"/>
                 </a:solidFill>
@@ -4446,8 +4485,8 @@
           </p:nvSpPr>
           <p:spPr>
             <a:xfrm>
-              <a:off x="3507919" y="4399624"/>
-              <a:ext cx="798824" cy="243385"/>
+              <a:off x="3507919" y="4418096"/>
+              <a:ext cx="798824" cy="276999"/>
             </a:xfrm>
             <a:prstGeom prst="rect">
               <a:avLst/>
@@ -4469,7 +4508,7 @@
                 </a:spcAft>
               </a:pPr>
               <a:r>
-                <a:rPr lang="en-US" sz="1300" b="1" dirty="0" err="1" smtClean="0">
+                <a:rPr lang="en-US" sz="1200" b="1" dirty="0" err="1" smtClean="0">
                   <a:solidFill>
                     <a:srgbClr val="5E676E"/>
                   </a:solidFill>
@@ -4478,7 +4517,7 @@
                 </a:rPr>
                 <a:t>Dymola</a:t>
               </a:r>
-              <a:endParaRPr lang="en-US" sz="1300" b="1" dirty="0">
+              <a:endParaRPr lang="en-US" sz="1200" b="1" dirty="0">
                 <a:solidFill>
                   <a:srgbClr val="5E676E"/>
                 </a:solidFill>
@@ -4526,8 +4565,8 @@
           </p:nvSpPr>
           <p:spPr>
             <a:xfrm>
-              <a:off x="3487139" y="2966930"/>
-              <a:ext cx="917548" cy="243385"/>
+              <a:off x="3430932" y="2985402"/>
+              <a:ext cx="1029962" cy="276999"/>
             </a:xfrm>
             <a:prstGeom prst="rect">
               <a:avLst/>
@@ -4549,7 +4588,7 @@
                 </a:spcAft>
               </a:pPr>
               <a:r>
-                <a:rPr lang="en-US" sz="1300" b="1" dirty="0" smtClean="0">
+                <a:rPr lang="en-US" sz="1200" b="1" dirty="0" smtClean="0">
                   <a:solidFill>
                     <a:srgbClr val="5E676E"/>
                   </a:solidFill>
@@ -4558,7 +4597,7 @@
                 </a:rPr>
                 <a:t>CATIA DBM</a:t>
               </a:r>
-              <a:endParaRPr lang="en-US" sz="1300" b="1" dirty="0">
+              <a:endParaRPr lang="en-US" sz="1200" b="1" dirty="0">
                 <a:solidFill>
                   <a:srgbClr val="5E676E"/>
                 </a:solidFill>
@@ -4740,8 +4779,8 @@
           </p:nvSpPr>
           <p:spPr>
             <a:xfrm>
-              <a:off x="6454753" y="4550649"/>
-              <a:ext cx="1442896" cy="200055"/>
+              <a:off x="6510730" y="4550649"/>
+              <a:ext cx="1330941" cy="184666"/>
             </a:xfrm>
             <a:prstGeom prst="rect">
               <a:avLst/>
@@ -4770,7 +4809,7 @@
                 </a:spcAft>
               </a:pPr>
               <a:r>
-                <a:rPr lang="sv-SE" sz="1300" b="1" dirty="0" smtClean="0">
+                <a:rPr lang="sv-SE" sz="1200" b="1" dirty="0" smtClean="0">
                   <a:solidFill>
                     <a:srgbClr val="5E676E"/>
                   </a:solidFill>
@@ -4780,7 +4819,7 @@
                 <a:t>AUTOSAR </a:t>
               </a:r>
               <a:r>
-                <a:rPr lang="sv-SE" sz="1300" b="1" dirty="0" err="1" smtClean="0">
+                <a:rPr lang="sv-SE" sz="1200" b="1" dirty="0" err="1" smtClean="0">
                   <a:solidFill>
                     <a:srgbClr val="5E676E"/>
                   </a:solidFill>
@@ -4789,7 +4828,7 @@
                 </a:rPr>
                 <a:t>Builder</a:t>
               </a:r>
-              <a:endParaRPr sz="1300" b="1" dirty="0">
+              <a:endParaRPr sz="1200" b="1" dirty="0">
                 <a:solidFill>
                   <a:srgbClr val="5E676E"/>
                 </a:solidFill>

--- a/static/media/tools/eFMI-tools.pptx
+++ b/static/media/tools/eFMI-tools.pptx
@@ -11,16 +11,16 @@
   <p:notesSz cx="6858000" cy="9144000"/>
   <p:embeddedFontLst>
     <p:embeddedFont>
-      <p:font typeface="Calibri Light" panose="020F0302020204030204" pitchFamily="34" charset="0"/>
+      <p:font typeface="Calibri" panose="020F0502020204030204" pitchFamily="34" charset="0"/>
       <p:regular r:id="rId3"/>
-      <p:italic r:id="rId4"/>
+      <p:bold r:id="rId4"/>
+      <p:italic r:id="rId5"/>
+      <p:boldItalic r:id="rId6"/>
     </p:embeddedFont>
     <p:embeddedFont>
-      <p:font typeface="Calibri" panose="020F0502020204030204" pitchFamily="34" charset="0"/>
-      <p:regular r:id="rId5"/>
-      <p:bold r:id="rId6"/>
-      <p:italic r:id="rId7"/>
-      <p:boldItalic r:id="rId8"/>
+      <p:font typeface="Calibri Light" panose="020F0302020204030204" pitchFamily="34" charset="0"/>
+      <p:regular r:id="rId7"/>
+      <p:italic r:id="rId8"/>
     </p:embeddedFont>
   </p:embeddedFontLst>
   <p:defaultTextStyle>
@@ -168,10 +168,9 @@
           </a:lstStyle>
           <a:p>
             <a:r>
-              <a:rPr lang="en-US" smtClean="0"/>
+              <a:rPr lang="en-US"/>
               <a:t>Click to edit Master title style</a:t>
             </a:r>
-            <a:endParaRPr lang="en-US"/>
           </a:p>
         </p:txBody>
       </p:sp>
@@ -233,10 +232,9 @@
           </a:lstStyle>
           <a:p>
             <a:r>
-              <a:rPr lang="en-US" smtClean="0"/>
+              <a:rPr lang="en-US"/>
               <a:t>Click to edit Master subtitle style</a:t>
             </a:r>
-            <a:endParaRPr lang="en-US"/>
           </a:p>
         </p:txBody>
       </p:sp>
@@ -257,7 +255,7 @@
           <a:p>
             <a:fld id="{076171DA-D5DD-486B-A5F5-158E752AA603}" type="datetimeFigureOut">
               <a:rPr lang="en-US" smtClean="0"/>
-              <a:t>1/9/2024</a:t>
+              <a:t>12/18/2024</a:t>
             </a:fld>
             <a:endParaRPr lang="en-US"/>
           </a:p>
@@ -351,10 +349,9 @@
           <a:lstStyle/>
           <a:p>
             <a:r>
-              <a:rPr lang="en-US" smtClean="0"/>
+              <a:rPr lang="en-US"/>
               <a:t>Click to edit Master title style</a:t>
             </a:r>
-            <a:endParaRPr lang="en-US"/>
           </a:p>
         </p:txBody>
       </p:sp>
@@ -375,38 +372,37 @@
           <a:p>
             <a:pPr lvl="0"/>
             <a:r>
-              <a:rPr lang="en-US" smtClean="0"/>
+              <a:rPr lang="en-US"/>
               <a:t>Edit Master text styles</a:t>
             </a:r>
           </a:p>
           <a:p>
             <a:pPr lvl="1"/>
             <a:r>
-              <a:rPr lang="en-US" smtClean="0"/>
+              <a:rPr lang="en-US"/>
               <a:t>Second level</a:t>
             </a:r>
           </a:p>
           <a:p>
             <a:pPr lvl="2"/>
             <a:r>
-              <a:rPr lang="en-US" smtClean="0"/>
+              <a:rPr lang="en-US"/>
               <a:t>Third level</a:t>
             </a:r>
           </a:p>
           <a:p>
             <a:pPr lvl="3"/>
             <a:r>
-              <a:rPr lang="en-US" smtClean="0"/>
+              <a:rPr lang="en-US"/>
               <a:t>Fourth level</a:t>
             </a:r>
           </a:p>
           <a:p>
             <a:pPr lvl="4"/>
             <a:r>
-              <a:rPr lang="en-US" smtClean="0"/>
+              <a:rPr lang="en-US"/>
               <a:t>Fifth level</a:t>
             </a:r>
-            <a:endParaRPr lang="en-US"/>
           </a:p>
         </p:txBody>
       </p:sp>
@@ -427,7 +423,7 @@
           <a:p>
             <a:fld id="{076171DA-D5DD-486B-A5F5-158E752AA603}" type="datetimeFigureOut">
               <a:rPr lang="en-US" smtClean="0"/>
-              <a:t>1/9/2024</a:t>
+              <a:t>12/18/2024</a:t>
             </a:fld>
             <a:endParaRPr lang="en-US"/>
           </a:p>
@@ -526,10 +522,9 @@
           <a:lstStyle/>
           <a:p>
             <a:r>
-              <a:rPr lang="en-US" smtClean="0"/>
+              <a:rPr lang="en-US"/>
               <a:t>Click to edit Master title style</a:t>
             </a:r>
-            <a:endParaRPr lang="en-US"/>
           </a:p>
         </p:txBody>
       </p:sp>
@@ -555,38 +550,37 @@
           <a:p>
             <a:pPr lvl="0"/>
             <a:r>
-              <a:rPr lang="en-US" smtClean="0"/>
+              <a:rPr lang="en-US"/>
               <a:t>Edit Master text styles</a:t>
             </a:r>
           </a:p>
           <a:p>
             <a:pPr lvl="1"/>
             <a:r>
-              <a:rPr lang="en-US" smtClean="0"/>
+              <a:rPr lang="en-US"/>
               <a:t>Second level</a:t>
             </a:r>
           </a:p>
           <a:p>
             <a:pPr lvl="2"/>
             <a:r>
-              <a:rPr lang="en-US" smtClean="0"/>
+              <a:rPr lang="en-US"/>
               <a:t>Third level</a:t>
             </a:r>
           </a:p>
           <a:p>
             <a:pPr lvl="3"/>
             <a:r>
-              <a:rPr lang="en-US" smtClean="0"/>
+              <a:rPr lang="en-US"/>
               <a:t>Fourth level</a:t>
             </a:r>
           </a:p>
           <a:p>
             <a:pPr lvl="4"/>
             <a:r>
-              <a:rPr lang="en-US" smtClean="0"/>
+              <a:rPr lang="en-US"/>
               <a:t>Fifth level</a:t>
             </a:r>
-            <a:endParaRPr lang="en-US"/>
           </a:p>
         </p:txBody>
       </p:sp>
@@ -607,7 +601,7 @@
           <a:p>
             <a:fld id="{076171DA-D5DD-486B-A5F5-158E752AA603}" type="datetimeFigureOut">
               <a:rPr lang="en-US" smtClean="0"/>
-              <a:t>1/9/2024</a:t>
+              <a:t>12/18/2024</a:t>
             </a:fld>
             <a:endParaRPr lang="en-US"/>
           </a:p>
@@ -701,10 +695,9 @@
           <a:lstStyle/>
           <a:p>
             <a:r>
-              <a:rPr lang="en-US" smtClean="0"/>
+              <a:rPr lang="en-US"/>
               <a:t>Click to edit Master title style</a:t>
             </a:r>
-            <a:endParaRPr lang="en-US"/>
           </a:p>
         </p:txBody>
       </p:sp>
@@ -725,38 +718,37 @@
           <a:p>
             <a:pPr lvl="0"/>
             <a:r>
-              <a:rPr lang="en-US" smtClean="0"/>
+              <a:rPr lang="en-US"/>
               <a:t>Edit Master text styles</a:t>
             </a:r>
           </a:p>
           <a:p>
             <a:pPr lvl="1"/>
             <a:r>
-              <a:rPr lang="en-US" smtClean="0"/>
+              <a:rPr lang="en-US"/>
               <a:t>Second level</a:t>
             </a:r>
           </a:p>
           <a:p>
             <a:pPr lvl="2"/>
             <a:r>
-              <a:rPr lang="en-US" smtClean="0"/>
+              <a:rPr lang="en-US"/>
               <a:t>Third level</a:t>
             </a:r>
           </a:p>
           <a:p>
             <a:pPr lvl="3"/>
             <a:r>
-              <a:rPr lang="en-US" smtClean="0"/>
+              <a:rPr lang="en-US"/>
               <a:t>Fourth level</a:t>
             </a:r>
           </a:p>
           <a:p>
             <a:pPr lvl="4"/>
             <a:r>
-              <a:rPr lang="en-US" smtClean="0"/>
+              <a:rPr lang="en-US"/>
               <a:t>Fifth level</a:t>
             </a:r>
-            <a:endParaRPr lang="en-US"/>
           </a:p>
         </p:txBody>
       </p:sp>
@@ -777,7 +769,7 @@
           <a:p>
             <a:fld id="{076171DA-D5DD-486B-A5F5-158E752AA603}" type="datetimeFigureOut">
               <a:rPr lang="en-US" smtClean="0"/>
-              <a:t>1/9/2024</a:t>
+              <a:t>12/18/2024</a:t>
             </a:fld>
             <a:endParaRPr lang="en-US"/>
           </a:p>
@@ -880,10 +872,9 @@
           </a:lstStyle>
           <a:p>
             <a:r>
-              <a:rPr lang="en-US" smtClean="0"/>
+              <a:rPr lang="en-US"/>
               <a:t>Click to edit Master title style</a:t>
             </a:r>
-            <a:endParaRPr lang="en-US"/>
           </a:p>
         </p:txBody>
       </p:sp>
@@ -1000,7 +991,7 @@
           <a:p>
             <a:pPr lvl="0"/>
             <a:r>
-              <a:rPr lang="en-US" smtClean="0"/>
+              <a:rPr lang="en-US"/>
               <a:t>Edit Master text styles</a:t>
             </a:r>
           </a:p>
@@ -1023,7 +1014,7 @@
           <a:p>
             <a:fld id="{076171DA-D5DD-486B-A5F5-158E752AA603}" type="datetimeFigureOut">
               <a:rPr lang="en-US" smtClean="0"/>
-              <a:t>1/9/2024</a:t>
+              <a:t>12/18/2024</a:t>
             </a:fld>
             <a:endParaRPr lang="en-US"/>
           </a:p>
@@ -1117,10 +1108,9 @@
           <a:lstStyle/>
           <a:p>
             <a:r>
-              <a:rPr lang="en-US" smtClean="0"/>
+              <a:rPr lang="en-US"/>
               <a:t>Click to edit Master title style</a:t>
             </a:r>
-            <a:endParaRPr lang="en-US"/>
           </a:p>
         </p:txBody>
       </p:sp>
@@ -1146,38 +1136,37 @@
           <a:p>
             <a:pPr lvl="0"/>
             <a:r>
-              <a:rPr lang="en-US" smtClean="0"/>
+              <a:rPr lang="en-US"/>
               <a:t>Edit Master text styles</a:t>
             </a:r>
           </a:p>
           <a:p>
             <a:pPr lvl="1"/>
             <a:r>
-              <a:rPr lang="en-US" smtClean="0"/>
+              <a:rPr lang="en-US"/>
               <a:t>Second level</a:t>
             </a:r>
           </a:p>
           <a:p>
             <a:pPr lvl="2"/>
             <a:r>
-              <a:rPr lang="en-US" smtClean="0"/>
+              <a:rPr lang="en-US"/>
               <a:t>Third level</a:t>
             </a:r>
           </a:p>
           <a:p>
             <a:pPr lvl="3"/>
             <a:r>
-              <a:rPr lang="en-US" smtClean="0"/>
+              <a:rPr lang="en-US"/>
               <a:t>Fourth level</a:t>
             </a:r>
           </a:p>
           <a:p>
             <a:pPr lvl="4"/>
             <a:r>
-              <a:rPr lang="en-US" smtClean="0"/>
+              <a:rPr lang="en-US"/>
               <a:t>Fifth level</a:t>
             </a:r>
-            <a:endParaRPr lang="en-US"/>
           </a:p>
         </p:txBody>
       </p:sp>
@@ -1203,38 +1192,37 @@
           <a:p>
             <a:pPr lvl="0"/>
             <a:r>
-              <a:rPr lang="en-US" smtClean="0"/>
+              <a:rPr lang="en-US"/>
               <a:t>Edit Master text styles</a:t>
             </a:r>
           </a:p>
           <a:p>
             <a:pPr lvl="1"/>
             <a:r>
-              <a:rPr lang="en-US" smtClean="0"/>
+              <a:rPr lang="en-US"/>
               <a:t>Second level</a:t>
             </a:r>
           </a:p>
           <a:p>
             <a:pPr lvl="2"/>
             <a:r>
-              <a:rPr lang="en-US" smtClean="0"/>
+              <a:rPr lang="en-US"/>
               <a:t>Third level</a:t>
             </a:r>
           </a:p>
           <a:p>
             <a:pPr lvl="3"/>
             <a:r>
-              <a:rPr lang="en-US" smtClean="0"/>
+              <a:rPr lang="en-US"/>
               <a:t>Fourth level</a:t>
             </a:r>
           </a:p>
           <a:p>
             <a:pPr lvl="4"/>
             <a:r>
-              <a:rPr lang="en-US" smtClean="0"/>
+              <a:rPr lang="en-US"/>
               <a:t>Fifth level</a:t>
             </a:r>
-            <a:endParaRPr lang="en-US"/>
           </a:p>
         </p:txBody>
       </p:sp>
@@ -1255,7 +1243,7 @@
           <a:p>
             <a:fld id="{076171DA-D5DD-486B-A5F5-158E752AA603}" type="datetimeFigureOut">
               <a:rPr lang="en-US" smtClean="0"/>
-              <a:t>1/9/2024</a:t>
+              <a:t>12/18/2024</a:t>
             </a:fld>
             <a:endParaRPr lang="en-US"/>
           </a:p>
@@ -1354,10 +1342,9 @@
           <a:lstStyle/>
           <a:p>
             <a:r>
-              <a:rPr lang="en-US" smtClean="0"/>
+              <a:rPr lang="en-US"/>
               <a:t>Click to edit Master title style</a:t>
             </a:r>
-            <a:endParaRPr lang="en-US"/>
           </a:p>
         </p:txBody>
       </p:sp>
@@ -1420,7 +1407,7 @@
           <a:p>
             <a:pPr lvl="0"/>
             <a:r>
-              <a:rPr lang="en-US" smtClean="0"/>
+              <a:rPr lang="en-US"/>
               <a:t>Edit Master text styles</a:t>
             </a:r>
           </a:p>
@@ -1448,38 +1435,37 @@
           <a:p>
             <a:pPr lvl="0"/>
             <a:r>
-              <a:rPr lang="en-US" smtClean="0"/>
+              <a:rPr lang="en-US"/>
               <a:t>Edit Master text styles</a:t>
             </a:r>
           </a:p>
           <a:p>
             <a:pPr lvl="1"/>
             <a:r>
-              <a:rPr lang="en-US" smtClean="0"/>
+              <a:rPr lang="en-US"/>
               <a:t>Second level</a:t>
             </a:r>
           </a:p>
           <a:p>
             <a:pPr lvl="2"/>
             <a:r>
-              <a:rPr lang="en-US" smtClean="0"/>
+              <a:rPr lang="en-US"/>
               <a:t>Third level</a:t>
             </a:r>
           </a:p>
           <a:p>
             <a:pPr lvl="3"/>
             <a:r>
-              <a:rPr lang="en-US" smtClean="0"/>
+              <a:rPr lang="en-US"/>
               <a:t>Fourth level</a:t>
             </a:r>
           </a:p>
           <a:p>
             <a:pPr lvl="4"/>
             <a:r>
-              <a:rPr lang="en-US" smtClean="0"/>
+              <a:rPr lang="en-US"/>
               <a:t>Fifth level</a:t>
             </a:r>
-            <a:endParaRPr lang="en-US"/>
           </a:p>
         </p:txBody>
       </p:sp>
@@ -1542,7 +1528,7 @@
           <a:p>
             <a:pPr lvl="0"/>
             <a:r>
-              <a:rPr lang="en-US" smtClean="0"/>
+              <a:rPr lang="en-US"/>
               <a:t>Edit Master text styles</a:t>
             </a:r>
           </a:p>
@@ -1570,38 +1556,37 @@
           <a:p>
             <a:pPr lvl="0"/>
             <a:r>
-              <a:rPr lang="en-US" smtClean="0"/>
+              <a:rPr lang="en-US"/>
               <a:t>Edit Master text styles</a:t>
             </a:r>
           </a:p>
           <a:p>
             <a:pPr lvl="1"/>
             <a:r>
-              <a:rPr lang="en-US" smtClean="0"/>
+              <a:rPr lang="en-US"/>
               <a:t>Second level</a:t>
             </a:r>
           </a:p>
           <a:p>
             <a:pPr lvl="2"/>
             <a:r>
-              <a:rPr lang="en-US" smtClean="0"/>
+              <a:rPr lang="en-US"/>
               <a:t>Third level</a:t>
             </a:r>
           </a:p>
           <a:p>
             <a:pPr lvl="3"/>
             <a:r>
-              <a:rPr lang="en-US" smtClean="0"/>
+              <a:rPr lang="en-US"/>
               <a:t>Fourth level</a:t>
             </a:r>
           </a:p>
           <a:p>
             <a:pPr lvl="4"/>
             <a:r>
-              <a:rPr lang="en-US" smtClean="0"/>
+              <a:rPr lang="en-US"/>
               <a:t>Fifth level</a:t>
             </a:r>
-            <a:endParaRPr lang="en-US"/>
           </a:p>
         </p:txBody>
       </p:sp>
@@ -1622,7 +1607,7 @@
           <a:p>
             <a:fld id="{076171DA-D5DD-486B-A5F5-158E752AA603}" type="datetimeFigureOut">
               <a:rPr lang="en-US" smtClean="0"/>
-              <a:t>1/9/2024</a:t>
+              <a:t>12/18/2024</a:t>
             </a:fld>
             <a:endParaRPr lang="en-US"/>
           </a:p>
@@ -1716,10 +1701,9 @@
           <a:lstStyle/>
           <a:p>
             <a:r>
-              <a:rPr lang="en-US" smtClean="0"/>
+              <a:rPr lang="en-US"/>
               <a:t>Click to edit Master title style</a:t>
             </a:r>
-            <a:endParaRPr lang="en-US"/>
           </a:p>
         </p:txBody>
       </p:sp>
@@ -1740,7 +1724,7 @@
           <a:p>
             <a:fld id="{076171DA-D5DD-486B-A5F5-158E752AA603}" type="datetimeFigureOut">
               <a:rPr lang="en-US" smtClean="0"/>
-              <a:t>1/9/2024</a:t>
+              <a:t>12/18/2024</a:t>
             </a:fld>
             <a:endParaRPr lang="en-US"/>
           </a:p>
@@ -1835,7 +1819,7 @@
           <a:p>
             <a:fld id="{076171DA-D5DD-486B-A5F5-158E752AA603}" type="datetimeFigureOut">
               <a:rPr lang="en-US" smtClean="0"/>
-              <a:t>1/9/2024</a:t>
+              <a:t>12/18/2024</a:t>
             </a:fld>
             <a:endParaRPr lang="en-US"/>
           </a:p>
@@ -1938,10 +1922,9 @@
           </a:lstStyle>
           <a:p>
             <a:r>
-              <a:rPr lang="en-US" smtClean="0"/>
+              <a:rPr lang="en-US"/>
               <a:t>Click to edit Master title style</a:t>
             </a:r>
-            <a:endParaRPr lang="en-US"/>
           </a:p>
         </p:txBody>
       </p:sp>
@@ -1995,38 +1978,37 @@
           <a:p>
             <a:pPr lvl="0"/>
             <a:r>
-              <a:rPr lang="en-US" smtClean="0"/>
+              <a:rPr lang="en-US"/>
               <a:t>Edit Master text styles</a:t>
             </a:r>
           </a:p>
           <a:p>
             <a:pPr lvl="1"/>
             <a:r>
-              <a:rPr lang="en-US" smtClean="0"/>
+              <a:rPr lang="en-US"/>
               <a:t>Second level</a:t>
             </a:r>
           </a:p>
           <a:p>
             <a:pPr lvl="2"/>
             <a:r>
-              <a:rPr lang="en-US" smtClean="0"/>
+              <a:rPr lang="en-US"/>
               <a:t>Third level</a:t>
             </a:r>
           </a:p>
           <a:p>
             <a:pPr lvl="3"/>
             <a:r>
-              <a:rPr lang="en-US" smtClean="0"/>
+              <a:rPr lang="en-US"/>
               <a:t>Fourth level</a:t>
             </a:r>
           </a:p>
           <a:p>
             <a:pPr lvl="4"/>
             <a:r>
-              <a:rPr lang="en-US" smtClean="0"/>
+              <a:rPr lang="en-US"/>
               <a:t>Fifth level</a:t>
             </a:r>
-            <a:endParaRPr lang="en-US"/>
           </a:p>
         </p:txBody>
       </p:sp>
@@ -2089,7 +2071,7 @@
           <a:p>
             <a:pPr lvl="0"/>
             <a:r>
-              <a:rPr lang="en-US" smtClean="0"/>
+              <a:rPr lang="en-US"/>
               <a:t>Edit Master text styles</a:t>
             </a:r>
           </a:p>
@@ -2112,7 +2094,7 @@
           <a:p>
             <a:fld id="{076171DA-D5DD-486B-A5F5-158E752AA603}" type="datetimeFigureOut">
               <a:rPr lang="en-US" smtClean="0"/>
-              <a:t>1/9/2024</a:t>
+              <a:t>12/18/2024</a:t>
             </a:fld>
             <a:endParaRPr lang="en-US"/>
           </a:p>
@@ -2215,10 +2197,9 @@
           </a:lstStyle>
           <a:p>
             <a:r>
-              <a:rPr lang="en-US" smtClean="0"/>
+              <a:rPr lang="en-US"/>
               <a:t>Click to edit Master title style</a:t>
             </a:r>
-            <a:endParaRPr lang="en-US"/>
           </a:p>
         </p:txBody>
       </p:sp>
@@ -2342,7 +2323,7 @@
           <a:p>
             <a:pPr lvl="0"/>
             <a:r>
-              <a:rPr lang="en-US" smtClean="0"/>
+              <a:rPr lang="en-US"/>
               <a:t>Edit Master text styles</a:t>
             </a:r>
           </a:p>
@@ -2365,7 +2346,7 @@
           <a:p>
             <a:fld id="{076171DA-D5DD-486B-A5F5-158E752AA603}" type="datetimeFigureOut">
               <a:rPr lang="en-US" smtClean="0"/>
-              <a:t>1/9/2024</a:t>
+              <a:t>12/18/2024</a:t>
             </a:fld>
             <a:endParaRPr lang="en-US"/>
           </a:p>
@@ -2474,10 +2455,9 @@
           <a:lstStyle/>
           <a:p>
             <a:r>
-              <a:rPr lang="en-US" smtClean="0"/>
+              <a:rPr lang="en-US"/>
               <a:t>Click to edit Master title style</a:t>
             </a:r>
-            <a:endParaRPr lang="en-US"/>
           </a:p>
         </p:txBody>
       </p:sp>
@@ -2508,38 +2488,37 @@
           <a:p>
             <a:pPr lvl="0"/>
             <a:r>
-              <a:rPr lang="en-US" smtClean="0"/>
+              <a:rPr lang="en-US"/>
               <a:t>Edit Master text styles</a:t>
             </a:r>
           </a:p>
           <a:p>
             <a:pPr lvl="1"/>
             <a:r>
-              <a:rPr lang="en-US" smtClean="0"/>
+              <a:rPr lang="en-US"/>
               <a:t>Second level</a:t>
             </a:r>
           </a:p>
           <a:p>
             <a:pPr lvl="2"/>
             <a:r>
-              <a:rPr lang="en-US" smtClean="0"/>
+              <a:rPr lang="en-US"/>
               <a:t>Third level</a:t>
             </a:r>
           </a:p>
           <a:p>
             <a:pPr lvl="3"/>
             <a:r>
-              <a:rPr lang="en-US" smtClean="0"/>
+              <a:rPr lang="en-US"/>
               <a:t>Fourth level</a:t>
             </a:r>
           </a:p>
           <a:p>
             <a:pPr lvl="4"/>
             <a:r>
-              <a:rPr lang="en-US" smtClean="0"/>
+              <a:rPr lang="en-US"/>
               <a:t>Fifth level</a:t>
             </a:r>
-            <a:endParaRPr lang="en-US"/>
           </a:p>
         </p:txBody>
       </p:sp>
@@ -2578,7 +2557,7 @@
           <a:p>
             <a:fld id="{076171DA-D5DD-486B-A5F5-158E752AA603}" type="datetimeFigureOut">
               <a:rPr lang="en-US" smtClean="0"/>
-              <a:t>1/9/2024</a:t>
+              <a:t>12/18/2024</a:t>
             </a:fld>
             <a:endParaRPr lang="en-US"/>
           </a:p>
@@ -2983,9 +2962,1753 @@
           <a:chExt cx="0" cy="0"/>
         </a:xfrm>
       </p:grpSpPr>
+      <p:cxnSp>
+        <p:nvCxnSpPr>
+          <p:cNvPr id="105" name="Connector: Elbow 104">
+            <a:extLst>
+              <a:ext uri="{FF2B5EF4-FFF2-40B4-BE49-F238E27FC236}">
+                <a16:creationId xmlns:a16="http://schemas.microsoft.com/office/drawing/2014/main" id="{DD7357C7-45BF-4B32-878E-2B29C1CE973B}"/>
+              </a:ext>
+            </a:extLst>
+          </p:cNvPr>
+          <p:cNvCxnSpPr/>
+          <p:nvPr/>
+        </p:nvCxnSpPr>
+        <p:spPr>
+          <a:xfrm rot="5400000">
+            <a:off x="4021358" y="3593537"/>
+            <a:ext cx="1379308" cy="163038"/>
+          </a:xfrm>
+          <a:prstGeom prst="bentConnector3">
+            <a:avLst>
+              <a:gd name="adj1" fmla="val 279"/>
+            </a:avLst>
+          </a:prstGeom>
+          <a:ln w="25400">
+            <a:solidFill>
+              <a:srgbClr val="00B050"/>
+            </a:solidFill>
+            <a:prstDash val="solid"/>
+            <a:headEnd type="none"/>
+            <a:tailEnd type="none"/>
+          </a:ln>
+        </p:spPr>
+        <p:style>
+          <a:lnRef idx="1">
+            <a:schemeClr val="accent1"/>
+          </a:lnRef>
+          <a:fillRef idx="0">
+            <a:schemeClr val="accent1"/>
+          </a:fillRef>
+          <a:effectRef idx="0">
+            <a:schemeClr val="accent1"/>
+          </a:effectRef>
+          <a:fontRef idx="minor">
+            <a:schemeClr val="tx1"/>
+          </a:fontRef>
+        </p:style>
+      </p:cxnSp>
+      <p:sp>
+        <p:nvSpPr>
+          <p:cNvPr id="6" name="Block Arc 5"/>
+          <p:cNvSpPr/>
+          <p:nvPr/>
+        </p:nvSpPr>
+        <p:spPr bwMode="auto">
+          <a:xfrm rot="10800000">
+            <a:off x="3555384" y="1896464"/>
+            <a:ext cx="5442069" cy="3272528"/>
+          </a:xfrm>
+          <a:prstGeom prst="blockArc">
+            <a:avLst>
+              <a:gd name="adj1" fmla="val 376453"/>
+              <a:gd name="adj2" fmla="val 21277054"/>
+              <a:gd name="adj3" fmla="val 9611"/>
+            </a:avLst>
+          </a:prstGeom>
+          <a:solidFill>
+            <a:srgbClr val="E5E6E8"/>
+          </a:solidFill>
+          <a:ln w="9525" cap="flat" cmpd="sng" algn="ctr">
+            <a:noFill/>
+            <a:prstDash val="solid"/>
+            <a:round/>
+            <a:headEnd type="none" w="med" len="med"/>
+            <a:tailEnd type="arrow" w="med" len="med"/>
+          </a:ln>
+          <a:effectLst/>
+        </p:spPr>
+        <p:txBody>
+          <a:bodyPr vert="horz" wrap="square" lIns="90000" tIns="46800" rIns="36000" bIns="46800" numCol="1" rtlCol="0" anchor="t" anchorCtr="0" compatLnSpc="1">
+            <a:prstTxWarp prst="textNoShape">
+              <a:avLst/>
+            </a:prstTxWarp>
+            <a:spAutoFit/>
+          </a:bodyPr>
+          <a:lstStyle/>
+          <a:p>
+            <a:pPr marL="0" marR="0" lvl="0" indent="0" defTabSz="914400" eaLnBrk="0" fontAlgn="base" latinLnBrk="0" hangingPunct="0">
+              <a:lnSpc>
+                <a:spcPct val="100000"/>
+              </a:lnSpc>
+              <a:spcBef>
+                <a:spcPct val="50000"/>
+              </a:spcBef>
+              <a:spcAft>
+                <a:spcPct val="0"/>
+              </a:spcAft>
+              <a:buClrTx/>
+              <a:buSzTx/>
+              <a:buFontTx/>
+              <a:buNone/>
+              <a:tabLst/>
+              <a:defRPr/>
+            </a:pPr>
+            <a:endParaRPr kumimoji="0" lang="en-US" sz="1600" b="0" i="0" u="none" strike="noStrike" kern="0" cap="none" spc="0" normalizeH="0" baseline="0" noProof="0">
+              <a:ln>
+                <a:noFill/>
+              </a:ln>
+              <a:solidFill>
+                <a:srgbClr val="120C80"/>
+              </a:solidFill>
+              <a:effectLst/>
+              <a:uLnTx/>
+              <a:uFillTx/>
+              <a:latin typeface="Arial" charset="0"/>
+              <a:cs typeface="Arial" charset="0"/>
+            </a:endParaRPr>
+          </a:p>
+        </p:txBody>
+      </p:sp>
+      <p:cxnSp>
+        <p:nvCxnSpPr>
+          <p:cNvPr id="39" name="Gewinkelte Verbindung 26"/>
+          <p:cNvCxnSpPr>
+            <a:stCxn id="32" idx="3"/>
+            <a:endCxn id="56" idx="2"/>
+          </p:cNvCxnSpPr>
+          <p:nvPr/>
+        </p:nvCxnSpPr>
+        <p:spPr>
+          <a:xfrm flipV="1">
+            <a:off x="4226213" y="3443492"/>
+            <a:ext cx="555557" cy="782118"/>
+          </a:xfrm>
+          <a:prstGeom prst="bentConnector3">
+            <a:avLst>
+              <a:gd name="adj1" fmla="val 50000"/>
+            </a:avLst>
+          </a:prstGeom>
+          <a:noFill/>
+          <a:ln w="25400" cap="flat" cmpd="sng" algn="ctr">
+            <a:solidFill>
+              <a:srgbClr val="0070C0"/>
+            </a:solidFill>
+            <a:prstDash val="solid"/>
+            <a:tailEnd type="arrow"/>
+          </a:ln>
+          <a:effectLst/>
+        </p:spPr>
+      </p:cxnSp>
+      <p:pic>
+        <p:nvPicPr>
+          <p:cNvPr id="4" name="Picture 3"/>
+          <p:cNvPicPr>
+            <a:picLocks noChangeAspect="1"/>
+          </p:cNvPicPr>
+          <p:nvPr/>
+        </p:nvPicPr>
+        <p:blipFill>
+          <a:blip r:embed="rId6" cstate="print">
+            <a:extLst>
+              <a:ext uri="{28A0092B-C50C-407E-A947-70E740481C1C}">
+                <a14:useLocalDpi xmlns:a14="http://schemas.microsoft.com/office/drawing/2010/main" val="0"/>
+              </a:ext>
+            </a:extLst>
+          </a:blip>
+          <a:stretch>
+            <a:fillRect/>
+          </a:stretch>
+        </p:blipFill>
+        <p:spPr>
+          <a:xfrm>
+            <a:off x="8630493" y="2271526"/>
+            <a:ext cx="1017902" cy="340483"/>
+          </a:xfrm>
+          <a:prstGeom prst="rect">
+            <a:avLst/>
+          </a:prstGeom>
+        </p:spPr>
+      </p:pic>
+      <p:sp>
+        <p:nvSpPr>
+          <p:cNvPr id="5" name="Isosceles Triangle 4"/>
+          <p:cNvSpPr/>
+          <p:nvPr/>
+        </p:nvSpPr>
+        <p:spPr bwMode="auto">
+          <a:xfrm rot="21273394">
+            <a:off x="3455879" y="3425015"/>
+            <a:ext cx="585548" cy="362639"/>
+          </a:xfrm>
+          <a:prstGeom prst="triangle">
+            <a:avLst>
+              <a:gd name="adj" fmla="val 51093"/>
+            </a:avLst>
+          </a:prstGeom>
+          <a:solidFill>
+            <a:srgbClr val="E5E6E8"/>
+          </a:solidFill>
+          <a:ln w="9525" cap="flat" cmpd="sng" algn="ctr">
+            <a:noFill/>
+            <a:prstDash val="solid"/>
+            <a:round/>
+            <a:headEnd type="none" w="med" len="med"/>
+            <a:tailEnd type="arrow" w="med" len="med"/>
+          </a:ln>
+          <a:effectLst/>
+        </p:spPr>
+        <p:txBody>
+          <a:bodyPr vert="horz" wrap="square" lIns="90000" tIns="46800" rIns="36000" bIns="46800" numCol="1" rtlCol="0" anchor="t" anchorCtr="0" compatLnSpc="1">
+            <a:prstTxWarp prst="textNoShape">
+              <a:avLst/>
+            </a:prstTxWarp>
+            <a:spAutoFit/>
+          </a:bodyPr>
+          <a:lstStyle/>
+          <a:p>
+            <a:pPr marL="0" marR="0" lvl="0" indent="0" defTabSz="914400" eaLnBrk="0" fontAlgn="base" latinLnBrk="0" hangingPunct="0">
+              <a:lnSpc>
+                <a:spcPct val="100000"/>
+              </a:lnSpc>
+              <a:spcBef>
+                <a:spcPct val="50000"/>
+              </a:spcBef>
+              <a:spcAft>
+                <a:spcPct val="0"/>
+              </a:spcAft>
+              <a:buClrTx/>
+              <a:buSzTx/>
+              <a:buFontTx/>
+              <a:buNone/>
+              <a:tabLst/>
+              <a:defRPr/>
+            </a:pPr>
+            <a:endParaRPr kumimoji="0" lang="en-US" sz="1600" b="0" i="0" u="none" strike="noStrike" kern="0" cap="none" spc="0" normalizeH="0" baseline="0" noProof="0">
+              <a:ln>
+                <a:noFill/>
+              </a:ln>
+              <a:solidFill>
+                <a:srgbClr val="120C80"/>
+              </a:solidFill>
+              <a:effectLst/>
+              <a:uLnTx/>
+              <a:uFillTx/>
+              <a:latin typeface="Arial" charset="0"/>
+              <a:cs typeface="Arial" charset="0"/>
+            </a:endParaRPr>
+          </a:p>
+        </p:txBody>
+      </p:sp>
+      <p:pic>
+        <p:nvPicPr>
+          <p:cNvPr id="9" name="Picture 2"/>
+          <p:cNvPicPr>
+            <a:picLocks noChangeAspect="1" noChangeArrowheads="1"/>
+          </p:cNvPicPr>
+          <p:nvPr/>
+        </p:nvPicPr>
+        <p:blipFill>
+          <a:blip r:embed="rId7">
+            <a:extLst>
+              <a:ext uri="{28A0092B-C50C-407E-A947-70E740481C1C}">
+                <a14:useLocalDpi xmlns:a14="http://schemas.microsoft.com/office/drawing/2010/main" val="0"/>
+              </a:ext>
+            </a:extLst>
+          </a:blip>
+          <a:srcRect/>
+          <a:stretch>
+            <a:fillRect/>
+          </a:stretch>
+        </p:blipFill>
+        <p:spPr bwMode="auto">
+          <a:xfrm>
+            <a:off x="2235200" y="3087936"/>
+            <a:ext cx="988547" cy="979450"/>
+          </a:xfrm>
+          <a:prstGeom prst="rect">
+            <a:avLst/>
+          </a:prstGeom>
+          <a:noFill/>
+          <a:ln>
+            <a:noFill/>
+          </a:ln>
+          <a:extLst>
+            <a:ext uri="{909E8E84-426E-40DD-AFC4-6F175D3DCCD1}">
+              <a14:hiddenFill xmlns:a14="http://schemas.microsoft.com/office/drawing/2010/main">
+                <a:solidFill>
+                  <a:schemeClr val="accent1"/>
+                </a:solidFill>
+              </a14:hiddenFill>
+            </a:ext>
+            <a:ext uri="{91240B29-F687-4F45-9708-019B960494DF}">
+              <a14:hiddenLine xmlns:a14="http://schemas.microsoft.com/office/drawing/2010/main" w="9525">
+                <a:solidFill>
+                  <a:schemeClr val="tx1"/>
+                </a:solidFill>
+                <a:miter lim="800000"/>
+                <a:headEnd/>
+                <a:tailEnd/>
+              </a14:hiddenLine>
+            </a:ext>
+          </a:extLst>
+        </p:spPr>
+      </p:pic>
+      <p:sp>
+        <p:nvSpPr>
+          <p:cNvPr id="10" name="TextBox 9"/>
+          <p:cNvSpPr txBox="1"/>
+          <p:nvPr/>
+        </p:nvSpPr>
+        <p:spPr>
+          <a:xfrm>
+            <a:off x="2307723" y="4071682"/>
+            <a:ext cx="843501" cy="461665"/>
+          </a:xfrm>
+          <a:prstGeom prst="rect">
+            <a:avLst/>
+          </a:prstGeom>
+          <a:noFill/>
+        </p:spPr>
+        <p:txBody>
+          <a:bodyPr wrap="none" rtlCol="0">
+            <a:spAutoFit/>
+          </a:bodyPr>
+          <a:lstStyle/>
+          <a:p>
+            <a:pPr algn="ctr" eaLnBrk="0" fontAlgn="base" hangingPunct="0">
+              <a:spcBef>
+                <a:spcPct val="0"/>
+              </a:spcBef>
+              <a:spcAft>
+                <a:spcPct val="0"/>
+              </a:spcAft>
+            </a:pPr>
+            <a:r>
+              <a:rPr lang="en-US" sz="1200" b="1" dirty="0">
+                <a:solidFill>
+                  <a:srgbClr val="5E676E"/>
+                </a:solidFill>
+                <a:latin typeface="Arial" panose="020B0604020202020204" pitchFamily="34" charset="0"/>
+                <a:cs typeface="Arial" panose="020B0604020202020204" pitchFamily="34" charset="0"/>
+              </a:rPr>
+              <a:t>Modelica</a:t>
+            </a:r>
+          </a:p>
+          <a:p>
+            <a:pPr algn="ctr" eaLnBrk="0" fontAlgn="base" hangingPunct="0">
+              <a:spcBef>
+                <a:spcPct val="0"/>
+              </a:spcBef>
+              <a:spcAft>
+                <a:spcPct val="0"/>
+              </a:spcAft>
+            </a:pPr>
+            <a:r>
+              <a:rPr lang="en-US" sz="1200" b="1" dirty="0">
+                <a:solidFill>
+                  <a:srgbClr val="5E676E"/>
+                </a:solidFill>
+                <a:latin typeface="Arial" panose="020B0604020202020204" pitchFamily="34" charset="0"/>
+                <a:cs typeface="Arial" panose="020B0604020202020204" pitchFamily="34" charset="0"/>
+              </a:rPr>
+              <a:t>model</a:t>
+            </a:r>
+          </a:p>
+        </p:txBody>
+      </p:sp>
+      <p:cxnSp>
+        <p:nvCxnSpPr>
+          <p:cNvPr id="11" name="Gewinkelte Verbindung 26"/>
+          <p:cNvCxnSpPr>
+            <a:cxnSpLocks/>
+            <a:stCxn id="76" idx="3"/>
+          </p:cNvCxnSpPr>
+          <p:nvPr/>
+        </p:nvCxnSpPr>
+        <p:spPr>
+          <a:xfrm flipH="1">
+            <a:off x="6185834" y="2822321"/>
+            <a:ext cx="1263052" cy="1075750"/>
+          </a:xfrm>
+          <a:prstGeom prst="bentConnector3">
+            <a:avLst>
+              <a:gd name="adj1" fmla="val -44619"/>
+            </a:avLst>
+          </a:prstGeom>
+          <a:noFill/>
+          <a:ln w="25400" cap="flat" cmpd="sng" algn="ctr">
+            <a:solidFill>
+              <a:srgbClr val="0070C0"/>
+            </a:solidFill>
+            <a:prstDash val="solid"/>
+            <a:tailEnd type="arrow"/>
+          </a:ln>
+          <a:effectLst/>
+        </p:spPr>
+      </p:cxnSp>
+      <p:pic>
+        <p:nvPicPr>
+          <p:cNvPr id="14" name="Picture 13"/>
+          <p:cNvPicPr>
+            <a:picLocks noChangeAspect="1"/>
+          </p:cNvPicPr>
+          <p:nvPr>
+            <p:custDataLst>
+              <p:tags r:id="rId1"/>
+            </p:custDataLst>
+          </p:nvPr>
+        </p:nvPicPr>
+        <p:blipFill rotWithShape="1">
+          <a:blip r:embed="rId8" cstate="print">
+            <a:extLst>
+              <a:ext uri="{28A0092B-C50C-407E-A947-70E740481C1C}">
+                <a14:useLocalDpi xmlns:a14="http://schemas.microsoft.com/office/drawing/2010/main" val="0"/>
+              </a:ext>
+            </a:extLst>
+          </a:blip>
+          <a:srcRect l="15421" t="19126" r="16602" b="25183"/>
+          <a:stretch/>
+        </p:blipFill>
+        <p:spPr>
+          <a:xfrm>
+            <a:off x="8592744" y="3548729"/>
+            <a:ext cx="1120037" cy="719888"/>
+          </a:xfrm>
+          <a:prstGeom prst="rect">
+            <a:avLst/>
+          </a:prstGeom>
+          <a:ln>
+            <a:solidFill>
+              <a:srgbClr val="FF0000"/>
+            </a:solidFill>
+          </a:ln>
+        </p:spPr>
+      </p:pic>
+      <p:cxnSp>
+        <p:nvCxnSpPr>
+          <p:cNvPr id="21" name="Gewinkelte Verbindung 26"/>
+          <p:cNvCxnSpPr>
+            <a:stCxn id="9" idx="3"/>
+            <a:endCxn id="32" idx="1"/>
+          </p:cNvCxnSpPr>
+          <p:nvPr/>
+        </p:nvCxnSpPr>
+        <p:spPr>
+          <a:xfrm>
+            <a:off x="3223747" y="3577662"/>
+            <a:ext cx="364701" cy="647949"/>
+          </a:xfrm>
+          <a:prstGeom prst="bentConnector3">
+            <a:avLst>
+              <a:gd name="adj1" fmla="val 50000"/>
+            </a:avLst>
+          </a:prstGeom>
+          <a:noFill/>
+          <a:ln w="25400" cap="flat" cmpd="sng" algn="ctr">
+            <a:solidFill>
+              <a:srgbClr val="0070C0"/>
+            </a:solidFill>
+            <a:prstDash val="solid"/>
+            <a:tailEnd type="arrow"/>
+          </a:ln>
+          <a:effectLst/>
+        </p:spPr>
+      </p:cxnSp>
+      <p:cxnSp>
+        <p:nvCxnSpPr>
+          <p:cNvPr id="27" name="Gewinkelte Verbindung 26"/>
+          <p:cNvCxnSpPr>
+            <a:stCxn id="56" idx="4"/>
+            <a:endCxn id="2" idx="1"/>
+          </p:cNvCxnSpPr>
+          <p:nvPr/>
+        </p:nvCxnSpPr>
+        <p:spPr>
+          <a:xfrm>
+            <a:off x="6190196" y="3443492"/>
+            <a:ext cx="408006" cy="206456"/>
+          </a:xfrm>
+          <a:prstGeom prst="bentConnector3">
+            <a:avLst>
+              <a:gd name="adj1" fmla="val 48057"/>
+            </a:avLst>
+          </a:prstGeom>
+          <a:noFill/>
+          <a:ln w="25400" cap="flat" cmpd="sng" algn="ctr">
+            <a:solidFill>
+              <a:srgbClr val="0070C0"/>
+            </a:solidFill>
+            <a:prstDash val="solid"/>
+            <a:tailEnd type="arrow"/>
+          </a:ln>
+          <a:effectLst/>
+        </p:spPr>
+      </p:cxnSp>
+      <p:cxnSp>
+        <p:nvCxnSpPr>
+          <p:cNvPr id="33" name="Gewinkelte Verbindung 26"/>
+          <p:cNvCxnSpPr>
+            <a:stCxn id="9" idx="3"/>
+            <a:endCxn id="18" idx="1"/>
+          </p:cNvCxnSpPr>
+          <p:nvPr/>
+        </p:nvCxnSpPr>
+        <p:spPr>
+          <a:xfrm flipV="1">
+            <a:off x="3223747" y="2775114"/>
+            <a:ext cx="367443" cy="802547"/>
+          </a:xfrm>
+          <a:prstGeom prst="bentConnector3">
+            <a:avLst>
+              <a:gd name="adj1" fmla="val 50000"/>
+            </a:avLst>
+          </a:prstGeom>
+          <a:noFill/>
+          <a:ln w="25400" cap="flat" cmpd="sng" algn="ctr">
+            <a:solidFill>
+              <a:srgbClr val="0070C0"/>
+            </a:solidFill>
+            <a:prstDash val="solid"/>
+            <a:tailEnd type="arrow"/>
+          </a:ln>
+          <a:effectLst/>
+        </p:spPr>
+      </p:cxnSp>
+      <p:cxnSp>
+        <p:nvCxnSpPr>
+          <p:cNvPr id="40" name="Gewinkelte Verbindung 26"/>
+          <p:cNvCxnSpPr>
+            <a:stCxn id="56" idx="4"/>
+            <a:endCxn id="76" idx="1"/>
+          </p:cNvCxnSpPr>
+          <p:nvPr/>
+        </p:nvCxnSpPr>
+        <p:spPr>
+          <a:xfrm flipV="1">
+            <a:off x="6190196" y="2822321"/>
+            <a:ext cx="741429" cy="621172"/>
+          </a:xfrm>
+          <a:prstGeom prst="bentConnector3">
+            <a:avLst>
+              <a:gd name="adj1" fmla="val 26474"/>
+            </a:avLst>
+          </a:prstGeom>
+          <a:noFill/>
+          <a:ln w="25400" cap="flat" cmpd="sng" algn="ctr">
+            <a:solidFill>
+              <a:srgbClr val="0070C0"/>
+            </a:solidFill>
+            <a:prstDash val="solid"/>
+            <a:tailEnd type="arrow"/>
+          </a:ln>
+          <a:effectLst/>
+        </p:spPr>
+      </p:cxnSp>
+      <p:sp>
+        <p:nvSpPr>
+          <p:cNvPr id="44" name="TextBox 43"/>
+          <p:cNvSpPr txBox="1"/>
+          <p:nvPr/>
+        </p:nvSpPr>
+        <p:spPr>
+          <a:xfrm>
+            <a:off x="8827988" y="2815315"/>
+            <a:ext cx="1145489" cy="400110"/>
+          </a:xfrm>
+          <a:prstGeom prst="rect">
+            <a:avLst/>
+          </a:prstGeom>
+          <a:noFill/>
+        </p:spPr>
+        <p:txBody>
+          <a:bodyPr wrap="square" rtlCol="0">
+            <a:spAutoFit/>
+          </a:bodyPr>
+          <a:lstStyle/>
+          <a:p>
+            <a:pPr algn="ctr" eaLnBrk="0" fontAlgn="base" hangingPunct="0">
+              <a:spcBef>
+                <a:spcPct val="0"/>
+              </a:spcBef>
+              <a:spcAft>
+                <a:spcPct val="0"/>
+              </a:spcAft>
+            </a:pPr>
+            <a:r>
+              <a:rPr lang="sv-SE" sz="1000" b="1" dirty="0" err="1">
+                <a:solidFill>
+                  <a:srgbClr val="00B050"/>
+                </a:solidFill>
+                <a:latin typeface="Arial" charset="0"/>
+                <a:cs typeface="Arial" charset="0"/>
+              </a:rPr>
+              <a:t>testing</a:t>
+            </a:r>
+            <a:br>
+              <a:rPr lang="sv-SE" sz="1000" b="1" dirty="0">
+                <a:solidFill>
+                  <a:srgbClr val="00B050"/>
+                </a:solidFill>
+                <a:latin typeface="Arial" charset="0"/>
+                <a:cs typeface="Arial" charset="0"/>
+              </a:rPr>
+            </a:br>
+            <a:r>
+              <a:rPr lang="sv-SE" sz="1000" b="1" dirty="0" err="1">
+                <a:solidFill>
+                  <a:srgbClr val="00B050"/>
+                </a:solidFill>
+                <a:latin typeface="Arial" charset="0"/>
+                <a:cs typeface="Arial" charset="0"/>
+              </a:rPr>
+              <a:t>HiL</a:t>
+            </a:r>
+            <a:endParaRPr lang="en-US" sz="1000" b="1" dirty="0">
+              <a:solidFill>
+                <a:srgbClr val="00B050"/>
+              </a:solidFill>
+              <a:latin typeface="Arial" charset="0"/>
+              <a:cs typeface="Arial" charset="0"/>
+            </a:endParaRPr>
+          </a:p>
+        </p:txBody>
+      </p:sp>
+      <p:cxnSp>
+        <p:nvCxnSpPr>
+          <p:cNvPr id="48" name="Gewinkelte Verbindung 26"/>
+          <p:cNvCxnSpPr>
+            <a:stCxn id="32" idx="3"/>
+            <a:endCxn id="57" idx="2"/>
+          </p:cNvCxnSpPr>
+          <p:nvPr/>
+        </p:nvCxnSpPr>
+        <p:spPr>
+          <a:xfrm flipV="1">
+            <a:off x="4226213" y="2775718"/>
+            <a:ext cx="555557" cy="1449893"/>
+          </a:xfrm>
+          <a:prstGeom prst="bentConnector3">
+            <a:avLst>
+              <a:gd name="adj1" fmla="val 50000"/>
+            </a:avLst>
+          </a:prstGeom>
+          <a:noFill/>
+          <a:ln w="25400" cap="flat" cmpd="sng" algn="ctr">
+            <a:solidFill>
+              <a:srgbClr val="0070C0"/>
+            </a:solidFill>
+            <a:prstDash val="solid"/>
+            <a:tailEnd type="arrow"/>
+          </a:ln>
+          <a:effectLst/>
+        </p:spPr>
+      </p:cxnSp>
+      <p:sp>
+        <p:nvSpPr>
+          <p:cNvPr id="53" name="Flowchart: Magnetic Disk 52"/>
+          <p:cNvSpPr/>
+          <p:nvPr/>
+        </p:nvSpPr>
+        <p:spPr>
+          <a:xfrm>
+            <a:off x="4780108" y="4299923"/>
+            <a:ext cx="1408426" cy="869069"/>
+          </a:xfrm>
+          <a:prstGeom prst="flowChartMagneticDisk">
+            <a:avLst/>
+          </a:prstGeom>
+          <a:solidFill>
+            <a:srgbClr val="0070C0"/>
+          </a:solidFill>
+          <a:ln w="19050" cap="flat" cmpd="sng" algn="ctr">
+            <a:solidFill>
+              <a:srgbClr val="000000"/>
+            </a:solidFill>
+            <a:prstDash val="solid"/>
+          </a:ln>
+          <a:effectLst/>
+        </p:spPr>
+        <p:txBody>
+          <a:bodyPr wrap="none" lIns="36000" rIns="36000" bIns="0" rtlCol="0" anchor="b" anchorCtr="1"/>
+          <a:lstStyle/>
+          <a:p>
+            <a:pPr marL="0" marR="0" lvl="0" indent="0" algn="ctr" defTabSz="914400" eaLnBrk="0" fontAlgn="base" latinLnBrk="0" hangingPunct="0">
+              <a:lnSpc>
+                <a:spcPct val="100000"/>
+              </a:lnSpc>
+              <a:spcBef>
+                <a:spcPct val="0"/>
+              </a:spcBef>
+              <a:spcAft>
+                <a:spcPct val="0"/>
+              </a:spcAft>
+              <a:buClrTx/>
+              <a:buSzTx/>
+              <a:buFontTx/>
+              <a:buNone/>
+              <a:tabLst/>
+              <a:defRPr/>
+            </a:pPr>
+            <a:r>
+              <a:rPr kumimoji="0" lang="en-US" sz="1300" b="1" i="0" u="none" strike="noStrike" kern="0" cap="none" spc="0" normalizeH="0" baseline="0" noProof="0" dirty="0">
+                <a:ln>
+                  <a:noFill/>
+                </a:ln>
+                <a:solidFill>
+                  <a:srgbClr val="FFFFFF"/>
+                </a:solidFill>
+                <a:effectLst/>
+                <a:uLnTx/>
+                <a:uFillTx/>
+                <a:latin typeface="Arial"/>
+                <a:ea typeface="+mn-ea"/>
+                <a:cs typeface="+mn-cs"/>
+              </a:rPr>
+              <a:t>Binary </a:t>
+            </a:r>
+            <a:br>
+              <a:rPr kumimoji="0" lang="en-US" sz="1300" b="1" i="0" u="none" strike="noStrike" kern="0" cap="none" spc="0" normalizeH="0" baseline="0" noProof="0" dirty="0">
+                <a:ln>
+                  <a:noFill/>
+                </a:ln>
+                <a:solidFill>
+                  <a:srgbClr val="FFFFFF"/>
+                </a:solidFill>
+                <a:effectLst/>
+                <a:uLnTx/>
+                <a:uFillTx/>
+                <a:latin typeface="Arial"/>
+                <a:ea typeface="+mn-ea"/>
+                <a:cs typeface="+mn-cs"/>
+              </a:rPr>
+            </a:br>
+            <a:r>
+              <a:rPr kumimoji="0" lang="en-US" sz="1300" b="1" i="0" u="none" strike="noStrike" kern="0" cap="none" spc="0" normalizeH="0" baseline="0" noProof="0" dirty="0">
+                <a:ln>
+                  <a:noFill/>
+                </a:ln>
+                <a:solidFill>
+                  <a:srgbClr val="FFFFFF"/>
+                </a:solidFill>
+                <a:effectLst/>
+                <a:uLnTx/>
+                <a:uFillTx/>
+                <a:latin typeface="Arial"/>
+                <a:ea typeface="+mn-ea"/>
+                <a:cs typeface="+mn-cs"/>
+              </a:rPr>
+              <a:t>Code*</a:t>
+            </a:r>
+          </a:p>
+        </p:txBody>
+      </p:sp>
+      <p:sp>
+        <p:nvSpPr>
+          <p:cNvPr id="54" name="Flowchart: Magnetic Disk 53"/>
+          <p:cNvSpPr/>
+          <p:nvPr/>
+        </p:nvSpPr>
+        <p:spPr>
+          <a:xfrm>
+            <a:off x="4779488" y="3657014"/>
+            <a:ext cx="1408426" cy="869069"/>
+          </a:xfrm>
+          <a:prstGeom prst="flowChartMagneticDisk">
+            <a:avLst/>
+          </a:prstGeom>
+          <a:solidFill>
+            <a:srgbClr val="0070C0"/>
+          </a:solidFill>
+          <a:ln w="19050" cap="flat" cmpd="sng" algn="ctr">
+            <a:solidFill>
+              <a:srgbClr val="000000"/>
+            </a:solidFill>
+            <a:prstDash val="solid"/>
+          </a:ln>
+          <a:effectLst/>
+        </p:spPr>
+        <p:txBody>
+          <a:bodyPr wrap="none" lIns="36000" rIns="36000" bIns="0" rtlCol="0" anchor="b" anchorCtr="1"/>
+          <a:lstStyle/>
+          <a:p>
+            <a:pPr marL="0" marR="0" lvl="0" indent="0" algn="ctr" defTabSz="914400" eaLnBrk="0" fontAlgn="base" latinLnBrk="0" hangingPunct="0">
+              <a:lnSpc>
+                <a:spcPct val="100000"/>
+              </a:lnSpc>
+              <a:spcBef>
+                <a:spcPct val="0"/>
+              </a:spcBef>
+              <a:spcAft>
+                <a:spcPct val="0"/>
+              </a:spcAft>
+              <a:buClrTx/>
+              <a:buSzTx/>
+              <a:buFontTx/>
+              <a:buNone/>
+              <a:tabLst/>
+              <a:defRPr/>
+            </a:pPr>
+            <a:r>
+              <a:rPr kumimoji="0" lang="en-US" sz="1300" b="1" i="0" u="none" strike="noStrike" kern="0" cap="none" spc="0" normalizeH="0" baseline="0" noProof="0" dirty="0">
+                <a:ln>
+                  <a:noFill/>
+                </a:ln>
+                <a:solidFill>
+                  <a:srgbClr val="FFFFFF"/>
+                </a:solidFill>
+                <a:effectLst/>
+                <a:uLnTx/>
+                <a:uFillTx/>
+                <a:latin typeface="Arial"/>
+                <a:ea typeface="+mn-ea"/>
+                <a:cs typeface="+mn-cs"/>
+              </a:rPr>
+              <a:t>Production </a:t>
+            </a:r>
+            <a:br>
+              <a:rPr kumimoji="0" lang="en-US" sz="1300" b="1" i="0" u="none" strike="noStrike" kern="0" cap="none" spc="0" normalizeH="0" baseline="0" noProof="0" dirty="0">
+                <a:ln>
+                  <a:noFill/>
+                </a:ln>
+                <a:solidFill>
+                  <a:srgbClr val="FFFFFF"/>
+                </a:solidFill>
+                <a:effectLst/>
+                <a:uLnTx/>
+                <a:uFillTx/>
+                <a:latin typeface="Arial"/>
+                <a:ea typeface="+mn-ea"/>
+                <a:cs typeface="+mn-cs"/>
+              </a:rPr>
+            </a:br>
+            <a:r>
+              <a:rPr kumimoji="0" lang="en-US" sz="1300" b="1" i="0" u="none" strike="noStrike" kern="0" cap="none" spc="0" normalizeH="0" baseline="0" noProof="0" dirty="0">
+                <a:ln>
+                  <a:noFill/>
+                </a:ln>
+                <a:solidFill>
+                  <a:srgbClr val="FFFFFF"/>
+                </a:solidFill>
+                <a:effectLst/>
+                <a:uLnTx/>
+                <a:uFillTx/>
+                <a:latin typeface="Arial"/>
+                <a:ea typeface="+mn-ea"/>
+                <a:cs typeface="+mn-cs"/>
+              </a:rPr>
+              <a:t>Code*</a:t>
+            </a:r>
+          </a:p>
+        </p:txBody>
+      </p:sp>
+      <p:sp>
+        <p:nvSpPr>
+          <p:cNvPr id="56" name="Flowchart: Magnetic Disk 55"/>
+          <p:cNvSpPr/>
+          <p:nvPr/>
+        </p:nvSpPr>
+        <p:spPr>
+          <a:xfrm>
+            <a:off x="4781770" y="3008958"/>
+            <a:ext cx="1408426" cy="869069"/>
+          </a:xfrm>
+          <a:prstGeom prst="flowChartMagneticDisk">
+            <a:avLst/>
+          </a:prstGeom>
+          <a:solidFill>
+            <a:srgbClr val="0070C0"/>
+          </a:solidFill>
+          <a:ln w="19050" cap="flat" cmpd="sng" algn="ctr">
+            <a:solidFill>
+              <a:srgbClr val="000000"/>
+            </a:solidFill>
+            <a:prstDash val="solid"/>
+          </a:ln>
+          <a:effectLst/>
+        </p:spPr>
+        <p:txBody>
+          <a:bodyPr wrap="none" lIns="36000" rIns="36000" bIns="0" rtlCol="0" anchor="b" anchorCtr="1"/>
+          <a:lstStyle/>
+          <a:p>
+            <a:pPr marL="0" marR="0" lvl="0" indent="0" algn="ctr" defTabSz="914400" eaLnBrk="0" fontAlgn="base" latinLnBrk="0" hangingPunct="0">
+              <a:lnSpc>
+                <a:spcPct val="100000"/>
+              </a:lnSpc>
+              <a:spcBef>
+                <a:spcPct val="0"/>
+              </a:spcBef>
+              <a:spcAft>
+                <a:spcPct val="0"/>
+              </a:spcAft>
+              <a:buClrTx/>
+              <a:buSzTx/>
+              <a:buFontTx/>
+              <a:buNone/>
+              <a:tabLst/>
+              <a:defRPr/>
+            </a:pPr>
+            <a:r>
+              <a:rPr kumimoji="0" lang="en-US" sz="1300" b="1" i="0" u="none" strike="noStrike" kern="0" cap="none" spc="0" normalizeH="0" baseline="0" noProof="0" dirty="0">
+                <a:ln>
+                  <a:noFill/>
+                </a:ln>
+                <a:solidFill>
+                  <a:srgbClr val="FFFFFF"/>
+                </a:solidFill>
+                <a:effectLst/>
+                <a:uLnTx/>
+                <a:uFillTx/>
+                <a:latin typeface="Arial"/>
+                <a:ea typeface="+mn-ea"/>
+                <a:cs typeface="+mn-cs"/>
+              </a:rPr>
+              <a:t>Algorithm</a:t>
+            </a:r>
+            <a:br>
+              <a:rPr kumimoji="0" lang="en-US" sz="1300" b="1" i="0" u="none" strike="noStrike" kern="0" cap="none" spc="0" normalizeH="0" baseline="0" noProof="0" dirty="0">
+                <a:ln>
+                  <a:noFill/>
+                </a:ln>
+                <a:solidFill>
+                  <a:srgbClr val="FFFFFF"/>
+                </a:solidFill>
+                <a:effectLst/>
+                <a:uLnTx/>
+                <a:uFillTx/>
+                <a:latin typeface="Arial"/>
+                <a:ea typeface="+mn-ea"/>
+                <a:cs typeface="+mn-cs"/>
+              </a:rPr>
+            </a:br>
+            <a:r>
+              <a:rPr kumimoji="0" lang="en-US" sz="1300" b="1" i="0" u="none" strike="noStrike" kern="0" cap="none" spc="0" normalizeH="0" baseline="0" noProof="0" dirty="0">
+                <a:ln>
+                  <a:noFill/>
+                </a:ln>
+                <a:solidFill>
+                  <a:srgbClr val="FFFFFF"/>
+                </a:solidFill>
+                <a:effectLst/>
+                <a:uLnTx/>
+                <a:uFillTx/>
+                <a:latin typeface="Arial"/>
+                <a:ea typeface="+mn-ea"/>
+                <a:cs typeface="+mn-cs"/>
+              </a:rPr>
+              <a:t>Code</a:t>
+            </a:r>
+          </a:p>
+        </p:txBody>
+      </p:sp>
+      <p:sp>
+        <p:nvSpPr>
+          <p:cNvPr id="57" name="Flowchart: Magnetic Disk 56"/>
+          <p:cNvSpPr/>
+          <p:nvPr/>
+        </p:nvSpPr>
+        <p:spPr>
+          <a:xfrm>
+            <a:off x="4781770" y="2316519"/>
+            <a:ext cx="1408426" cy="918396"/>
+          </a:xfrm>
+          <a:prstGeom prst="flowChartMagneticDisk">
+            <a:avLst/>
+          </a:prstGeom>
+          <a:solidFill>
+            <a:srgbClr val="0070C0"/>
+          </a:solidFill>
+          <a:ln w="19050" cap="flat" cmpd="sng" algn="ctr">
+            <a:solidFill>
+              <a:srgbClr val="000000"/>
+            </a:solidFill>
+            <a:prstDash val="solid"/>
+          </a:ln>
+          <a:effectLst/>
+        </p:spPr>
+        <p:txBody>
+          <a:bodyPr wrap="none" lIns="36000" rIns="36000" bIns="0" rtlCol="0" anchor="b" anchorCtr="1"/>
+          <a:lstStyle/>
+          <a:p>
+            <a:pPr marL="0" marR="0" lvl="0" indent="0" algn="ctr" defTabSz="914400" eaLnBrk="0" fontAlgn="base" latinLnBrk="0" hangingPunct="0">
+              <a:lnSpc>
+                <a:spcPct val="100000"/>
+              </a:lnSpc>
+              <a:spcBef>
+                <a:spcPct val="0"/>
+              </a:spcBef>
+              <a:spcAft>
+                <a:spcPct val="0"/>
+              </a:spcAft>
+              <a:buClrTx/>
+              <a:buSzTx/>
+              <a:buFontTx/>
+              <a:buNone/>
+              <a:tabLst/>
+              <a:defRPr/>
+            </a:pPr>
+            <a:r>
+              <a:rPr kumimoji="0" lang="en-US" sz="1300" b="1" i="0" u="none" strike="noStrike" kern="0" cap="none" spc="0" normalizeH="0" baseline="0" noProof="0" dirty="0">
+                <a:ln>
+                  <a:noFill/>
+                </a:ln>
+                <a:solidFill>
+                  <a:srgbClr val="FFFFFF"/>
+                </a:solidFill>
+                <a:effectLst/>
+                <a:uLnTx/>
+                <a:uFillTx/>
+                <a:latin typeface="Arial"/>
+                <a:ea typeface="+mn-ea"/>
+                <a:cs typeface="+mn-cs"/>
+              </a:rPr>
+              <a:t>Behavioral </a:t>
+            </a:r>
+            <a:br>
+              <a:rPr kumimoji="0" lang="en-US" sz="1300" b="1" i="0" u="none" strike="noStrike" kern="0" cap="none" spc="0" normalizeH="0" baseline="0" noProof="0" dirty="0">
+                <a:ln>
+                  <a:noFill/>
+                </a:ln>
+                <a:solidFill>
+                  <a:srgbClr val="FFFFFF"/>
+                </a:solidFill>
+                <a:effectLst/>
+                <a:uLnTx/>
+                <a:uFillTx/>
+                <a:latin typeface="Arial"/>
+                <a:ea typeface="+mn-ea"/>
+                <a:cs typeface="+mn-cs"/>
+              </a:rPr>
+            </a:br>
+            <a:r>
+              <a:rPr kumimoji="0" lang="en-US" sz="1300" b="1" i="0" u="none" strike="noStrike" kern="0" cap="none" spc="0" normalizeH="0" baseline="0" noProof="0" dirty="0">
+                <a:ln>
+                  <a:noFill/>
+                </a:ln>
+                <a:solidFill>
+                  <a:srgbClr val="FFFFFF"/>
+                </a:solidFill>
+                <a:effectLst/>
+                <a:uLnTx/>
+                <a:uFillTx/>
+                <a:latin typeface="Arial"/>
+                <a:ea typeface="+mn-ea"/>
+                <a:cs typeface="+mn-cs"/>
+              </a:rPr>
+              <a:t>Model*</a:t>
+            </a:r>
+          </a:p>
+        </p:txBody>
+      </p:sp>
+      <p:sp>
+        <p:nvSpPr>
+          <p:cNvPr id="58" name="Flowchart: Magnetic Disk 57"/>
+          <p:cNvSpPr/>
+          <p:nvPr/>
+        </p:nvSpPr>
+        <p:spPr>
+          <a:xfrm>
+            <a:off x="4781770" y="2051436"/>
+            <a:ext cx="1408426" cy="509431"/>
+          </a:xfrm>
+          <a:prstGeom prst="flowChartMagneticDisk">
+            <a:avLst/>
+          </a:prstGeom>
+          <a:solidFill>
+            <a:srgbClr val="0070C0"/>
+          </a:solidFill>
+          <a:ln w="19050" cap="flat" cmpd="sng" algn="ctr">
+            <a:solidFill>
+              <a:srgbClr val="000000"/>
+            </a:solidFill>
+            <a:prstDash val="solid"/>
+          </a:ln>
+          <a:effectLst/>
+        </p:spPr>
+        <p:txBody>
+          <a:bodyPr wrap="none" rtlCol="0" anchor="ctr"/>
+          <a:lstStyle/>
+          <a:p>
+            <a:pPr marL="0" marR="0" lvl="0" indent="0" algn="ctr" defTabSz="914400" eaLnBrk="0" fontAlgn="base" latinLnBrk="0" hangingPunct="0">
+              <a:lnSpc>
+                <a:spcPct val="100000"/>
+              </a:lnSpc>
+              <a:spcBef>
+                <a:spcPct val="0"/>
+              </a:spcBef>
+              <a:spcAft>
+                <a:spcPct val="0"/>
+              </a:spcAft>
+              <a:buClrTx/>
+              <a:buSzTx/>
+              <a:buFontTx/>
+              <a:buNone/>
+              <a:tabLst/>
+              <a:defRPr/>
+            </a:pPr>
+            <a:r>
+              <a:rPr kumimoji="0" lang="en-US" sz="1300" b="1" i="0" u="none" strike="noStrike" kern="0" cap="none" spc="0" normalizeH="0" baseline="0" noProof="0" dirty="0">
+                <a:ln>
+                  <a:noFill/>
+                </a:ln>
+                <a:solidFill>
+                  <a:srgbClr val="FFFFFF"/>
+                </a:solidFill>
+                <a:effectLst/>
+                <a:uLnTx/>
+                <a:uFillTx/>
+                <a:latin typeface="Arial"/>
+                <a:ea typeface="+mn-ea"/>
+                <a:cs typeface="+mn-cs"/>
+              </a:rPr>
+              <a:t>eFMU Manifest</a:t>
+            </a:r>
+          </a:p>
+        </p:txBody>
+      </p:sp>
+      <p:cxnSp>
+        <p:nvCxnSpPr>
+          <p:cNvPr id="59" name="Gewinkelte Verbindung 26"/>
+          <p:cNvCxnSpPr>
+            <a:cxnSpLocks/>
+          </p:cNvCxnSpPr>
+          <p:nvPr/>
+        </p:nvCxnSpPr>
+        <p:spPr>
+          <a:xfrm rot="5400000" flipH="1" flipV="1">
+            <a:off x="5994337" y="2638390"/>
+            <a:ext cx="2561063" cy="2157901"/>
+          </a:xfrm>
+          <a:prstGeom prst="bentConnector3">
+            <a:avLst>
+              <a:gd name="adj1" fmla="val -581"/>
+            </a:avLst>
+          </a:prstGeom>
+          <a:noFill/>
+          <a:ln w="25400" cap="flat" cmpd="sng" algn="ctr">
+            <a:solidFill>
+              <a:srgbClr val="00B050"/>
+            </a:solidFill>
+            <a:prstDash val="solid"/>
+            <a:tailEnd type="none"/>
+          </a:ln>
+          <a:effectLst/>
+        </p:spPr>
+      </p:cxnSp>
+      <p:cxnSp>
+        <p:nvCxnSpPr>
+          <p:cNvPr id="60" name="Gewinkelte Verbindung 26"/>
+          <p:cNvCxnSpPr>
+            <a:endCxn id="4" idx="1"/>
+          </p:cNvCxnSpPr>
+          <p:nvPr/>
+        </p:nvCxnSpPr>
+        <p:spPr>
+          <a:xfrm flipV="1">
+            <a:off x="6185834" y="2441768"/>
+            <a:ext cx="2444659" cy="180277"/>
+          </a:xfrm>
+          <a:prstGeom prst="bentConnector3">
+            <a:avLst>
+              <a:gd name="adj1" fmla="val 7855"/>
+            </a:avLst>
+          </a:prstGeom>
+          <a:noFill/>
+          <a:ln w="25400" cap="flat" cmpd="sng" algn="ctr">
+            <a:solidFill>
+              <a:srgbClr val="00B050"/>
+            </a:solidFill>
+            <a:prstDash val="solid"/>
+            <a:tailEnd type="triangle"/>
+          </a:ln>
+          <a:effectLst/>
+        </p:spPr>
+      </p:cxnSp>
+      <p:pic>
+        <p:nvPicPr>
+          <p:cNvPr id="2" name="Picture 1"/>
+          <p:cNvPicPr>
+            <a:picLocks noChangeAspect="1"/>
+          </p:cNvPicPr>
+          <p:nvPr/>
+        </p:nvPicPr>
+        <p:blipFill>
+          <a:blip r:embed="rId9" cstate="print">
+            <a:extLst>
+              <a:ext uri="{28A0092B-C50C-407E-A947-70E740481C1C}">
+                <a14:useLocalDpi xmlns:a14="http://schemas.microsoft.com/office/drawing/2010/main" val="0"/>
+              </a:ext>
+            </a:extLst>
+          </a:blip>
+          <a:stretch>
+            <a:fillRect/>
+          </a:stretch>
+        </p:blipFill>
+        <p:spPr>
+          <a:xfrm>
+            <a:off x="6598201" y="3436051"/>
+            <a:ext cx="1186323" cy="427795"/>
+          </a:xfrm>
+          <a:prstGeom prst="rect">
+            <a:avLst/>
+          </a:prstGeom>
+        </p:spPr>
+      </p:pic>
+      <p:pic>
+        <p:nvPicPr>
+          <p:cNvPr id="76" name="Picture 75"/>
+          <p:cNvPicPr>
+            <a:picLocks noChangeAspect="1"/>
+          </p:cNvPicPr>
+          <p:nvPr/>
+        </p:nvPicPr>
+        <p:blipFill>
+          <a:blip r:embed="rId10" cstate="print">
+            <a:extLst>
+              <a:ext uri="{28A0092B-C50C-407E-A947-70E740481C1C}">
+                <a14:useLocalDpi xmlns:a14="http://schemas.microsoft.com/office/drawing/2010/main" val="0"/>
+              </a:ext>
+            </a:extLst>
+          </a:blip>
+          <a:stretch>
+            <a:fillRect/>
+          </a:stretch>
+        </p:blipFill>
+        <p:spPr>
+          <a:xfrm>
+            <a:off x="6931624" y="2563690"/>
+            <a:ext cx="517262" cy="517262"/>
+          </a:xfrm>
+          <a:prstGeom prst="rect">
+            <a:avLst/>
+          </a:prstGeom>
+        </p:spPr>
+      </p:pic>
+      <p:sp>
+        <p:nvSpPr>
+          <p:cNvPr id="77" name="TextBox 76"/>
+          <p:cNvSpPr txBox="1"/>
+          <p:nvPr>
+            <p:custDataLst>
+              <p:tags r:id="rId2"/>
+            </p:custDataLst>
+          </p:nvPr>
+        </p:nvSpPr>
+        <p:spPr>
+          <a:xfrm>
+            <a:off x="6431023" y="3057491"/>
+            <a:ext cx="1506823" cy="369332"/>
+          </a:xfrm>
+          <a:prstGeom prst="rect">
+            <a:avLst/>
+          </a:prstGeom>
+          <a:solidFill>
+            <a:scrgbClr r="0" g="0" b="0">
+              <a:alpha val="0"/>
+            </a:scrgbClr>
+          </a:solidFill>
+          <a:ln>
+            <a:noFill/>
+          </a:ln>
+        </p:spPr>
+        <p:txBody>
+          <a:bodyPr wrap="none" lIns="0" tIns="0" rIns="0" bIns="0" rtlCol="0">
+            <a:spAutoFit/>
+          </a:bodyPr>
+          <a:lstStyle/>
+          <a:p>
+            <a:pPr algn="ctr" eaLnBrk="0" fontAlgn="base" hangingPunct="0">
+              <a:spcBef>
+                <a:spcPts val="500"/>
+              </a:spcBef>
+              <a:spcAft>
+                <a:spcPct val="0"/>
+              </a:spcAft>
+            </a:pPr>
+            <a:r>
+              <a:rPr lang="sv-SE" sz="1200" b="1" dirty="0">
+                <a:solidFill>
+                  <a:srgbClr val="5E676E"/>
+                </a:solidFill>
+                <a:latin typeface="Arial" panose="020B0604020202020204" pitchFamily="34" charset="0"/>
+                <a:cs typeface="Arial" panose="020B0604020202020204" pitchFamily="34" charset="0"/>
+              </a:rPr>
+              <a:t>Software </a:t>
+            </a:r>
+            <a:r>
+              <a:rPr lang="sv-SE" sz="1200" b="1" dirty="0" err="1">
+                <a:solidFill>
+                  <a:srgbClr val="5E676E"/>
+                </a:solidFill>
+                <a:latin typeface="Arial" panose="020B0604020202020204" pitchFamily="34" charset="0"/>
+                <a:cs typeface="Arial" panose="020B0604020202020204" pitchFamily="34" charset="0"/>
+              </a:rPr>
+              <a:t>Production</a:t>
+            </a:r>
+            <a:br>
+              <a:rPr lang="sv-SE" sz="1200" b="1" dirty="0">
+                <a:solidFill>
+                  <a:srgbClr val="5E676E"/>
+                </a:solidFill>
+                <a:latin typeface="Arial" panose="020B0604020202020204" pitchFamily="34" charset="0"/>
+                <a:cs typeface="Arial" panose="020B0604020202020204" pitchFamily="34" charset="0"/>
+              </a:rPr>
+            </a:br>
+            <a:r>
+              <a:rPr lang="sv-SE" sz="1200" b="1" dirty="0" err="1">
+                <a:solidFill>
+                  <a:srgbClr val="5E676E"/>
+                </a:solidFill>
+                <a:latin typeface="Arial" panose="020B0604020202020204" pitchFamily="34" charset="0"/>
+                <a:cs typeface="Arial" panose="020B0604020202020204" pitchFamily="34" charset="0"/>
+              </a:rPr>
+              <a:t>Engineering</a:t>
+            </a:r>
+            <a:endParaRPr sz="1200" b="1" dirty="0">
+              <a:solidFill>
+                <a:srgbClr val="5E676E"/>
+              </a:solidFill>
+              <a:latin typeface="Arial" panose="020B0604020202020204" pitchFamily="34" charset="0"/>
+              <a:cs typeface="Arial" panose="020B0604020202020204" pitchFamily="34" charset="0"/>
+            </a:endParaRPr>
+          </a:p>
+        </p:txBody>
+      </p:sp>
+      <p:pic>
+        <p:nvPicPr>
+          <p:cNvPr id="32" name="Picture 31"/>
+          <p:cNvPicPr>
+            <a:picLocks noChangeAspect="1"/>
+          </p:cNvPicPr>
+          <p:nvPr/>
+        </p:nvPicPr>
+        <p:blipFill>
+          <a:blip r:embed="rId11">
+            <a:extLst>
+              <a:ext uri="{28A0092B-C50C-407E-A947-70E740481C1C}">
+                <a14:useLocalDpi xmlns:a14="http://schemas.microsoft.com/office/drawing/2010/main" val="0"/>
+              </a:ext>
+            </a:extLst>
+          </a:blip>
+          <a:stretch>
+            <a:fillRect/>
+          </a:stretch>
+        </p:blipFill>
+        <p:spPr>
+          <a:xfrm>
+            <a:off x="3588449" y="4020229"/>
+            <a:ext cx="637764" cy="410763"/>
+          </a:xfrm>
+          <a:prstGeom prst="rect">
+            <a:avLst/>
+          </a:prstGeom>
+        </p:spPr>
+      </p:pic>
+      <p:sp>
+        <p:nvSpPr>
+          <p:cNvPr id="78" name="TextBox 77"/>
+          <p:cNvSpPr txBox="1"/>
+          <p:nvPr/>
+        </p:nvSpPr>
+        <p:spPr>
+          <a:xfrm>
+            <a:off x="3507919" y="4418096"/>
+            <a:ext cx="798824" cy="276999"/>
+          </a:xfrm>
+          <a:prstGeom prst="rect">
+            <a:avLst/>
+          </a:prstGeom>
+          <a:noFill/>
+        </p:spPr>
+        <p:txBody>
+          <a:bodyPr wrap="square" lIns="0" rIns="0" rtlCol="0">
+            <a:spAutoFit/>
+          </a:bodyPr>
+          <a:lstStyle/>
+          <a:p>
+            <a:pPr algn="ctr" eaLnBrk="0" fontAlgn="base" hangingPunct="0">
+              <a:spcBef>
+                <a:spcPct val="0"/>
+              </a:spcBef>
+              <a:spcAft>
+                <a:spcPct val="0"/>
+              </a:spcAft>
+            </a:pPr>
+            <a:r>
+              <a:rPr lang="en-US" sz="1200" b="1" dirty="0" err="1">
+                <a:solidFill>
+                  <a:srgbClr val="5E676E"/>
+                </a:solidFill>
+                <a:latin typeface="Arial" panose="020B0604020202020204" pitchFamily="34" charset="0"/>
+                <a:cs typeface="Arial" panose="020B0604020202020204" pitchFamily="34" charset="0"/>
+              </a:rPr>
+              <a:t>Dymola</a:t>
+            </a:r>
+            <a:endParaRPr lang="en-US" sz="1200" b="1" dirty="0">
+              <a:solidFill>
+                <a:srgbClr val="5E676E"/>
+              </a:solidFill>
+              <a:latin typeface="Arial" panose="020B0604020202020204" pitchFamily="34" charset="0"/>
+              <a:cs typeface="Arial" panose="020B0604020202020204" pitchFamily="34" charset="0"/>
+            </a:endParaRPr>
+          </a:p>
+        </p:txBody>
+      </p:sp>
+      <p:pic>
+        <p:nvPicPr>
+          <p:cNvPr id="18" name="Picture 17"/>
+          <p:cNvPicPr>
+            <a:picLocks noChangeAspect="1"/>
+          </p:cNvPicPr>
+          <p:nvPr/>
+        </p:nvPicPr>
+        <p:blipFill>
+          <a:blip r:embed="rId12">
+            <a:extLst>
+              <a:ext uri="{28A0092B-C50C-407E-A947-70E740481C1C}">
+                <a14:useLocalDpi xmlns:a14="http://schemas.microsoft.com/office/drawing/2010/main" val="0"/>
+              </a:ext>
+            </a:extLst>
+          </a:blip>
+          <a:stretch>
+            <a:fillRect/>
+          </a:stretch>
+        </p:blipFill>
+        <p:spPr>
+          <a:xfrm>
+            <a:off x="3591190" y="2436808"/>
+            <a:ext cx="676612" cy="676612"/>
+          </a:xfrm>
+          <a:prstGeom prst="rect">
+            <a:avLst/>
+          </a:prstGeom>
+        </p:spPr>
+      </p:pic>
+      <p:sp>
+        <p:nvSpPr>
+          <p:cNvPr id="73" name="TextBox 72"/>
+          <p:cNvSpPr txBox="1"/>
+          <p:nvPr/>
+        </p:nvSpPr>
+        <p:spPr>
+          <a:xfrm>
+            <a:off x="3430932" y="2985402"/>
+            <a:ext cx="1029962" cy="276999"/>
+          </a:xfrm>
+          <a:prstGeom prst="rect">
+            <a:avLst/>
+          </a:prstGeom>
+          <a:noFill/>
+        </p:spPr>
+        <p:txBody>
+          <a:bodyPr wrap="none" rtlCol="0">
+            <a:spAutoFit/>
+          </a:bodyPr>
+          <a:lstStyle/>
+          <a:p>
+            <a:pPr algn="ctr" eaLnBrk="0" fontAlgn="base" hangingPunct="0">
+              <a:spcBef>
+                <a:spcPct val="0"/>
+              </a:spcBef>
+              <a:spcAft>
+                <a:spcPct val="0"/>
+              </a:spcAft>
+            </a:pPr>
+            <a:r>
+              <a:rPr lang="en-US" sz="1200" b="1" dirty="0">
+                <a:solidFill>
+                  <a:srgbClr val="5E676E"/>
+                </a:solidFill>
+                <a:latin typeface="Arial" panose="020B0604020202020204" pitchFamily="34" charset="0"/>
+                <a:cs typeface="Arial" panose="020B0604020202020204" pitchFamily="34" charset="0"/>
+              </a:rPr>
+              <a:t>CATIA DBM</a:t>
+            </a:r>
+          </a:p>
+        </p:txBody>
+      </p:sp>
+      <p:cxnSp>
+        <p:nvCxnSpPr>
+          <p:cNvPr id="79" name="Gewinkelte Verbindung 26"/>
+          <p:cNvCxnSpPr>
+            <a:stCxn id="18" idx="3"/>
+            <a:endCxn id="57" idx="2"/>
+          </p:cNvCxnSpPr>
+          <p:nvPr/>
+        </p:nvCxnSpPr>
+        <p:spPr>
+          <a:xfrm>
+            <a:off x="4244738" y="2775114"/>
+            <a:ext cx="537032" cy="603"/>
+          </a:xfrm>
+          <a:prstGeom prst="bentConnector3">
+            <a:avLst>
+              <a:gd name="adj1" fmla="val 50000"/>
+            </a:avLst>
+          </a:prstGeom>
+          <a:noFill/>
+          <a:ln w="25400" cap="flat" cmpd="sng" algn="ctr">
+            <a:solidFill>
+              <a:srgbClr val="0070C0"/>
+            </a:solidFill>
+            <a:prstDash val="solid"/>
+            <a:tailEnd type="arrow"/>
+          </a:ln>
+          <a:effectLst/>
+        </p:spPr>
+      </p:cxnSp>
+      <p:cxnSp>
+        <p:nvCxnSpPr>
+          <p:cNvPr id="75" name="Gewinkelte Verbindung 26"/>
+          <p:cNvCxnSpPr>
+            <a:endCxn id="3" idx="1"/>
+          </p:cNvCxnSpPr>
+          <p:nvPr/>
+        </p:nvCxnSpPr>
+        <p:spPr>
+          <a:xfrm>
+            <a:off x="6185352" y="4149957"/>
+            <a:ext cx="774055" cy="90202"/>
+          </a:xfrm>
+          <a:prstGeom prst="bentConnector3">
+            <a:avLst>
+              <a:gd name="adj1" fmla="val 26005"/>
+            </a:avLst>
+          </a:prstGeom>
+          <a:noFill/>
+          <a:ln w="25400" cap="flat" cmpd="sng" algn="ctr">
+            <a:solidFill>
+              <a:srgbClr val="0070C0"/>
+            </a:solidFill>
+            <a:prstDash val="solid"/>
+            <a:tailEnd type="arrow"/>
+          </a:ln>
+          <a:effectLst/>
+        </p:spPr>
+      </p:cxnSp>
+      <p:cxnSp>
+        <p:nvCxnSpPr>
+          <p:cNvPr id="114" name="Straight Arrow Connector 113"/>
+          <p:cNvCxnSpPr>
+            <a:stCxn id="4" idx="2"/>
+            <a:endCxn id="14" idx="0"/>
+          </p:cNvCxnSpPr>
+          <p:nvPr/>
+        </p:nvCxnSpPr>
+        <p:spPr>
+          <a:xfrm>
+            <a:off x="9139444" y="2612009"/>
+            <a:ext cx="13319" cy="936720"/>
+          </a:xfrm>
+          <a:prstGeom prst="straightConnector1">
+            <a:avLst/>
+          </a:prstGeom>
+          <a:ln w="25400">
+            <a:solidFill>
+              <a:srgbClr val="00B050"/>
+            </a:solidFill>
+            <a:prstDash val="solid"/>
+            <a:headEnd type="none"/>
+            <a:tailEnd type="triangle"/>
+          </a:ln>
+        </p:spPr>
+        <p:style>
+          <a:lnRef idx="1">
+            <a:schemeClr val="accent1"/>
+          </a:lnRef>
+          <a:fillRef idx="0">
+            <a:schemeClr val="accent1"/>
+          </a:fillRef>
+          <a:effectRef idx="0">
+            <a:schemeClr val="accent1"/>
+          </a:effectRef>
+          <a:fontRef idx="minor">
+            <a:schemeClr val="tx1"/>
+          </a:fontRef>
+        </p:style>
+      </p:cxnSp>
+      <p:pic>
+        <p:nvPicPr>
+          <p:cNvPr id="121" name="Picture 120"/>
+          <p:cNvPicPr>
+            <a:picLocks noChangeAspect="1"/>
+          </p:cNvPicPr>
+          <p:nvPr/>
+        </p:nvPicPr>
+        <p:blipFill>
+          <a:blip r:embed="rId13" cstate="print">
+            <a:extLst>
+              <a:ext uri="{28A0092B-C50C-407E-A947-70E740481C1C}">
+                <a14:useLocalDpi xmlns:a14="http://schemas.microsoft.com/office/drawing/2010/main" val="0"/>
+              </a:ext>
+            </a:extLst>
+          </a:blip>
+          <a:stretch>
+            <a:fillRect/>
+          </a:stretch>
+        </p:blipFill>
+        <p:spPr>
+          <a:xfrm>
+            <a:off x="2235200" y="1897279"/>
+            <a:ext cx="2071543" cy="496119"/>
+          </a:xfrm>
+          <a:prstGeom prst="rect">
+            <a:avLst/>
+          </a:prstGeom>
+        </p:spPr>
+      </p:pic>
+      <p:pic>
+        <p:nvPicPr>
+          <p:cNvPr id="3" name="Picture 2"/>
+          <p:cNvPicPr>
+            <a:picLocks noChangeAspect="1"/>
+          </p:cNvPicPr>
+          <p:nvPr/>
+        </p:nvPicPr>
+        <p:blipFill>
+          <a:blip r:embed="rId14" cstate="print">
+            <a:extLst>
+              <a:ext uri="{28A0092B-C50C-407E-A947-70E740481C1C}">
+                <a14:useLocalDpi xmlns:a14="http://schemas.microsoft.com/office/drawing/2010/main" val="0"/>
+              </a:ext>
+            </a:extLst>
+          </a:blip>
+          <a:stretch>
+            <a:fillRect/>
+          </a:stretch>
+        </p:blipFill>
+        <p:spPr>
+          <a:xfrm>
+            <a:off x="6959407" y="4026232"/>
+            <a:ext cx="427854" cy="427854"/>
+          </a:xfrm>
+          <a:prstGeom prst="rect">
+            <a:avLst/>
+          </a:prstGeom>
+        </p:spPr>
+      </p:pic>
+      <p:sp>
+        <p:nvSpPr>
+          <p:cNvPr id="42" name="TextBox 41"/>
+          <p:cNvSpPr txBox="1"/>
+          <p:nvPr>
+            <p:custDataLst>
+              <p:tags r:id="rId3"/>
+            </p:custDataLst>
+          </p:nvPr>
+        </p:nvSpPr>
+        <p:spPr>
+          <a:xfrm>
+            <a:off x="6510730" y="4474443"/>
+            <a:ext cx="1330941" cy="184666"/>
+          </a:xfrm>
+          <a:prstGeom prst="rect">
+            <a:avLst/>
+          </a:prstGeom>
+          <a:solidFill>
+            <a:scrgbClr r="0" g="0" b="0">
+              <a:alpha val="0"/>
+            </a:scrgbClr>
+          </a:solidFill>
+          <a:ln>
+            <a:noFill/>
+          </a:ln>
+        </p:spPr>
+        <p:txBody>
+          <a:bodyPr wrap="none" lIns="0" tIns="0" rIns="0" bIns="0" rtlCol="0">
+            <a:spAutoFit/>
+          </a:bodyPr>
+          <a:lstStyle/>
+          <a:p>
+            <a:pPr algn="ctr" eaLnBrk="0" fontAlgn="base" hangingPunct="0">
+              <a:spcBef>
+                <a:spcPts val="500"/>
+              </a:spcBef>
+              <a:spcAft>
+                <a:spcPct val="0"/>
+              </a:spcAft>
+            </a:pPr>
+            <a:r>
+              <a:rPr lang="sv-SE" sz="1200" b="1" dirty="0">
+                <a:solidFill>
+                  <a:srgbClr val="5E676E"/>
+                </a:solidFill>
+                <a:latin typeface="Arial" panose="020B0604020202020204" pitchFamily="34" charset="0"/>
+                <a:cs typeface="Arial" panose="020B0604020202020204" pitchFamily="34" charset="0"/>
+              </a:rPr>
+              <a:t>AUTOSAR </a:t>
+            </a:r>
+            <a:r>
+              <a:rPr lang="sv-SE" sz="1200" b="1" dirty="0" err="1">
+                <a:solidFill>
+                  <a:srgbClr val="5E676E"/>
+                </a:solidFill>
+                <a:latin typeface="Arial" panose="020B0604020202020204" pitchFamily="34" charset="0"/>
+                <a:cs typeface="Arial" panose="020B0604020202020204" pitchFamily="34" charset="0"/>
+              </a:rPr>
+              <a:t>Builder</a:t>
+            </a:r>
+            <a:endParaRPr sz="1200" b="1" dirty="0">
+              <a:solidFill>
+                <a:srgbClr val="5E676E"/>
+              </a:solidFill>
+              <a:latin typeface="Arial" panose="020B0604020202020204" pitchFamily="34" charset="0"/>
+              <a:cs typeface="Arial" panose="020B0604020202020204" pitchFamily="34" charset="0"/>
+            </a:endParaRPr>
+          </a:p>
+        </p:txBody>
+      </p:sp>
+      <p:cxnSp>
+        <p:nvCxnSpPr>
+          <p:cNvPr id="43" name="Gewinkelte Verbindung 26"/>
+          <p:cNvCxnSpPr>
+            <a:cxnSpLocks/>
+            <a:stCxn id="3" idx="3"/>
+          </p:cNvCxnSpPr>
+          <p:nvPr/>
+        </p:nvCxnSpPr>
+        <p:spPr>
+          <a:xfrm flipH="1">
+            <a:off x="6186943" y="4240159"/>
+            <a:ext cx="1200318" cy="117059"/>
+          </a:xfrm>
+          <a:prstGeom prst="bentConnector5">
+            <a:avLst>
+              <a:gd name="adj1" fmla="val -52373"/>
+              <a:gd name="adj2" fmla="val 378038"/>
+              <a:gd name="adj3" fmla="val 83562"/>
+            </a:avLst>
+          </a:prstGeom>
+          <a:noFill/>
+          <a:ln w="25400" cap="flat" cmpd="sng" algn="ctr">
+            <a:solidFill>
+              <a:srgbClr val="0070C0"/>
+            </a:solidFill>
+            <a:prstDash val="solid"/>
+            <a:tailEnd type="arrow"/>
+          </a:ln>
+          <a:effectLst/>
+        </p:spPr>
+      </p:cxnSp>
       <p:grpSp>
         <p:nvGrpSpPr>
-          <p:cNvPr id="7" name="Group 6"/>
+          <p:cNvPr id="45" name="Group 44">
+            <a:extLst>
+              <a:ext uri="{FF2B5EF4-FFF2-40B4-BE49-F238E27FC236}">
+                <a16:creationId xmlns:a16="http://schemas.microsoft.com/office/drawing/2014/main" id="{1ECEECCC-9EC5-4D01-9F42-3458A0447AC1}"/>
+              </a:ext>
+            </a:extLst>
+          </p:cNvPr>
           <p:cNvGrpSpPr>
             <a:grpSpLocks noChangeAspect="1"/>
           </p:cNvGrpSpPr>
@@ -2993,124 +4716,28 @@
         </p:nvGrpSpPr>
         <p:grpSpPr>
           <a:xfrm>
-            <a:off x="2235200" y="1896464"/>
-            <a:ext cx="7988639" cy="3272528"/>
-            <a:chOff x="2235200" y="1896464"/>
-            <a:chExt cx="7988639" cy="3272528"/>
+            <a:off x="8592746" y="4667133"/>
+            <a:ext cx="1120035" cy="358517"/>
+            <a:chOff x="9739710" y="3166852"/>
+            <a:chExt cx="1928150" cy="617191"/>
           </a:xfrm>
         </p:grpSpPr>
-        <p:sp>
-          <p:nvSpPr>
-            <p:cNvPr id="6" name="Block Arc 5"/>
-            <p:cNvSpPr/>
-            <p:nvPr/>
-          </p:nvSpPr>
-          <p:spPr bwMode="auto">
-            <a:xfrm>
-              <a:off x="3555384" y="1896464"/>
-              <a:ext cx="5442069" cy="3272528"/>
-            </a:xfrm>
-            <a:prstGeom prst="blockArc">
-              <a:avLst>
-                <a:gd name="adj1" fmla="val 744843"/>
-                <a:gd name="adj2" fmla="val 21532936"/>
-                <a:gd name="adj3" fmla="val 8175"/>
-              </a:avLst>
-            </a:prstGeom>
-            <a:solidFill>
-              <a:srgbClr val="E5E6E8"/>
-            </a:solidFill>
-            <a:ln w="9525" cap="flat" cmpd="sng" algn="ctr">
-              <a:noFill/>
-              <a:prstDash val="solid"/>
-              <a:round/>
-              <a:headEnd type="none" w="med" len="med"/>
-              <a:tailEnd type="arrow" w="med" len="med"/>
-            </a:ln>
-            <a:effectLst/>
-          </p:spPr>
-          <p:txBody>
-            <a:bodyPr vert="horz" wrap="square" lIns="90000" tIns="46800" rIns="36000" bIns="46800" numCol="1" rtlCol="0" anchor="t" anchorCtr="0" compatLnSpc="1">
-              <a:prstTxWarp prst="textNoShape">
-                <a:avLst/>
-              </a:prstTxWarp>
-              <a:spAutoFit/>
-            </a:bodyPr>
-            <a:lstStyle/>
-            <a:p>
-              <a:pPr marL="0" marR="0" lvl="0" indent="0" defTabSz="914400" eaLnBrk="0" fontAlgn="base" latinLnBrk="0" hangingPunct="0">
-                <a:lnSpc>
-                  <a:spcPct val="100000"/>
-                </a:lnSpc>
-                <a:spcBef>
-                  <a:spcPct val="50000"/>
-                </a:spcBef>
-                <a:spcAft>
-                  <a:spcPct val="0"/>
-                </a:spcAft>
-                <a:buClrTx/>
-                <a:buSzTx/>
-                <a:buFontTx/>
-                <a:buNone/>
-                <a:tabLst/>
-                <a:defRPr/>
-              </a:pPr>
-              <a:endParaRPr kumimoji="0" lang="en-US" sz="1600" b="0" i="0" u="none" strike="noStrike" kern="0" cap="none" spc="0" normalizeH="0" baseline="0" noProof="0" smtClean="0">
-                <a:ln>
-                  <a:noFill/>
-                </a:ln>
-                <a:solidFill>
-                  <a:srgbClr val="120C80"/>
-                </a:solidFill>
-                <a:effectLst/>
-                <a:uLnTx/>
-                <a:uFillTx/>
-                <a:latin typeface="Arial" charset="0"/>
-                <a:cs typeface="Arial" charset="0"/>
-              </a:endParaRPr>
-            </a:p>
-          </p:txBody>
-        </p:sp>
-        <p:cxnSp>
-          <p:nvCxnSpPr>
-            <p:cNvPr id="39" name="Gewinkelte Verbindung 26"/>
-            <p:cNvCxnSpPr>
-              <a:stCxn id="32" idx="3"/>
-              <a:endCxn id="56" idx="2"/>
-            </p:cNvCxnSpPr>
-            <p:nvPr/>
-          </p:nvCxnSpPr>
-          <p:spPr>
-            <a:xfrm flipV="1">
-              <a:off x="4226213" y="3443492"/>
-              <a:ext cx="555557" cy="782118"/>
-            </a:xfrm>
-            <a:prstGeom prst="bentConnector3">
-              <a:avLst>
-                <a:gd name="adj1" fmla="val 50000"/>
-              </a:avLst>
-            </a:prstGeom>
-            <a:noFill/>
-            <a:ln w="25400" cap="flat" cmpd="sng" algn="ctr">
-              <a:solidFill>
-                <a:srgbClr val="0070C0"/>
-              </a:solidFill>
-              <a:prstDash val="solid"/>
-              <a:tailEnd type="arrow"/>
-            </a:ln>
-            <a:effectLst/>
-          </p:spPr>
-        </p:cxnSp>
         <p:pic>
           <p:nvPicPr>
-            <p:cNvPr id="4" name="Picture 3"/>
+            <p:cNvPr id="46" name="Picture 45">
+              <a:extLst>
+                <a:ext uri="{FF2B5EF4-FFF2-40B4-BE49-F238E27FC236}">
+                  <a16:creationId xmlns:a16="http://schemas.microsoft.com/office/drawing/2014/main" id="{822B1CDF-0B73-44FA-A459-EEF5A68C1BA1}"/>
+                </a:ext>
+              </a:extLst>
+            </p:cNvPr>
             <p:cNvPicPr>
               <a:picLocks noChangeAspect="1"/>
             </p:cNvPicPr>
             <p:nvPr/>
           </p:nvPicPr>
           <p:blipFill>
-            <a:blip r:embed="rId5" cstate="print">
+            <a:blip r:embed="rId15" cstate="print">
               <a:extLst>
                 <a:ext uri="{28A0092B-C50C-407E-A947-70E740481C1C}">
                   <a14:useLocalDpi xmlns:a14="http://schemas.microsoft.com/office/drawing/2010/main" val="0"/>
@@ -3123,1180 +4750,30 @@
           </p:blipFill>
           <p:spPr>
             <a:xfrm>
-              <a:off x="8630493" y="2271526"/>
-              <a:ext cx="1017902" cy="340483"/>
+              <a:off x="10108640" y="3166852"/>
+              <a:ext cx="1559220" cy="617191"/>
             </a:xfrm>
             <a:prstGeom prst="rect">
               <a:avLst/>
             </a:prstGeom>
           </p:spPr>
         </p:pic>
-        <p:sp>
-          <p:nvSpPr>
-            <p:cNvPr id="5" name="Isosceles Triangle 4"/>
-            <p:cNvSpPr/>
-            <p:nvPr/>
-          </p:nvSpPr>
-          <p:spPr bwMode="auto">
-            <a:xfrm rot="906860">
-              <a:off x="8245809" y="3637286"/>
-              <a:ext cx="1002896" cy="462372"/>
-            </a:xfrm>
-            <a:prstGeom prst="triangle">
-              <a:avLst>
-                <a:gd name="adj" fmla="val 57600"/>
-              </a:avLst>
-            </a:prstGeom>
-            <a:solidFill>
-              <a:srgbClr val="E5E6E8"/>
-            </a:solidFill>
-            <a:ln w="9525" cap="flat" cmpd="sng" algn="ctr">
-              <a:noFill/>
-              <a:prstDash val="solid"/>
-              <a:round/>
-              <a:headEnd type="none" w="med" len="med"/>
-              <a:tailEnd type="arrow" w="med" len="med"/>
-            </a:ln>
-            <a:effectLst/>
-          </p:spPr>
-          <p:txBody>
-            <a:bodyPr vert="horz" wrap="square" lIns="90000" tIns="46800" rIns="36000" bIns="46800" numCol="1" rtlCol="0" anchor="t" anchorCtr="0" compatLnSpc="1">
-              <a:prstTxWarp prst="textNoShape">
-                <a:avLst/>
-              </a:prstTxWarp>
-              <a:spAutoFit/>
-            </a:bodyPr>
-            <a:lstStyle/>
-            <a:p>
-              <a:pPr marL="0" marR="0" lvl="0" indent="0" defTabSz="914400" eaLnBrk="0" fontAlgn="base" latinLnBrk="0" hangingPunct="0">
-                <a:lnSpc>
-                  <a:spcPct val="100000"/>
-                </a:lnSpc>
-                <a:spcBef>
-                  <a:spcPct val="50000"/>
-                </a:spcBef>
-                <a:spcAft>
-                  <a:spcPct val="0"/>
-                </a:spcAft>
-                <a:buClrTx/>
-                <a:buSzTx/>
-                <a:buFontTx/>
-                <a:buNone/>
-                <a:tabLst/>
-                <a:defRPr/>
-              </a:pPr>
-              <a:endParaRPr kumimoji="0" lang="en-US" sz="1600" b="0" i="0" u="none" strike="noStrike" kern="0" cap="none" spc="0" normalizeH="0" baseline="0" noProof="0" smtClean="0">
-                <a:ln>
-                  <a:noFill/>
-                </a:ln>
-                <a:solidFill>
-                  <a:srgbClr val="120C80"/>
-                </a:solidFill>
-                <a:effectLst/>
-                <a:uLnTx/>
-                <a:uFillTx/>
-                <a:latin typeface="Arial" charset="0"/>
-                <a:cs typeface="Arial" charset="0"/>
-              </a:endParaRPr>
-            </a:p>
-          </p:txBody>
-        </p:sp>
         <p:pic>
           <p:nvPicPr>
-            <p:cNvPr id="9" name="Picture 2"/>
-            <p:cNvPicPr>
-              <a:picLocks noChangeAspect="1" noChangeArrowheads="1"/>
-            </p:cNvPicPr>
-            <p:nvPr/>
-          </p:nvPicPr>
-          <p:blipFill>
-            <a:blip r:embed="rId6">
+            <p:cNvPr id="47" name="Picture 46">
               <a:extLst>
-                <a:ext uri="{28A0092B-C50C-407E-A947-70E740481C1C}">
-                  <a14:useLocalDpi xmlns:a14="http://schemas.microsoft.com/office/drawing/2010/main" val="0"/>
+                <a:ext uri="{FF2B5EF4-FFF2-40B4-BE49-F238E27FC236}">
+                  <a16:creationId xmlns:a16="http://schemas.microsoft.com/office/drawing/2014/main" id="{752D59D0-FD12-4F7D-86B2-B7F2176E7C7D}"/>
                 </a:ext>
               </a:extLst>
-            </a:blip>
-            <a:srcRect/>
-            <a:stretch>
-              <a:fillRect/>
-            </a:stretch>
-          </p:blipFill>
-          <p:spPr bwMode="auto">
-            <a:xfrm>
-              <a:off x="2235200" y="3087936"/>
-              <a:ext cx="988547" cy="979450"/>
-            </a:xfrm>
-            <a:prstGeom prst="rect">
-              <a:avLst/>
-            </a:prstGeom>
-            <a:noFill/>
-            <a:ln>
-              <a:noFill/>
-            </a:ln>
-            <a:extLst>
-              <a:ext uri="{909E8E84-426E-40DD-AFC4-6F175D3DCCD1}">
-                <a14:hiddenFill xmlns:a14="http://schemas.microsoft.com/office/drawing/2010/main">
-                  <a:solidFill>
-                    <a:schemeClr val="accent1"/>
-                  </a:solidFill>
-                </a14:hiddenFill>
-              </a:ext>
-              <a:ext uri="{91240B29-F687-4F45-9708-019B960494DF}">
-                <a14:hiddenLine xmlns:a14="http://schemas.microsoft.com/office/drawing/2010/main" w="9525">
-                  <a:solidFill>
-                    <a:schemeClr val="tx1"/>
-                  </a:solidFill>
-                  <a:miter lim="800000"/>
-                  <a:headEnd/>
-                  <a:tailEnd/>
-                </a14:hiddenLine>
-              </a:ext>
-            </a:extLst>
-          </p:spPr>
-        </p:pic>
-        <p:sp>
-          <p:nvSpPr>
-            <p:cNvPr id="10" name="TextBox 9"/>
-            <p:cNvSpPr txBox="1"/>
-            <p:nvPr/>
-          </p:nvSpPr>
-          <p:spPr>
-            <a:xfrm>
-              <a:off x="2307723" y="4071682"/>
-              <a:ext cx="843501" cy="461665"/>
-            </a:xfrm>
-            <a:prstGeom prst="rect">
-              <a:avLst/>
-            </a:prstGeom>
-            <a:noFill/>
-          </p:spPr>
-          <p:txBody>
-            <a:bodyPr wrap="none" rtlCol="0">
-              <a:spAutoFit/>
-            </a:bodyPr>
-            <a:lstStyle/>
-            <a:p>
-              <a:pPr algn="ctr" eaLnBrk="0" fontAlgn="base" hangingPunct="0">
-                <a:spcBef>
-                  <a:spcPct val="0"/>
-                </a:spcBef>
-                <a:spcAft>
-                  <a:spcPct val="0"/>
-                </a:spcAft>
-              </a:pPr>
-              <a:r>
-                <a:rPr lang="en-US" sz="1200" b="1" dirty="0" smtClean="0">
-                  <a:solidFill>
-                    <a:srgbClr val="5E676E"/>
-                  </a:solidFill>
-                  <a:latin typeface="Arial" panose="020B0604020202020204" pitchFamily="34" charset="0"/>
-                  <a:cs typeface="Arial" panose="020B0604020202020204" pitchFamily="34" charset="0"/>
-                </a:rPr>
-                <a:t>Modelica</a:t>
-              </a:r>
-            </a:p>
-            <a:p>
-              <a:pPr algn="ctr" eaLnBrk="0" fontAlgn="base" hangingPunct="0">
-                <a:spcBef>
-                  <a:spcPct val="0"/>
-                </a:spcBef>
-                <a:spcAft>
-                  <a:spcPct val="0"/>
-                </a:spcAft>
-              </a:pPr>
-              <a:r>
-                <a:rPr lang="en-US" sz="1200" b="1" dirty="0" smtClean="0">
-                  <a:solidFill>
-                    <a:srgbClr val="5E676E"/>
-                  </a:solidFill>
-                  <a:latin typeface="Arial" panose="020B0604020202020204" pitchFamily="34" charset="0"/>
-                  <a:cs typeface="Arial" panose="020B0604020202020204" pitchFamily="34" charset="0"/>
-                </a:rPr>
-                <a:t>model</a:t>
-              </a:r>
-              <a:endParaRPr lang="en-US" sz="1200" b="1" dirty="0">
-                <a:solidFill>
-                  <a:srgbClr val="5E676E"/>
-                </a:solidFill>
-                <a:latin typeface="Arial" panose="020B0604020202020204" pitchFamily="34" charset="0"/>
-                <a:cs typeface="Arial" panose="020B0604020202020204" pitchFamily="34" charset="0"/>
-              </a:endParaRPr>
-            </a:p>
-          </p:txBody>
-        </p:sp>
-        <p:cxnSp>
-          <p:nvCxnSpPr>
-            <p:cNvPr id="11" name="Gewinkelte Verbindung 26"/>
-            <p:cNvCxnSpPr>
-              <a:stCxn id="76" idx="3"/>
-            </p:cNvCxnSpPr>
-            <p:nvPr/>
-          </p:nvCxnSpPr>
-          <p:spPr>
-            <a:xfrm flipH="1">
-              <a:off x="6192477" y="2822321"/>
-              <a:ext cx="1256409" cy="1146956"/>
-            </a:xfrm>
-            <a:prstGeom prst="bentConnector3">
-              <a:avLst>
-                <a:gd name="adj1" fmla="val -44729"/>
-              </a:avLst>
-            </a:prstGeom>
-            <a:noFill/>
-            <a:ln w="25400" cap="flat" cmpd="sng" algn="ctr">
-              <a:solidFill>
-                <a:srgbClr val="0070C0"/>
-              </a:solidFill>
-              <a:prstDash val="solid"/>
-              <a:tailEnd type="arrow"/>
-            </a:ln>
-            <a:effectLst/>
-          </p:spPr>
-        </p:cxnSp>
-        <p:pic>
-          <p:nvPicPr>
-            <p:cNvPr id="14" name="Picture 13"/>
-            <p:cNvPicPr>
-              <a:picLocks noChangeAspect="1"/>
-            </p:cNvPicPr>
-            <p:nvPr>
-              <p:custDataLst>
-                <p:tags r:id="rId1"/>
-              </p:custDataLst>
-            </p:nvPr>
-          </p:nvPicPr>
-          <p:blipFill rotWithShape="1">
-            <a:blip r:embed="rId7" cstate="print">
-              <a:extLst>
-                <a:ext uri="{28A0092B-C50C-407E-A947-70E740481C1C}">
-                  <a14:useLocalDpi xmlns:a14="http://schemas.microsoft.com/office/drawing/2010/main" val="0"/>
-                </a:ext>
-              </a:extLst>
-            </a:blip>
-            <a:srcRect l="15421" t="19126" r="16602" b="25183"/>
-            <a:stretch/>
-          </p:blipFill>
-          <p:spPr>
-            <a:xfrm>
-              <a:off x="8592744" y="4234529"/>
-              <a:ext cx="1120037" cy="719888"/>
-            </a:xfrm>
-            <a:prstGeom prst="rect">
-              <a:avLst/>
-            </a:prstGeom>
-            <a:ln>
-              <a:solidFill>
-                <a:srgbClr val="00376F">
-                  <a:lumMod val="65000"/>
-                  <a:lumOff val="35000"/>
-                </a:srgbClr>
-              </a:solidFill>
-            </a:ln>
-          </p:spPr>
-        </p:pic>
-        <p:cxnSp>
-          <p:nvCxnSpPr>
-            <p:cNvPr id="21" name="Gewinkelte Verbindung 26"/>
-            <p:cNvCxnSpPr>
-              <a:stCxn id="9" idx="3"/>
-              <a:endCxn id="32" idx="1"/>
-            </p:cNvCxnSpPr>
-            <p:nvPr/>
-          </p:nvCxnSpPr>
-          <p:spPr>
-            <a:xfrm>
-              <a:off x="3223747" y="3577662"/>
-              <a:ext cx="364701" cy="647949"/>
-            </a:xfrm>
-            <a:prstGeom prst="bentConnector3">
-              <a:avLst>
-                <a:gd name="adj1" fmla="val 50000"/>
-              </a:avLst>
-            </a:prstGeom>
-            <a:noFill/>
-            <a:ln w="25400" cap="flat" cmpd="sng" algn="ctr">
-              <a:solidFill>
-                <a:srgbClr val="0070C0"/>
-              </a:solidFill>
-              <a:prstDash val="solid"/>
-              <a:tailEnd type="arrow"/>
-            </a:ln>
-            <a:effectLst/>
-          </p:spPr>
-        </p:cxnSp>
-        <p:cxnSp>
-          <p:nvCxnSpPr>
-            <p:cNvPr id="27" name="Gewinkelte Verbindung 26"/>
-            <p:cNvCxnSpPr>
-              <a:stCxn id="56" idx="4"/>
-              <a:endCxn id="2" idx="1"/>
-            </p:cNvCxnSpPr>
-            <p:nvPr/>
-          </p:nvCxnSpPr>
-          <p:spPr>
-            <a:xfrm>
-              <a:off x="6190196" y="3443492"/>
-              <a:ext cx="408006" cy="206456"/>
-            </a:xfrm>
-            <a:prstGeom prst="bentConnector3">
-              <a:avLst>
-                <a:gd name="adj1" fmla="val 48057"/>
-              </a:avLst>
-            </a:prstGeom>
-            <a:noFill/>
-            <a:ln w="25400" cap="flat" cmpd="sng" algn="ctr">
-              <a:solidFill>
-                <a:srgbClr val="0070C0"/>
-              </a:solidFill>
-              <a:prstDash val="solid"/>
-              <a:tailEnd type="arrow"/>
-            </a:ln>
-            <a:effectLst/>
-          </p:spPr>
-        </p:cxnSp>
-        <p:cxnSp>
-          <p:nvCxnSpPr>
-            <p:cNvPr id="33" name="Gewinkelte Verbindung 26"/>
-            <p:cNvCxnSpPr>
-              <a:stCxn id="9" idx="3"/>
-              <a:endCxn id="18" idx="1"/>
-            </p:cNvCxnSpPr>
-            <p:nvPr/>
-          </p:nvCxnSpPr>
-          <p:spPr>
-            <a:xfrm flipV="1">
-              <a:off x="3223747" y="2775114"/>
-              <a:ext cx="367443" cy="802547"/>
-            </a:xfrm>
-            <a:prstGeom prst="bentConnector3">
-              <a:avLst>
-                <a:gd name="adj1" fmla="val 50000"/>
-              </a:avLst>
-            </a:prstGeom>
-            <a:noFill/>
-            <a:ln w="25400" cap="flat" cmpd="sng" algn="ctr">
-              <a:solidFill>
-                <a:srgbClr val="0070C0"/>
-              </a:solidFill>
-              <a:prstDash val="solid"/>
-              <a:tailEnd type="arrow"/>
-            </a:ln>
-            <a:effectLst/>
-          </p:spPr>
-        </p:cxnSp>
-        <p:cxnSp>
-          <p:nvCxnSpPr>
-            <p:cNvPr id="40" name="Gewinkelte Verbindung 26"/>
-            <p:cNvCxnSpPr>
-              <a:stCxn id="56" idx="4"/>
-              <a:endCxn id="76" idx="1"/>
-            </p:cNvCxnSpPr>
-            <p:nvPr/>
-          </p:nvCxnSpPr>
-          <p:spPr>
-            <a:xfrm flipV="1">
-              <a:off x="6190196" y="2822321"/>
-              <a:ext cx="741429" cy="621172"/>
-            </a:xfrm>
-            <a:prstGeom prst="bentConnector3">
-              <a:avLst>
-                <a:gd name="adj1" fmla="val 26474"/>
-              </a:avLst>
-            </a:prstGeom>
-            <a:noFill/>
-            <a:ln w="25400" cap="flat" cmpd="sng" algn="ctr">
-              <a:solidFill>
-                <a:srgbClr val="0070C0"/>
-              </a:solidFill>
-              <a:prstDash val="solid"/>
-              <a:tailEnd type="arrow"/>
-            </a:ln>
-            <a:effectLst/>
-          </p:spPr>
-        </p:cxnSp>
-        <p:cxnSp>
-          <p:nvCxnSpPr>
-            <p:cNvPr id="41" name="Gewinkelte Verbindung 26"/>
-            <p:cNvCxnSpPr>
-              <a:stCxn id="2" idx="3"/>
-            </p:cNvCxnSpPr>
-            <p:nvPr/>
-          </p:nvCxnSpPr>
-          <p:spPr>
-            <a:xfrm flipH="1">
-              <a:off x="6192478" y="3649949"/>
-              <a:ext cx="1592046" cy="321646"/>
-            </a:xfrm>
-            <a:prstGeom prst="bentConnector3">
-              <a:avLst>
-                <a:gd name="adj1" fmla="val -14359"/>
-              </a:avLst>
-            </a:prstGeom>
-            <a:noFill/>
-            <a:ln w="25400" cap="flat" cmpd="sng" algn="ctr">
-              <a:solidFill>
-                <a:srgbClr val="0070C0"/>
-              </a:solidFill>
-              <a:prstDash val="solid"/>
-              <a:tailEnd type="arrow"/>
-            </a:ln>
-            <a:effectLst/>
-          </p:spPr>
-        </p:cxnSp>
-        <p:sp>
-          <p:nvSpPr>
-            <p:cNvPr id="44" name="TextBox 43"/>
-            <p:cNvSpPr txBox="1"/>
-            <p:nvPr/>
-          </p:nvSpPr>
-          <p:spPr>
-            <a:xfrm>
-              <a:off x="9078350" y="3177523"/>
-              <a:ext cx="1145489" cy="646331"/>
-            </a:xfrm>
-            <a:prstGeom prst="rect">
-              <a:avLst/>
-            </a:prstGeom>
-            <a:noFill/>
-          </p:spPr>
-          <p:txBody>
-            <a:bodyPr wrap="square" rtlCol="0">
-              <a:spAutoFit/>
-            </a:bodyPr>
-            <a:lstStyle/>
-            <a:p>
-              <a:pPr algn="ctr" eaLnBrk="0" fontAlgn="base" hangingPunct="0">
-                <a:spcBef>
-                  <a:spcPct val="0"/>
-                </a:spcBef>
-                <a:spcAft>
-                  <a:spcPct val="0"/>
-                </a:spcAft>
-              </a:pPr>
-              <a:r>
-                <a:rPr lang="sv-SE" sz="1200" b="1" dirty="0" err="1">
-                  <a:solidFill>
-                    <a:srgbClr val="00B050"/>
-                  </a:solidFill>
-                  <a:latin typeface="Arial" charset="0"/>
-                  <a:cs typeface="Arial" charset="0"/>
-                </a:rPr>
-                <a:t>t</a:t>
-              </a:r>
-              <a:r>
-                <a:rPr lang="sv-SE" sz="1200" b="1" dirty="0" err="1" smtClean="0">
-                  <a:solidFill>
-                    <a:srgbClr val="00B050"/>
-                  </a:solidFill>
-                  <a:latin typeface="Arial" charset="0"/>
-                  <a:cs typeface="Arial" charset="0"/>
-                </a:rPr>
-                <a:t>esting</a:t>
-              </a:r>
-              <a:r>
-                <a:rPr lang="sv-SE" sz="1200" b="1" dirty="0" smtClean="0">
-                  <a:solidFill>
-                    <a:srgbClr val="00B050"/>
-                  </a:solidFill>
-                  <a:latin typeface="Arial" charset="0"/>
-                  <a:cs typeface="Arial" charset="0"/>
-                </a:rPr>
-                <a:t> &amp;</a:t>
-              </a:r>
-            </a:p>
-            <a:p>
-              <a:pPr algn="ctr" eaLnBrk="0" fontAlgn="base" hangingPunct="0">
-                <a:spcBef>
-                  <a:spcPct val="0"/>
-                </a:spcBef>
-                <a:spcAft>
-                  <a:spcPct val="0"/>
-                </a:spcAft>
-              </a:pPr>
-              <a:r>
-                <a:rPr lang="sv-SE" sz="1200" b="1" dirty="0">
-                  <a:solidFill>
-                    <a:srgbClr val="00B050"/>
-                  </a:solidFill>
-                  <a:latin typeface="Arial" charset="0"/>
-                  <a:cs typeface="Arial" charset="0"/>
-                </a:rPr>
-                <a:t>s</a:t>
-              </a:r>
-              <a:r>
-                <a:rPr lang="sv-SE" sz="1200" b="1" dirty="0" smtClean="0">
-                  <a:solidFill>
-                    <a:srgbClr val="00B050"/>
-                  </a:solidFill>
-                  <a:latin typeface="Arial" charset="0"/>
-                  <a:cs typeface="Arial" charset="0"/>
-                </a:rPr>
-                <a:t>ystem </a:t>
-              </a:r>
-              <a:r>
-                <a:rPr lang="sv-SE" sz="1200" b="1" dirty="0">
-                  <a:solidFill>
-                    <a:srgbClr val="00B050"/>
-                  </a:solidFill>
-                  <a:latin typeface="Arial" charset="0"/>
-                  <a:cs typeface="Arial" charset="0"/>
-                </a:rPr>
-                <a:t>integration</a:t>
-              </a:r>
-              <a:endParaRPr lang="en-US" sz="1200" b="1" dirty="0">
-                <a:solidFill>
-                  <a:srgbClr val="00B050"/>
-                </a:solidFill>
-                <a:latin typeface="Arial" charset="0"/>
-                <a:cs typeface="Arial" charset="0"/>
-              </a:endParaRPr>
-            </a:p>
-          </p:txBody>
-        </p:sp>
-        <p:cxnSp>
-          <p:nvCxnSpPr>
-            <p:cNvPr id="48" name="Gewinkelte Verbindung 26"/>
-            <p:cNvCxnSpPr>
-              <a:stCxn id="32" idx="3"/>
-              <a:endCxn id="57" idx="2"/>
-            </p:cNvCxnSpPr>
-            <p:nvPr/>
-          </p:nvCxnSpPr>
-          <p:spPr>
-            <a:xfrm flipV="1">
-              <a:off x="4226213" y="2775718"/>
-              <a:ext cx="555557" cy="1449893"/>
-            </a:xfrm>
-            <a:prstGeom prst="bentConnector3">
-              <a:avLst>
-                <a:gd name="adj1" fmla="val 50000"/>
-              </a:avLst>
-            </a:prstGeom>
-            <a:noFill/>
-            <a:ln w="25400" cap="flat" cmpd="sng" algn="ctr">
-              <a:solidFill>
-                <a:srgbClr val="0070C0"/>
-              </a:solidFill>
-              <a:prstDash val="solid"/>
-              <a:tailEnd type="arrow"/>
-            </a:ln>
-            <a:effectLst/>
-          </p:spPr>
-        </p:cxnSp>
-        <p:sp>
-          <p:nvSpPr>
-            <p:cNvPr id="53" name="Flowchart: Magnetic Disk 52"/>
-            <p:cNvSpPr/>
-            <p:nvPr/>
-          </p:nvSpPr>
-          <p:spPr>
-            <a:xfrm>
-              <a:off x="4780108" y="4299923"/>
-              <a:ext cx="1408426" cy="869069"/>
-            </a:xfrm>
-            <a:prstGeom prst="flowChartMagneticDisk">
-              <a:avLst/>
-            </a:prstGeom>
-            <a:solidFill>
-              <a:srgbClr val="0070C0"/>
-            </a:solidFill>
-            <a:ln w="19050" cap="flat" cmpd="sng" algn="ctr">
-              <a:solidFill>
-                <a:srgbClr val="000000"/>
-              </a:solidFill>
-              <a:prstDash val="solid"/>
-            </a:ln>
-            <a:effectLst/>
-          </p:spPr>
-          <p:txBody>
-            <a:bodyPr wrap="none" lIns="36000" rIns="36000" bIns="0" rtlCol="0" anchor="b" anchorCtr="1"/>
-            <a:lstStyle/>
-            <a:p>
-              <a:pPr marL="0" marR="0" lvl="0" indent="0" algn="ctr" defTabSz="914400" eaLnBrk="0" fontAlgn="base" latinLnBrk="0" hangingPunct="0">
-                <a:lnSpc>
-                  <a:spcPct val="100000"/>
-                </a:lnSpc>
-                <a:spcBef>
-                  <a:spcPct val="0"/>
-                </a:spcBef>
-                <a:spcAft>
-                  <a:spcPct val="0"/>
-                </a:spcAft>
-                <a:buClrTx/>
-                <a:buSzTx/>
-                <a:buFontTx/>
-                <a:buNone/>
-                <a:tabLst/>
-                <a:defRPr/>
-              </a:pPr>
-              <a:r>
-                <a:rPr kumimoji="0" lang="en-US" sz="1300" b="1" i="0" u="none" strike="noStrike" kern="0" cap="none" spc="0" normalizeH="0" baseline="0" noProof="0" dirty="0" smtClean="0">
-                  <a:ln>
-                    <a:noFill/>
-                  </a:ln>
-                  <a:solidFill>
-                    <a:srgbClr val="FFFFFF"/>
-                  </a:solidFill>
-                  <a:effectLst/>
-                  <a:uLnTx/>
-                  <a:uFillTx/>
-                  <a:latin typeface="Arial"/>
-                  <a:ea typeface="+mn-ea"/>
-                  <a:cs typeface="+mn-cs"/>
-                </a:rPr>
-                <a:t>Binary </a:t>
-              </a:r>
-              <a:br>
-                <a:rPr kumimoji="0" lang="en-US" sz="1300" b="1" i="0" u="none" strike="noStrike" kern="0" cap="none" spc="0" normalizeH="0" baseline="0" noProof="0" dirty="0" smtClean="0">
-                  <a:ln>
-                    <a:noFill/>
-                  </a:ln>
-                  <a:solidFill>
-                    <a:srgbClr val="FFFFFF"/>
-                  </a:solidFill>
-                  <a:effectLst/>
-                  <a:uLnTx/>
-                  <a:uFillTx/>
-                  <a:latin typeface="Arial"/>
-                  <a:ea typeface="+mn-ea"/>
-                  <a:cs typeface="+mn-cs"/>
-                </a:rPr>
-              </a:br>
-              <a:r>
-                <a:rPr kumimoji="0" lang="en-US" sz="1300" b="1" i="0" u="none" strike="noStrike" kern="0" cap="none" spc="0" normalizeH="0" baseline="0" noProof="0" dirty="0" smtClean="0">
-                  <a:ln>
-                    <a:noFill/>
-                  </a:ln>
-                  <a:solidFill>
-                    <a:srgbClr val="FFFFFF"/>
-                  </a:solidFill>
-                  <a:effectLst/>
-                  <a:uLnTx/>
-                  <a:uFillTx/>
-                  <a:latin typeface="Arial"/>
-                  <a:ea typeface="+mn-ea"/>
-                  <a:cs typeface="+mn-cs"/>
-                </a:rPr>
-                <a:t>Code*</a:t>
-              </a:r>
-              <a:endParaRPr kumimoji="0" lang="en-US" sz="1300" b="1" i="0" u="none" strike="noStrike" kern="0" cap="none" spc="0" normalizeH="0" baseline="0" noProof="0" dirty="0">
-                <a:ln>
-                  <a:noFill/>
-                </a:ln>
-                <a:solidFill>
-                  <a:srgbClr val="FFFFFF"/>
-                </a:solidFill>
-                <a:effectLst/>
-                <a:uLnTx/>
-                <a:uFillTx/>
-                <a:latin typeface="Arial"/>
-                <a:ea typeface="+mn-ea"/>
-                <a:cs typeface="+mn-cs"/>
-              </a:endParaRPr>
-            </a:p>
-          </p:txBody>
-        </p:sp>
-        <p:sp>
-          <p:nvSpPr>
-            <p:cNvPr id="54" name="Flowchart: Magnetic Disk 53"/>
-            <p:cNvSpPr/>
-            <p:nvPr/>
-          </p:nvSpPr>
-          <p:spPr>
-            <a:xfrm>
-              <a:off x="4779488" y="3657014"/>
-              <a:ext cx="1408426" cy="869069"/>
-            </a:xfrm>
-            <a:prstGeom prst="flowChartMagneticDisk">
-              <a:avLst/>
-            </a:prstGeom>
-            <a:solidFill>
-              <a:srgbClr val="0070C0"/>
-            </a:solidFill>
-            <a:ln w="19050" cap="flat" cmpd="sng" algn="ctr">
-              <a:solidFill>
-                <a:srgbClr val="000000"/>
-              </a:solidFill>
-              <a:prstDash val="solid"/>
-            </a:ln>
-            <a:effectLst/>
-          </p:spPr>
-          <p:txBody>
-            <a:bodyPr wrap="none" lIns="36000" rIns="36000" bIns="0" rtlCol="0" anchor="b" anchorCtr="1"/>
-            <a:lstStyle/>
-            <a:p>
-              <a:pPr marL="0" marR="0" lvl="0" indent="0" algn="ctr" defTabSz="914400" eaLnBrk="0" fontAlgn="base" latinLnBrk="0" hangingPunct="0">
-                <a:lnSpc>
-                  <a:spcPct val="100000"/>
-                </a:lnSpc>
-                <a:spcBef>
-                  <a:spcPct val="0"/>
-                </a:spcBef>
-                <a:spcAft>
-                  <a:spcPct val="0"/>
-                </a:spcAft>
-                <a:buClrTx/>
-                <a:buSzTx/>
-                <a:buFontTx/>
-                <a:buNone/>
-                <a:tabLst/>
-                <a:defRPr/>
-              </a:pPr>
-              <a:r>
-                <a:rPr kumimoji="0" lang="en-US" sz="1300" b="1" i="0" u="none" strike="noStrike" kern="0" cap="none" spc="0" normalizeH="0" baseline="0" noProof="0" dirty="0" smtClean="0">
-                  <a:ln>
-                    <a:noFill/>
-                  </a:ln>
-                  <a:solidFill>
-                    <a:srgbClr val="FFFFFF"/>
-                  </a:solidFill>
-                  <a:effectLst/>
-                  <a:uLnTx/>
-                  <a:uFillTx/>
-                  <a:latin typeface="Arial"/>
-                  <a:ea typeface="+mn-ea"/>
-                  <a:cs typeface="+mn-cs"/>
-                </a:rPr>
-                <a:t>Production </a:t>
-              </a:r>
-              <a:br>
-                <a:rPr kumimoji="0" lang="en-US" sz="1300" b="1" i="0" u="none" strike="noStrike" kern="0" cap="none" spc="0" normalizeH="0" baseline="0" noProof="0" dirty="0" smtClean="0">
-                  <a:ln>
-                    <a:noFill/>
-                  </a:ln>
-                  <a:solidFill>
-                    <a:srgbClr val="FFFFFF"/>
-                  </a:solidFill>
-                  <a:effectLst/>
-                  <a:uLnTx/>
-                  <a:uFillTx/>
-                  <a:latin typeface="Arial"/>
-                  <a:ea typeface="+mn-ea"/>
-                  <a:cs typeface="+mn-cs"/>
-                </a:rPr>
-              </a:br>
-              <a:r>
-                <a:rPr kumimoji="0" lang="en-US" sz="1300" b="1" i="0" u="none" strike="noStrike" kern="0" cap="none" spc="0" normalizeH="0" baseline="0" noProof="0" dirty="0" smtClean="0">
-                  <a:ln>
-                    <a:noFill/>
-                  </a:ln>
-                  <a:solidFill>
-                    <a:srgbClr val="FFFFFF"/>
-                  </a:solidFill>
-                  <a:effectLst/>
-                  <a:uLnTx/>
-                  <a:uFillTx/>
-                  <a:latin typeface="Arial"/>
-                  <a:ea typeface="+mn-ea"/>
-                  <a:cs typeface="+mn-cs"/>
-                </a:rPr>
-                <a:t>Code*</a:t>
-              </a:r>
-              <a:endParaRPr kumimoji="0" lang="en-US" sz="1300" b="1" i="0" u="none" strike="noStrike" kern="0" cap="none" spc="0" normalizeH="0" baseline="0" noProof="0" dirty="0">
-                <a:ln>
-                  <a:noFill/>
-                </a:ln>
-                <a:solidFill>
-                  <a:srgbClr val="FFFFFF"/>
-                </a:solidFill>
-                <a:effectLst/>
-                <a:uLnTx/>
-                <a:uFillTx/>
-                <a:latin typeface="Arial"/>
-                <a:ea typeface="+mn-ea"/>
-                <a:cs typeface="+mn-cs"/>
-              </a:endParaRPr>
-            </a:p>
-          </p:txBody>
-        </p:sp>
-        <p:sp>
-          <p:nvSpPr>
-            <p:cNvPr id="56" name="Flowchart: Magnetic Disk 55"/>
-            <p:cNvSpPr/>
-            <p:nvPr/>
-          </p:nvSpPr>
-          <p:spPr>
-            <a:xfrm>
-              <a:off x="4781770" y="3008958"/>
-              <a:ext cx="1408426" cy="869069"/>
-            </a:xfrm>
-            <a:prstGeom prst="flowChartMagneticDisk">
-              <a:avLst/>
-            </a:prstGeom>
-            <a:solidFill>
-              <a:srgbClr val="0070C0"/>
-            </a:solidFill>
-            <a:ln w="19050" cap="flat" cmpd="sng" algn="ctr">
-              <a:solidFill>
-                <a:srgbClr val="000000"/>
-              </a:solidFill>
-              <a:prstDash val="solid"/>
-            </a:ln>
-            <a:effectLst/>
-          </p:spPr>
-          <p:txBody>
-            <a:bodyPr wrap="none" lIns="36000" rIns="36000" bIns="0" rtlCol="0" anchor="b" anchorCtr="1"/>
-            <a:lstStyle/>
-            <a:p>
-              <a:pPr marL="0" marR="0" lvl="0" indent="0" algn="ctr" defTabSz="914400" eaLnBrk="0" fontAlgn="base" latinLnBrk="0" hangingPunct="0">
-                <a:lnSpc>
-                  <a:spcPct val="100000"/>
-                </a:lnSpc>
-                <a:spcBef>
-                  <a:spcPct val="0"/>
-                </a:spcBef>
-                <a:spcAft>
-                  <a:spcPct val="0"/>
-                </a:spcAft>
-                <a:buClrTx/>
-                <a:buSzTx/>
-                <a:buFontTx/>
-                <a:buNone/>
-                <a:tabLst/>
-                <a:defRPr/>
-              </a:pPr>
-              <a:r>
-                <a:rPr kumimoji="0" lang="en-US" sz="1300" b="1" i="0" u="none" strike="noStrike" kern="0" cap="none" spc="0" normalizeH="0" baseline="0" noProof="0" dirty="0" smtClean="0">
-                  <a:ln>
-                    <a:noFill/>
-                  </a:ln>
-                  <a:solidFill>
-                    <a:srgbClr val="FFFFFF"/>
-                  </a:solidFill>
-                  <a:effectLst/>
-                  <a:uLnTx/>
-                  <a:uFillTx/>
-                  <a:latin typeface="Arial"/>
-                  <a:ea typeface="+mn-ea"/>
-                  <a:cs typeface="+mn-cs"/>
-                </a:rPr>
-                <a:t>Algorithm</a:t>
-              </a:r>
-              <a:br>
-                <a:rPr kumimoji="0" lang="en-US" sz="1300" b="1" i="0" u="none" strike="noStrike" kern="0" cap="none" spc="0" normalizeH="0" baseline="0" noProof="0" dirty="0" smtClean="0">
-                  <a:ln>
-                    <a:noFill/>
-                  </a:ln>
-                  <a:solidFill>
-                    <a:srgbClr val="FFFFFF"/>
-                  </a:solidFill>
-                  <a:effectLst/>
-                  <a:uLnTx/>
-                  <a:uFillTx/>
-                  <a:latin typeface="Arial"/>
-                  <a:ea typeface="+mn-ea"/>
-                  <a:cs typeface="+mn-cs"/>
-                </a:rPr>
-              </a:br>
-              <a:r>
-                <a:rPr kumimoji="0" lang="en-US" sz="1300" b="1" i="0" u="none" strike="noStrike" kern="0" cap="none" spc="0" normalizeH="0" baseline="0" noProof="0" dirty="0" smtClean="0">
-                  <a:ln>
-                    <a:noFill/>
-                  </a:ln>
-                  <a:solidFill>
-                    <a:srgbClr val="FFFFFF"/>
-                  </a:solidFill>
-                  <a:effectLst/>
-                  <a:uLnTx/>
-                  <a:uFillTx/>
-                  <a:latin typeface="Arial"/>
-                  <a:ea typeface="+mn-ea"/>
-                  <a:cs typeface="+mn-cs"/>
-                </a:rPr>
-                <a:t>Code</a:t>
-              </a:r>
-              <a:endParaRPr kumimoji="0" lang="en-US" sz="1300" b="1" i="0" u="none" strike="noStrike" kern="0" cap="none" spc="0" normalizeH="0" baseline="0" noProof="0" dirty="0">
-                <a:ln>
-                  <a:noFill/>
-                </a:ln>
-                <a:solidFill>
-                  <a:srgbClr val="FFFFFF"/>
-                </a:solidFill>
-                <a:effectLst/>
-                <a:uLnTx/>
-                <a:uFillTx/>
-                <a:latin typeface="Arial"/>
-                <a:ea typeface="+mn-ea"/>
-                <a:cs typeface="+mn-cs"/>
-              </a:endParaRPr>
-            </a:p>
-          </p:txBody>
-        </p:sp>
-        <p:sp>
-          <p:nvSpPr>
-            <p:cNvPr id="57" name="Flowchart: Magnetic Disk 56"/>
-            <p:cNvSpPr/>
-            <p:nvPr/>
-          </p:nvSpPr>
-          <p:spPr>
-            <a:xfrm>
-              <a:off x="4781770" y="2316519"/>
-              <a:ext cx="1408426" cy="918396"/>
-            </a:xfrm>
-            <a:prstGeom prst="flowChartMagneticDisk">
-              <a:avLst/>
-            </a:prstGeom>
-            <a:solidFill>
-              <a:srgbClr val="0070C0"/>
-            </a:solidFill>
-            <a:ln w="19050" cap="flat" cmpd="sng" algn="ctr">
-              <a:solidFill>
-                <a:srgbClr val="000000"/>
-              </a:solidFill>
-              <a:prstDash val="solid"/>
-            </a:ln>
-            <a:effectLst/>
-          </p:spPr>
-          <p:txBody>
-            <a:bodyPr wrap="none" lIns="36000" rIns="36000" bIns="0" rtlCol="0" anchor="b" anchorCtr="1"/>
-            <a:lstStyle/>
-            <a:p>
-              <a:pPr marL="0" marR="0" lvl="0" indent="0" algn="ctr" defTabSz="914400" eaLnBrk="0" fontAlgn="base" latinLnBrk="0" hangingPunct="0">
-                <a:lnSpc>
-                  <a:spcPct val="100000"/>
-                </a:lnSpc>
-                <a:spcBef>
-                  <a:spcPct val="0"/>
-                </a:spcBef>
-                <a:spcAft>
-                  <a:spcPct val="0"/>
-                </a:spcAft>
-                <a:buClrTx/>
-                <a:buSzTx/>
-                <a:buFontTx/>
-                <a:buNone/>
-                <a:tabLst/>
-                <a:defRPr/>
-              </a:pPr>
-              <a:r>
-                <a:rPr kumimoji="0" lang="en-US" sz="1300" b="1" i="0" u="none" strike="noStrike" kern="0" cap="none" spc="0" normalizeH="0" baseline="0" noProof="0" dirty="0" smtClean="0">
-                  <a:ln>
-                    <a:noFill/>
-                  </a:ln>
-                  <a:solidFill>
-                    <a:srgbClr val="FFFFFF"/>
-                  </a:solidFill>
-                  <a:effectLst/>
-                  <a:uLnTx/>
-                  <a:uFillTx/>
-                  <a:latin typeface="Arial"/>
-                  <a:ea typeface="+mn-ea"/>
-                  <a:cs typeface="+mn-cs"/>
-                </a:rPr>
-                <a:t>Behavioral </a:t>
-              </a:r>
-              <a:br>
-                <a:rPr kumimoji="0" lang="en-US" sz="1300" b="1" i="0" u="none" strike="noStrike" kern="0" cap="none" spc="0" normalizeH="0" baseline="0" noProof="0" dirty="0" smtClean="0">
-                  <a:ln>
-                    <a:noFill/>
-                  </a:ln>
-                  <a:solidFill>
-                    <a:srgbClr val="FFFFFF"/>
-                  </a:solidFill>
-                  <a:effectLst/>
-                  <a:uLnTx/>
-                  <a:uFillTx/>
-                  <a:latin typeface="Arial"/>
-                  <a:ea typeface="+mn-ea"/>
-                  <a:cs typeface="+mn-cs"/>
-                </a:rPr>
-              </a:br>
-              <a:r>
-                <a:rPr kumimoji="0" lang="en-US" sz="1300" b="1" i="0" u="none" strike="noStrike" kern="0" cap="none" spc="0" normalizeH="0" baseline="0" noProof="0" dirty="0" smtClean="0">
-                  <a:ln>
-                    <a:noFill/>
-                  </a:ln>
-                  <a:solidFill>
-                    <a:srgbClr val="FFFFFF"/>
-                  </a:solidFill>
-                  <a:effectLst/>
-                  <a:uLnTx/>
-                  <a:uFillTx/>
-                  <a:latin typeface="Arial"/>
-                  <a:ea typeface="+mn-ea"/>
-                  <a:cs typeface="+mn-cs"/>
-                </a:rPr>
-                <a:t>Model*</a:t>
-              </a:r>
-              <a:endParaRPr kumimoji="0" lang="en-US" sz="1300" b="1" i="0" u="none" strike="noStrike" kern="0" cap="none" spc="0" normalizeH="0" baseline="0" noProof="0" dirty="0">
-                <a:ln>
-                  <a:noFill/>
-                </a:ln>
-                <a:solidFill>
-                  <a:srgbClr val="FFFFFF"/>
-                </a:solidFill>
-                <a:effectLst/>
-                <a:uLnTx/>
-                <a:uFillTx/>
-                <a:latin typeface="Arial"/>
-                <a:ea typeface="+mn-ea"/>
-                <a:cs typeface="+mn-cs"/>
-              </a:endParaRPr>
-            </a:p>
-          </p:txBody>
-        </p:sp>
-        <p:sp>
-          <p:nvSpPr>
-            <p:cNvPr id="58" name="Flowchart: Magnetic Disk 57"/>
-            <p:cNvSpPr/>
-            <p:nvPr/>
-          </p:nvSpPr>
-          <p:spPr>
-            <a:xfrm>
-              <a:off x="4781770" y="2051436"/>
-              <a:ext cx="1408426" cy="509431"/>
-            </a:xfrm>
-            <a:prstGeom prst="flowChartMagneticDisk">
-              <a:avLst/>
-            </a:prstGeom>
-            <a:solidFill>
-              <a:srgbClr val="0070C0"/>
-            </a:solidFill>
-            <a:ln w="19050" cap="flat" cmpd="sng" algn="ctr">
-              <a:solidFill>
-                <a:srgbClr val="000000"/>
-              </a:solidFill>
-              <a:prstDash val="solid"/>
-            </a:ln>
-            <a:effectLst/>
-          </p:spPr>
-          <p:txBody>
-            <a:bodyPr wrap="none" rtlCol="0" anchor="ctr"/>
-            <a:lstStyle/>
-            <a:p>
-              <a:pPr marL="0" marR="0" lvl="0" indent="0" algn="ctr" defTabSz="914400" eaLnBrk="0" fontAlgn="base" latinLnBrk="0" hangingPunct="0">
-                <a:lnSpc>
-                  <a:spcPct val="100000"/>
-                </a:lnSpc>
-                <a:spcBef>
-                  <a:spcPct val="0"/>
-                </a:spcBef>
-                <a:spcAft>
-                  <a:spcPct val="0"/>
-                </a:spcAft>
-                <a:buClrTx/>
-                <a:buSzTx/>
-                <a:buFontTx/>
-                <a:buNone/>
-                <a:tabLst/>
-                <a:defRPr/>
-              </a:pPr>
-              <a:r>
-                <a:rPr kumimoji="0" lang="en-US" sz="1300" b="1" i="0" u="none" strike="noStrike" kern="0" cap="none" spc="0" normalizeH="0" baseline="0" noProof="0" dirty="0">
-                  <a:ln>
-                    <a:noFill/>
-                  </a:ln>
-                  <a:solidFill>
-                    <a:srgbClr val="FFFFFF"/>
-                  </a:solidFill>
-                  <a:effectLst/>
-                  <a:uLnTx/>
-                  <a:uFillTx/>
-                  <a:latin typeface="Arial"/>
-                  <a:ea typeface="+mn-ea"/>
-                  <a:cs typeface="+mn-cs"/>
-                </a:rPr>
-                <a:t>eFMU Manifest</a:t>
-              </a:r>
-            </a:p>
-          </p:txBody>
-        </p:sp>
-        <p:cxnSp>
-          <p:nvCxnSpPr>
-            <p:cNvPr id="59" name="Gewinkelte Verbindung 26"/>
-            <p:cNvCxnSpPr>
-              <a:endCxn id="14" idx="1"/>
-            </p:cNvCxnSpPr>
-            <p:nvPr/>
-          </p:nvCxnSpPr>
-          <p:spPr>
-            <a:xfrm flipV="1">
-              <a:off x="6187914" y="4594473"/>
-              <a:ext cx="2404830" cy="415034"/>
-            </a:xfrm>
-            <a:prstGeom prst="bentConnector3">
-              <a:avLst>
-                <a:gd name="adj1" fmla="val 81651"/>
-              </a:avLst>
-            </a:prstGeom>
-            <a:noFill/>
-            <a:ln w="25400" cap="flat" cmpd="sng" algn="ctr">
-              <a:solidFill>
-                <a:srgbClr val="00B050"/>
-              </a:solidFill>
-              <a:prstDash val="solid"/>
-              <a:tailEnd type="arrow"/>
-            </a:ln>
-            <a:effectLst/>
-          </p:spPr>
-        </p:cxnSp>
-        <p:cxnSp>
-          <p:nvCxnSpPr>
-            <p:cNvPr id="60" name="Gewinkelte Verbindung 26"/>
-            <p:cNvCxnSpPr>
-              <a:endCxn id="4" idx="1"/>
-            </p:cNvCxnSpPr>
-            <p:nvPr/>
-          </p:nvCxnSpPr>
-          <p:spPr>
-            <a:xfrm flipV="1">
-              <a:off x="6185834" y="2441768"/>
-              <a:ext cx="2444659" cy="180277"/>
-            </a:xfrm>
-            <a:prstGeom prst="bentConnector3">
-              <a:avLst>
-                <a:gd name="adj1" fmla="val 9430"/>
-              </a:avLst>
-            </a:prstGeom>
-            <a:noFill/>
-            <a:ln w="25400" cap="flat" cmpd="sng" algn="ctr">
-              <a:solidFill>
-                <a:srgbClr val="00B050"/>
-              </a:solidFill>
-              <a:prstDash val="solid"/>
-              <a:tailEnd type="arrow"/>
-            </a:ln>
-            <a:effectLst/>
-          </p:spPr>
-        </p:cxnSp>
-        <p:cxnSp>
-          <p:nvCxnSpPr>
-            <p:cNvPr id="62" name="Gewinkelte Verbindung 26"/>
-            <p:cNvCxnSpPr>
-              <a:endCxn id="14" idx="1"/>
-            </p:cNvCxnSpPr>
-            <p:nvPr/>
-          </p:nvCxnSpPr>
-          <p:spPr>
-            <a:xfrm rot="16200000" flipH="1">
-              <a:off x="7304810" y="3306540"/>
-              <a:ext cx="2132460" cy="443408"/>
-            </a:xfrm>
-            <a:prstGeom prst="bentConnector2">
-              <a:avLst/>
-            </a:prstGeom>
-            <a:noFill/>
-            <a:ln w="25400" cap="flat" cmpd="sng" algn="ctr">
-              <a:solidFill>
-                <a:srgbClr val="00B050"/>
-              </a:solidFill>
-              <a:prstDash val="solid"/>
-              <a:tailEnd type="arrow"/>
-            </a:ln>
-            <a:effectLst/>
-          </p:spPr>
-        </p:cxnSp>
-        <p:pic>
-          <p:nvPicPr>
-            <p:cNvPr id="2" name="Picture 1"/>
+            </p:cNvPr>
             <p:cNvPicPr>
               <a:picLocks noChangeAspect="1"/>
             </p:cNvPicPr>
             <p:nvPr/>
           </p:nvPicPr>
           <p:blipFill>
-            <a:blip r:embed="rId8" cstate="print">
+            <a:blip r:embed="rId16" cstate="print">
               <a:extLst>
                 <a:ext uri="{28A0092B-C50C-407E-A947-70E740481C1C}">
                   <a14:useLocalDpi xmlns:a14="http://schemas.microsoft.com/office/drawing/2010/main" val="0"/>
@@ -4309,603 +4786,695 @@
           </p:blipFill>
           <p:spPr>
             <a:xfrm>
-              <a:off x="6598201" y="3436051"/>
-              <a:ext cx="1186323" cy="427795"/>
+              <a:off x="9739710" y="3223044"/>
+              <a:ext cx="455568" cy="455569"/>
             </a:xfrm>
             <a:prstGeom prst="rect">
               <a:avLst/>
             </a:prstGeom>
           </p:spPr>
         </p:pic>
-        <p:pic>
-          <p:nvPicPr>
-            <p:cNvPr id="76" name="Picture 75"/>
-            <p:cNvPicPr>
-              <a:picLocks noChangeAspect="1"/>
-            </p:cNvPicPr>
-            <p:nvPr/>
-          </p:nvPicPr>
-          <p:blipFill>
-            <a:blip r:embed="rId9" cstate="print">
-              <a:extLst>
-                <a:ext uri="{28A0092B-C50C-407E-A947-70E740481C1C}">
-                  <a14:useLocalDpi xmlns:a14="http://schemas.microsoft.com/office/drawing/2010/main" val="0"/>
-                </a:ext>
-              </a:extLst>
-            </a:blip>
-            <a:stretch>
-              <a:fillRect/>
-            </a:stretch>
-          </p:blipFill>
-          <p:spPr>
-            <a:xfrm>
-              <a:off x="6931624" y="2563690"/>
-              <a:ext cx="517262" cy="517262"/>
-            </a:xfrm>
-            <a:prstGeom prst="rect">
-              <a:avLst/>
-            </a:prstGeom>
-          </p:spPr>
-        </p:pic>
-        <p:sp>
-          <p:nvSpPr>
-            <p:cNvPr id="77" name="TextBox 76"/>
-            <p:cNvSpPr txBox="1"/>
-            <p:nvPr>
-              <p:custDataLst>
-                <p:tags r:id="rId2"/>
-              </p:custDataLst>
-            </p:nvPr>
-          </p:nvSpPr>
-          <p:spPr>
-            <a:xfrm>
-              <a:off x="6431023" y="3057491"/>
-              <a:ext cx="1506823" cy="369332"/>
-            </a:xfrm>
-            <a:prstGeom prst="rect">
-              <a:avLst/>
-            </a:prstGeom>
+      </p:grpSp>
+      <p:pic>
+        <p:nvPicPr>
+          <p:cNvPr id="50" name="Picture 49">
+            <a:extLst>
+              <a:ext uri="{FF2B5EF4-FFF2-40B4-BE49-F238E27FC236}">
+                <a16:creationId xmlns:a16="http://schemas.microsoft.com/office/drawing/2014/main" id="{29DC0069-7417-4C7F-BD1E-8267BC158732}"/>
+              </a:ext>
+            </a:extLst>
+          </p:cNvPr>
+          <p:cNvPicPr>
+            <a:picLocks noChangeAspect="1"/>
+          </p:cNvPicPr>
+          <p:nvPr>
+            <p:custDataLst>
+              <p:tags r:id="rId4"/>
+            </p:custDataLst>
+          </p:nvPr>
+        </p:nvPicPr>
+        <p:blipFill>
+          <a:blip r:embed="rId17"/>
+          <a:stretch>
+            <a:fillRect/>
+          </a:stretch>
+        </p:blipFill>
+        <p:spPr>
+          <a:xfrm>
+            <a:off x="8592744" y="4394578"/>
+            <a:ext cx="1120037" cy="210097"/>
+          </a:xfrm>
+          <a:prstGeom prst="rect">
+            <a:avLst/>
+          </a:prstGeom>
+        </p:spPr>
+      </p:pic>
+      <p:cxnSp>
+        <p:nvCxnSpPr>
+          <p:cNvPr id="63" name="Gewinkelte Verbindung 26">
+            <a:extLst>
+              <a:ext uri="{FF2B5EF4-FFF2-40B4-BE49-F238E27FC236}">
+                <a16:creationId xmlns:a16="http://schemas.microsoft.com/office/drawing/2014/main" id="{ED02E10D-E5C3-4F12-BF1D-7207009FDC6B}"/>
+              </a:ext>
+            </a:extLst>
+          </p:cNvPr>
+          <p:cNvCxnSpPr>
+            <a:cxnSpLocks/>
+            <a:stCxn id="3" idx="3"/>
+          </p:cNvCxnSpPr>
+          <p:nvPr/>
+        </p:nvCxnSpPr>
+        <p:spPr>
+          <a:xfrm flipH="1">
+            <a:off x="6195918" y="4240159"/>
+            <a:ext cx="1191343" cy="622678"/>
+          </a:xfrm>
+          <a:prstGeom prst="bentConnector3">
+            <a:avLst>
+              <a:gd name="adj1" fmla="val -52635"/>
+            </a:avLst>
+          </a:prstGeom>
+          <a:noFill/>
+          <a:ln w="25400" cap="flat" cmpd="sng" algn="ctr">
             <a:solidFill>
-              <a:scrgbClr r="0" g="0" b="0">
-                <a:alpha val="0"/>
-              </a:scrgbClr>
+              <a:srgbClr val="0070C0"/>
             </a:solidFill>
-            <a:ln>
-              <a:noFill/>
-            </a:ln>
-          </p:spPr>
-          <p:txBody>
-            <a:bodyPr wrap="none" lIns="0" tIns="0" rIns="0" bIns="0" rtlCol="0">
-              <a:spAutoFit/>
-            </a:bodyPr>
-            <a:lstStyle/>
-            <a:p>
-              <a:pPr algn="ctr" eaLnBrk="0" fontAlgn="base" hangingPunct="0">
-                <a:spcBef>
-                  <a:spcPts val="500"/>
-                </a:spcBef>
-                <a:spcAft>
-                  <a:spcPct val="0"/>
-                </a:spcAft>
-              </a:pPr>
-              <a:r>
-                <a:rPr lang="sv-SE" sz="1200" b="1" dirty="0" smtClean="0">
-                  <a:solidFill>
-                    <a:srgbClr val="5E676E"/>
-                  </a:solidFill>
-                  <a:latin typeface="Arial" panose="020B0604020202020204" pitchFamily="34" charset="0"/>
-                  <a:cs typeface="Arial" panose="020B0604020202020204" pitchFamily="34" charset="0"/>
-                </a:rPr>
-                <a:t>Software </a:t>
-              </a:r>
-              <a:r>
-                <a:rPr lang="sv-SE" sz="1200" b="1" dirty="0" err="1" smtClean="0">
-                  <a:solidFill>
-                    <a:srgbClr val="5E676E"/>
-                  </a:solidFill>
-                  <a:latin typeface="Arial" panose="020B0604020202020204" pitchFamily="34" charset="0"/>
-                  <a:cs typeface="Arial" panose="020B0604020202020204" pitchFamily="34" charset="0"/>
-                </a:rPr>
-                <a:t>Production</a:t>
-              </a:r>
-              <a:r>
-                <a:rPr lang="sv-SE" sz="1200" b="1" dirty="0" smtClean="0">
-                  <a:solidFill>
-                    <a:srgbClr val="5E676E"/>
-                  </a:solidFill>
-                  <a:latin typeface="Arial" panose="020B0604020202020204" pitchFamily="34" charset="0"/>
-                  <a:cs typeface="Arial" panose="020B0604020202020204" pitchFamily="34" charset="0"/>
-                </a:rPr>
-                <a:t/>
-              </a:r>
-              <a:br>
-                <a:rPr lang="sv-SE" sz="1200" b="1" dirty="0" smtClean="0">
-                  <a:solidFill>
-                    <a:srgbClr val="5E676E"/>
-                  </a:solidFill>
-                  <a:latin typeface="Arial" panose="020B0604020202020204" pitchFamily="34" charset="0"/>
-                  <a:cs typeface="Arial" panose="020B0604020202020204" pitchFamily="34" charset="0"/>
-                </a:rPr>
-              </a:br>
-              <a:r>
-                <a:rPr lang="sv-SE" sz="1200" b="1" dirty="0" err="1" smtClean="0">
-                  <a:solidFill>
-                    <a:srgbClr val="5E676E"/>
-                  </a:solidFill>
-                  <a:latin typeface="Arial" panose="020B0604020202020204" pitchFamily="34" charset="0"/>
-                  <a:cs typeface="Arial" panose="020B0604020202020204" pitchFamily="34" charset="0"/>
-                </a:rPr>
-                <a:t>Engineering</a:t>
-              </a:r>
-              <a:endParaRPr sz="1200" b="1" dirty="0">
+            <a:prstDash val="solid"/>
+            <a:tailEnd type="arrow"/>
+          </a:ln>
+          <a:effectLst/>
+        </p:spPr>
+      </p:cxnSp>
+      <p:cxnSp>
+        <p:nvCxnSpPr>
+          <p:cNvPr id="94" name="Gewinkelte Verbindung 26">
+            <a:extLst>
+              <a:ext uri="{FF2B5EF4-FFF2-40B4-BE49-F238E27FC236}">
+                <a16:creationId xmlns:a16="http://schemas.microsoft.com/office/drawing/2014/main" id="{836E6346-F9F1-4E8E-99CD-3F82FC078DCA}"/>
+              </a:ext>
+            </a:extLst>
+          </p:cNvPr>
+          <p:cNvCxnSpPr>
+            <a:cxnSpLocks/>
+            <a:stCxn id="53" idx="2"/>
+          </p:cNvCxnSpPr>
+          <p:nvPr/>
+        </p:nvCxnSpPr>
+        <p:spPr>
+          <a:xfrm rot="10800000">
+            <a:off x="4223310" y="4364710"/>
+            <a:ext cx="556798" cy="369749"/>
+          </a:xfrm>
+          <a:prstGeom prst="bentConnector3">
+            <a:avLst>
+              <a:gd name="adj1" fmla="val 27191"/>
+            </a:avLst>
+          </a:prstGeom>
+          <a:noFill/>
+          <a:ln w="25400" cap="flat" cmpd="sng" algn="ctr">
+            <a:solidFill>
+              <a:srgbClr val="00B050"/>
+            </a:solidFill>
+            <a:prstDash val="solid"/>
+            <a:headEnd type="none"/>
+            <a:tailEnd type="triangle"/>
+          </a:ln>
+          <a:effectLst/>
+        </p:spPr>
+      </p:cxnSp>
+      <p:sp>
+        <p:nvSpPr>
+          <p:cNvPr id="144" name="TextBox 143">
+            <a:extLst>
+              <a:ext uri="{FF2B5EF4-FFF2-40B4-BE49-F238E27FC236}">
+                <a16:creationId xmlns:a16="http://schemas.microsoft.com/office/drawing/2014/main" id="{C8ABC9A6-A8E2-4490-ACFD-DDA018679E77}"/>
+              </a:ext>
+            </a:extLst>
+          </p:cNvPr>
+          <p:cNvSpPr txBox="1"/>
+          <p:nvPr/>
+        </p:nvSpPr>
+        <p:spPr>
+          <a:xfrm>
+            <a:off x="3931025" y="4678776"/>
+            <a:ext cx="1145489" cy="400110"/>
+          </a:xfrm>
+          <a:prstGeom prst="rect">
+            <a:avLst/>
+          </a:prstGeom>
+          <a:noFill/>
+        </p:spPr>
+        <p:txBody>
+          <a:bodyPr wrap="square" rtlCol="0">
+            <a:spAutoFit/>
+          </a:bodyPr>
+          <a:lstStyle/>
+          <a:p>
+            <a:pPr algn="ctr" eaLnBrk="0" fontAlgn="base" hangingPunct="0">
+              <a:spcBef>
+                <a:spcPct val="0"/>
+              </a:spcBef>
+              <a:spcAft>
+                <a:spcPct val="0"/>
+              </a:spcAft>
+            </a:pPr>
+            <a:r>
+              <a:rPr lang="sv-SE" sz="1000" b="1" dirty="0" err="1">
                 <a:solidFill>
-                  <a:srgbClr val="5E676E"/>
+                  <a:srgbClr val="00B050"/>
                 </a:solidFill>
-                <a:latin typeface="Arial" panose="020B0604020202020204" pitchFamily="34" charset="0"/>
-                <a:cs typeface="Arial" panose="020B0604020202020204" pitchFamily="34" charset="0"/>
-              </a:endParaRPr>
-            </a:p>
-          </p:txBody>
-        </p:sp>
-        <p:pic>
-          <p:nvPicPr>
-            <p:cNvPr id="32" name="Picture 31"/>
-            <p:cNvPicPr>
-              <a:picLocks noChangeAspect="1"/>
-            </p:cNvPicPr>
-            <p:nvPr/>
-          </p:nvPicPr>
-          <p:blipFill>
-            <a:blip r:embed="rId10">
-              <a:extLst>
-                <a:ext uri="{28A0092B-C50C-407E-A947-70E740481C1C}">
-                  <a14:useLocalDpi xmlns:a14="http://schemas.microsoft.com/office/drawing/2010/main" val="0"/>
-                </a:ext>
-              </a:extLst>
-            </a:blip>
-            <a:stretch>
-              <a:fillRect/>
-            </a:stretch>
-          </p:blipFill>
-          <p:spPr>
-            <a:xfrm>
-              <a:off x="3588449" y="4020229"/>
-              <a:ext cx="637764" cy="410763"/>
-            </a:xfrm>
-            <a:prstGeom prst="rect">
-              <a:avLst/>
-            </a:prstGeom>
-          </p:spPr>
-        </p:pic>
-        <p:sp>
-          <p:nvSpPr>
-            <p:cNvPr id="78" name="TextBox 77"/>
-            <p:cNvSpPr txBox="1"/>
-            <p:nvPr/>
-          </p:nvSpPr>
-          <p:spPr>
-            <a:xfrm>
-              <a:off x="3507919" y="4418096"/>
-              <a:ext cx="798824" cy="276999"/>
-            </a:xfrm>
-            <a:prstGeom prst="rect">
-              <a:avLst/>
-            </a:prstGeom>
-            <a:noFill/>
-          </p:spPr>
-          <p:txBody>
-            <a:bodyPr wrap="square" rtlCol="0">
-              <a:spAutoFit/>
-            </a:bodyPr>
-            <a:lstStyle/>
-            <a:p>
-              <a:pPr algn="ctr" eaLnBrk="0" fontAlgn="base" hangingPunct="0">
-                <a:spcBef>
-                  <a:spcPct val="0"/>
-                </a:spcBef>
-                <a:spcAft>
-                  <a:spcPct val="0"/>
-                </a:spcAft>
-              </a:pPr>
-              <a:r>
-                <a:rPr lang="en-US" sz="1200" b="1" dirty="0" err="1" smtClean="0">
-                  <a:solidFill>
-                    <a:srgbClr val="5E676E"/>
-                  </a:solidFill>
-                  <a:latin typeface="Arial" panose="020B0604020202020204" pitchFamily="34" charset="0"/>
-                  <a:cs typeface="Arial" panose="020B0604020202020204" pitchFamily="34" charset="0"/>
-                </a:rPr>
-                <a:t>Dymola</a:t>
-              </a:r>
-              <a:endParaRPr lang="en-US" sz="1200" b="1" dirty="0">
-                <a:solidFill>
-                  <a:srgbClr val="5E676E"/>
-                </a:solidFill>
-                <a:latin typeface="Arial" panose="020B0604020202020204" pitchFamily="34" charset="0"/>
-                <a:cs typeface="Arial" panose="020B0604020202020204" pitchFamily="34" charset="0"/>
-              </a:endParaRPr>
-            </a:p>
-          </p:txBody>
-        </p:sp>
-        <p:pic>
-          <p:nvPicPr>
-            <p:cNvPr id="18" name="Picture 17"/>
-            <p:cNvPicPr>
-              <a:picLocks noChangeAspect="1"/>
-            </p:cNvPicPr>
-            <p:nvPr/>
-          </p:nvPicPr>
-          <p:blipFill>
-            <a:blip r:embed="rId11">
-              <a:extLst>
-                <a:ext uri="{28A0092B-C50C-407E-A947-70E740481C1C}">
-                  <a14:useLocalDpi xmlns:a14="http://schemas.microsoft.com/office/drawing/2010/main" val="0"/>
-                </a:ext>
-              </a:extLst>
-            </a:blip>
-            <a:stretch>
-              <a:fillRect/>
-            </a:stretch>
-          </p:blipFill>
-          <p:spPr>
-            <a:xfrm>
-              <a:off x="3591190" y="2436808"/>
-              <a:ext cx="676612" cy="676612"/>
-            </a:xfrm>
-            <a:prstGeom prst="rect">
-              <a:avLst/>
-            </a:prstGeom>
-          </p:spPr>
-        </p:pic>
-        <p:sp>
-          <p:nvSpPr>
-            <p:cNvPr id="73" name="TextBox 72"/>
-            <p:cNvSpPr txBox="1"/>
-            <p:nvPr/>
-          </p:nvSpPr>
-          <p:spPr>
-            <a:xfrm>
-              <a:off x="3430932" y="2985402"/>
-              <a:ext cx="1029962" cy="276999"/>
-            </a:xfrm>
-            <a:prstGeom prst="rect">
-              <a:avLst/>
-            </a:prstGeom>
-            <a:noFill/>
-          </p:spPr>
-          <p:txBody>
-            <a:bodyPr wrap="none" rtlCol="0">
-              <a:spAutoFit/>
-            </a:bodyPr>
-            <a:lstStyle/>
-            <a:p>
-              <a:pPr algn="ctr" eaLnBrk="0" fontAlgn="base" hangingPunct="0">
-                <a:spcBef>
-                  <a:spcPct val="0"/>
-                </a:spcBef>
-                <a:spcAft>
-                  <a:spcPct val="0"/>
-                </a:spcAft>
-              </a:pPr>
-              <a:r>
-                <a:rPr lang="en-US" sz="1200" b="1" dirty="0" smtClean="0">
-                  <a:solidFill>
-                    <a:srgbClr val="5E676E"/>
-                  </a:solidFill>
-                  <a:latin typeface="Arial" panose="020B0604020202020204" pitchFamily="34" charset="0"/>
-                  <a:cs typeface="Arial" panose="020B0604020202020204" pitchFamily="34" charset="0"/>
-                </a:rPr>
-                <a:t>CATIA DBM</a:t>
-              </a:r>
-              <a:endParaRPr lang="en-US" sz="1200" b="1" dirty="0">
-                <a:solidFill>
-                  <a:srgbClr val="5E676E"/>
-                </a:solidFill>
-                <a:latin typeface="Arial" panose="020B0604020202020204" pitchFamily="34" charset="0"/>
-                <a:cs typeface="Arial" panose="020B0604020202020204" pitchFamily="34" charset="0"/>
-              </a:endParaRPr>
-            </a:p>
-          </p:txBody>
-        </p:sp>
-        <p:cxnSp>
-          <p:nvCxnSpPr>
-            <p:cNvPr id="79" name="Gewinkelte Verbindung 26"/>
-            <p:cNvCxnSpPr>
-              <a:stCxn id="18" idx="3"/>
-              <a:endCxn id="57" idx="2"/>
-            </p:cNvCxnSpPr>
-            <p:nvPr/>
-          </p:nvCxnSpPr>
-          <p:spPr>
-            <a:xfrm>
-              <a:off x="4244738" y="2775114"/>
-              <a:ext cx="537032" cy="603"/>
-            </a:xfrm>
-            <a:prstGeom prst="bentConnector3">
-              <a:avLst>
-                <a:gd name="adj1" fmla="val 50000"/>
-              </a:avLst>
-            </a:prstGeom>
-            <a:noFill/>
-            <a:ln w="25400" cap="flat" cmpd="sng" algn="ctr">
-              <a:solidFill>
-                <a:srgbClr val="0070C0"/>
-              </a:solidFill>
-              <a:prstDash val="solid"/>
-              <a:tailEnd type="arrow"/>
-            </a:ln>
-            <a:effectLst/>
-          </p:spPr>
-        </p:cxnSp>
-        <p:cxnSp>
-          <p:nvCxnSpPr>
-            <p:cNvPr id="75" name="Gewinkelte Verbindung 26"/>
-            <p:cNvCxnSpPr>
-              <a:endCxn id="3" idx="1"/>
-            </p:cNvCxnSpPr>
-            <p:nvPr/>
-          </p:nvCxnSpPr>
-          <p:spPr>
-            <a:xfrm>
-              <a:off x="6185352" y="4207113"/>
-              <a:ext cx="774055" cy="90202"/>
-            </a:xfrm>
-            <a:prstGeom prst="bentConnector3">
-              <a:avLst>
-                <a:gd name="adj1" fmla="val 50000"/>
-              </a:avLst>
-            </a:prstGeom>
-            <a:noFill/>
-            <a:ln w="25400" cap="flat" cmpd="sng" algn="ctr">
-              <a:solidFill>
-                <a:srgbClr val="0070C0"/>
-              </a:solidFill>
-              <a:prstDash val="solid"/>
-              <a:tailEnd type="arrow"/>
-            </a:ln>
-            <a:effectLst/>
-          </p:spPr>
-        </p:cxnSp>
-        <p:cxnSp>
-          <p:nvCxnSpPr>
-            <p:cNvPr id="114" name="Straight Arrow Connector 113"/>
-            <p:cNvCxnSpPr>
-              <a:stCxn id="4" idx="2"/>
-              <a:endCxn id="14" idx="0"/>
-            </p:cNvCxnSpPr>
-            <p:nvPr/>
-          </p:nvCxnSpPr>
-          <p:spPr>
-            <a:xfrm>
-              <a:off x="9139444" y="2612009"/>
-              <a:ext cx="13319" cy="1622520"/>
-            </a:xfrm>
-            <a:prstGeom prst="straightConnector1">
-              <a:avLst/>
-            </a:prstGeom>
-            <a:ln w="31750">
+                <a:latin typeface="Arial" charset="0"/>
+                <a:cs typeface="Arial" charset="0"/>
+              </a:rPr>
+              <a:t>testing</a:t>
+            </a:r>
+            <a:endParaRPr lang="sv-SE" sz="1000" b="1" dirty="0">
               <a:solidFill>
                 <a:srgbClr val="00B050"/>
               </a:solidFill>
-              <a:prstDash val="sysDot"/>
-              <a:headEnd type="triangle"/>
-              <a:tailEnd type="triangle"/>
-            </a:ln>
-          </p:spPr>
-          <p:style>
-            <a:lnRef idx="1">
-              <a:schemeClr val="accent1"/>
-            </a:lnRef>
-            <a:fillRef idx="0">
-              <a:schemeClr val="accent1"/>
-            </a:fillRef>
-            <a:effectRef idx="0">
-              <a:schemeClr val="accent1"/>
-            </a:effectRef>
-            <a:fontRef idx="minor">
-              <a:schemeClr val="tx1"/>
-            </a:fontRef>
-          </p:style>
-        </p:cxnSp>
-        <p:pic>
-          <p:nvPicPr>
-            <p:cNvPr id="121" name="Picture 120"/>
-            <p:cNvPicPr>
-              <a:picLocks noChangeAspect="1"/>
-            </p:cNvPicPr>
-            <p:nvPr/>
-          </p:nvPicPr>
-          <p:blipFill>
-            <a:blip r:embed="rId12" cstate="print">
-              <a:extLst>
-                <a:ext uri="{28A0092B-C50C-407E-A947-70E740481C1C}">
-                  <a14:useLocalDpi xmlns:a14="http://schemas.microsoft.com/office/drawing/2010/main" val="0"/>
-                </a:ext>
-              </a:extLst>
-            </a:blip>
-            <a:stretch>
-              <a:fillRect/>
-            </a:stretch>
-          </p:blipFill>
-          <p:spPr>
-            <a:xfrm>
-              <a:off x="2235200" y="1897279"/>
-              <a:ext cx="2071543" cy="496119"/>
-            </a:xfrm>
-            <a:prstGeom prst="rect">
-              <a:avLst/>
-            </a:prstGeom>
-          </p:spPr>
-        </p:pic>
-        <p:pic>
-          <p:nvPicPr>
-            <p:cNvPr id="3" name="Picture 2"/>
-            <p:cNvPicPr>
-              <a:picLocks noChangeAspect="1"/>
-            </p:cNvPicPr>
-            <p:nvPr/>
-          </p:nvPicPr>
-          <p:blipFill>
-            <a:blip r:embed="rId13" cstate="print">
-              <a:extLst>
-                <a:ext uri="{28A0092B-C50C-407E-A947-70E740481C1C}">
-                  <a14:useLocalDpi xmlns:a14="http://schemas.microsoft.com/office/drawing/2010/main" val="0"/>
-                </a:ext>
-              </a:extLst>
-            </a:blip>
-            <a:stretch>
-              <a:fillRect/>
-            </a:stretch>
-          </p:blipFill>
-          <p:spPr>
-            <a:xfrm>
-              <a:off x="6959407" y="4083388"/>
-              <a:ext cx="427854" cy="427854"/>
-            </a:xfrm>
-            <a:prstGeom prst="rect">
-              <a:avLst/>
-            </a:prstGeom>
-          </p:spPr>
-        </p:pic>
-        <p:sp>
-          <p:nvSpPr>
-            <p:cNvPr id="42" name="TextBox 41"/>
-            <p:cNvSpPr txBox="1"/>
-            <p:nvPr>
-              <p:custDataLst>
-                <p:tags r:id="rId3"/>
-              </p:custDataLst>
-            </p:nvPr>
-          </p:nvSpPr>
-          <p:spPr>
-            <a:xfrm>
-              <a:off x="6510730" y="4550649"/>
-              <a:ext cx="1330941" cy="184666"/>
-            </a:xfrm>
-            <a:prstGeom prst="rect">
-              <a:avLst/>
-            </a:prstGeom>
-            <a:solidFill>
-              <a:scrgbClr r="0" g="0" b="0">
-                <a:alpha val="0"/>
-              </a:scrgbClr>
-            </a:solidFill>
-            <a:ln>
-              <a:noFill/>
-            </a:ln>
-          </p:spPr>
-          <p:txBody>
-            <a:bodyPr wrap="none" lIns="0" tIns="0" rIns="0" bIns="0" rtlCol="0">
-              <a:spAutoFit/>
-            </a:bodyPr>
-            <a:lstStyle/>
-            <a:p>
-              <a:pPr algn="ctr" eaLnBrk="0" fontAlgn="base" hangingPunct="0">
-                <a:spcBef>
-                  <a:spcPts val="500"/>
-                </a:spcBef>
-                <a:spcAft>
-                  <a:spcPct val="0"/>
-                </a:spcAft>
-              </a:pPr>
-              <a:r>
-                <a:rPr lang="sv-SE" sz="1200" b="1" dirty="0" smtClean="0">
-                  <a:solidFill>
-                    <a:srgbClr val="5E676E"/>
-                  </a:solidFill>
-                  <a:latin typeface="Arial" panose="020B0604020202020204" pitchFamily="34" charset="0"/>
-                  <a:cs typeface="Arial" panose="020B0604020202020204" pitchFamily="34" charset="0"/>
-                </a:rPr>
-                <a:t>AUTOSAR </a:t>
-              </a:r>
-              <a:r>
-                <a:rPr lang="sv-SE" sz="1200" b="1" dirty="0" err="1" smtClean="0">
-                  <a:solidFill>
-                    <a:srgbClr val="5E676E"/>
-                  </a:solidFill>
-                  <a:latin typeface="Arial" panose="020B0604020202020204" pitchFamily="34" charset="0"/>
-                  <a:cs typeface="Arial" panose="020B0604020202020204" pitchFamily="34" charset="0"/>
-                </a:rPr>
-                <a:t>Builder</a:t>
-              </a:r>
-              <a:endParaRPr sz="1200" b="1" dirty="0">
+              <a:latin typeface="Arial" charset="0"/>
+              <a:cs typeface="Arial" charset="0"/>
+            </a:endParaRPr>
+          </a:p>
+          <a:p>
+            <a:pPr algn="ctr" eaLnBrk="0" fontAlgn="base" hangingPunct="0">
+              <a:spcBef>
+                <a:spcPct val="0"/>
+              </a:spcBef>
+              <a:spcAft>
+                <a:spcPct val="0"/>
+              </a:spcAft>
+            </a:pPr>
+            <a:r>
+              <a:rPr lang="en-US" sz="1000" b="1" dirty="0" err="1">
                 <a:solidFill>
-                  <a:srgbClr val="5E676E"/>
+                  <a:srgbClr val="00B050"/>
                 </a:solidFill>
-                <a:latin typeface="Arial" panose="020B0604020202020204" pitchFamily="34" charset="0"/>
-                <a:cs typeface="Arial" panose="020B0604020202020204" pitchFamily="34" charset="0"/>
-              </a:endParaRPr>
-            </a:p>
-          </p:txBody>
-        </p:sp>
-        <p:cxnSp>
-          <p:nvCxnSpPr>
-            <p:cNvPr id="43" name="Gewinkelte Verbindung 26"/>
-            <p:cNvCxnSpPr>
-              <a:stCxn id="3" idx="3"/>
-            </p:cNvCxnSpPr>
-            <p:nvPr/>
-          </p:nvCxnSpPr>
-          <p:spPr>
-            <a:xfrm flipH="1">
-              <a:off x="6150165" y="4297315"/>
-              <a:ext cx="1237096" cy="564009"/>
-            </a:xfrm>
-            <a:prstGeom prst="bentConnector3">
-              <a:avLst>
-                <a:gd name="adj1" fmla="val -50584"/>
-              </a:avLst>
-            </a:prstGeom>
-            <a:noFill/>
-            <a:ln w="25400" cap="flat" cmpd="sng" algn="ctr">
-              <a:solidFill>
-                <a:srgbClr val="0070C0"/>
-              </a:solidFill>
-              <a:prstDash val="solid"/>
-              <a:tailEnd type="arrow"/>
-            </a:ln>
-            <a:effectLst/>
-          </p:spPr>
-        </p:cxnSp>
-        <p:cxnSp>
-          <p:nvCxnSpPr>
-            <p:cNvPr id="61" name="Straight Arrow Connector 60"/>
-            <p:cNvCxnSpPr/>
-            <p:nvPr/>
-          </p:nvCxnSpPr>
-          <p:spPr>
-            <a:xfrm>
-              <a:off x="7387261" y="4423195"/>
-              <a:ext cx="1204863" cy="7797"/>
-            </a:xfrm>
-            <a:prstGeom prst="straightConnector1">
-              <a:avLst/>
-            </a:prstGeom>
-            <a:ln w="31750">
+                <a:latin typeface="Arial" charset="0"/>
+                <a:cs typeface="Arial" charset="0"/>
+              </a:rPr>
+              <a:t>SiL</a:t>
+            </a:r>
+            <a:endParaRPr lang="en-US" sz="1000" b="1" dirty="0">
               <a:solidFill>
                 <a:srgbClr val="00B050"/>
               </a:solidFill>
-              <a:prstDash val="sysDot"/>
-              <a:headEnd type="triangle"/>
-              <a:tailEnd type="triangle"/>
-            </a:ln>
-          </p:spPr>
-          <p:style>
-            <a:lnRef idx="1">
-              <a:schemeClr val="accent1"/>
-            </a:lnRef>
-            <a:fillRef idx="0">
-              <a:schemeClr val="accent1"/>
-            </a:fillRef>
-            <a:effectRef idx="0">
-              <a:schemeClr val="accent1"/>
-            </a:effectRef>
-            <a:fontRef idx="minor">
-              <a:schemeClr val="tx1"/>
-            </a:fontRef>
-          </p:style>
-        </p:cxnSp>
-      </p:grpSp>
+              <a:latin typeface="Arial" charset="0"/>
+              <a:cs typeface="Arial" charset="0"/>
+            </a:endParaRPr>
+          </a:p>
+        </p:txBody>
+      </p:sp>
+      <p:cxnSp>
+        <p:nvCxnSpPr>
+          <p:cNvPr id="158" name="Gewinkelte Verbindung 26">
+            <a:extLst>
+              <a:ext uri="{FF2B5EF4-FFF2-40B4-BE49-F238E27FC236}">
+                <a16:creationId xmlns:a16="http://schemas.microsoft.com/office/drawing/2014/main" id="{F9D5BBBD-49A2-4402-A57E-484FAF3573AC}"/>
+              </a:ext>
+            </a:extLst>
+          </p:cNvPr>
+          <p:cNvCxnSpPr>
+            <a:cxnSpLocks/>
+            <a:stCxn id="78" idx="2"/>
+            <a:endCxn id="208" idx="2"/>
+          </p:cNvCxnSpPr>
+          <p:nvPr/>
+        </p:nvCxnSpPr>
+        <p:spPr>
+          <a:xfrm rot="16200000" flipH="1">
+            <a:off x="6364172" y="2238253"/>
+            <a:ext cx="330555" cy="5244237"/>
+          </a:xfrm>
+          <a:prstGeom prst="bentConnector3">
+            <a:avLst>
+              <a:gd name="adj1" fmla="val 201186"/>
+            </a:avLst>
+          </a:prstGeom>
+          <a:noFill/>
+          <a:ln w="25400" cap="flat" cmpd="sng" algn="ctr">
+            <a:solidFill>
+              <a:srgbClr val="FF0000"/>
+            </a:solidFill>
+            <a:prstDash val="sysDot"/>
+            <a:tailEnd type="triangle"/>
+          </a:ln>
+          <a:effectLst/>
+        </p:spPr>
+      </p:cxnSp>
+      <p:cxnSp>
+        <p:nvCxnSpPr>
+          <p:cNvPr id="167" name="Gewinkelte Verbindung 26">
+            <a:extLst>
+              <a:ext uri="{FF2B5EF4-FFF2-40B4-BE49-F238E27FC236}">
+                <a16:creationId xmlns:a16="http://schemas.microsoft.com/office/drawing/2014/main" id="{220DE506-64E3-4C59-A0C7-45A241AF73C3}"/>
+              </a:ext>
+            </a:extLst>
+          </p:cNvPr>
+          <p:cNvCxnSpPr>
+            <a:cxnSpLocks/>
+          </p:cNvCxnSpPr>
+          <p:nvPr/>
+        </p:nvCxnSpPr>
+        <p:spPr>
+          <a:xfrm>
+            <a:off x="7395199" y="4360754"/>
+            <a:ext cx="1199753" cy="177197"/>
+          </a:xfrm>
+          <a:prstGeom prst="bentConnector3">
+            <a:avLst>
+              <a:gd name="adj1" fmla="val 66275"/>
+            </a:avLst>
+          </a:prstGeom>
+          <a:noFill/>
+          <a:ln w="25400" cap="flat" cmpd="sng" algn="ctr">
+            <a:solidFill>
+              <a:srgbClr val="FF0000"/>
+            </a:solidFill>
+            <a:prstDash val="sysDot"/>
+            <a:tailEnd type="triangle"/>
+          </a:ln>
+          <a:effectLst/>
+        </p:spPr>
+      </p:cxnSp>
+      <p:sp>
+        <p:nvSpPr>
+          <p:cNvPr id="208" name="Rectangle 207">
+            <a:extLst>
+              <a:ext uri="{FF2B5EF4-FFF2-40B4-BE49-F238E27FC236}">
+                <a16:creationId xmlns:a16="http://schemas.microsoft.com/office/drawing/2014/main" id="{EBBC7299-CC83-4185-B820-87F1D196CA06}"/>
+              </a:ext>
+            </a:extLst>
+          </p:cNvPr>
+          <p:cNvSpPr/>
+          <p:nvPr/>
+        </p:nvSpPr>
+        <p:spPr>
+          <a:xfrm>
+            <a:off x="8591550" y="4626898"/>
+            <a:ext cx="1120036" cy="398752"/>
+          </a:xfrm>
+          <a:prstGeom prst="rect">
+            <a:avLst/>
+          </a:prstGeom>
+          <a:noFill/>
+          <a:ln>
+            <a:noFill/>
+          </a:ln>
+        </p:spPr>
+        <p:style>
+          <a:lnRef idx="2">
+            <a:schemeClr val="accent1">
+              <a:shade val="50000"/>
+            </a:schemeClr>
+          </a:lnRef>
+          <a:fillRef idx="1">
+            <a:schemeClr val="accent1"/>
+          </a:fillRef>
+          <a:effectRef idx="0">
+            <a:schemeClr val="accent1"/>
+          </a:effectRef>
+          <a:fontRef idx="minor">
+            <a:schemeClr val="lt1"/>
+          </a:fontRef>
+        </p:style>
+        <p:txBody>
+          <a:bodyPr rtlCol="0" anchor="ctr"/>
+          <a:lstStyle/>
+          <a:p>
+            <a:pPr algn="ctr"/>
+            <a:endParaRPr lang="en-150"/>
+          </a:p>
+        </p:txBody>
+      </p:sp>
+      <p:cxnSp>
+        <p:nvCxnSpPr>
+          <p:cNvPr id="210" name="Gewinkelte Verbindung 26">
+            <a:extLst>
+              <a:ext uri="{FF2B5EF4-FFF2-40B4-BE49-F238E27FC236}">
+                <a16:creationId xmlns:a16="http://schemas.microsoft.com/office/drawing/2014/main" id="{85B99DAB-036E-49AF-BEEB-6D9F4020AE05}"/>
+              </a:ext>
+            </a:extLst>
+          </p:cNvPr>
+          <p:cNvCxnSpPr>
+            <a:cxnSpLocks/>
+          </p:cNvCxnSpPr>
+          <p:nvPr/>
+        </p:nvCxnSpPr>
+        <p:spPr>
+          <a:xfrm rot="16200000" flipH="1">
+            <a:off x="8153270" y="4006980"/>
+            <a:ext cx="743210" cy="139700"/>
+          </a:xfrm>
+          <a:prstGeom prst="bentConnector3">
+            <a:avLst>
+              <a:gd name="adj1" fmla="val 99983"/>
+            </a:avLst>
+          </a:prstGeom>
+          <a:noFill/>
+          <a:ln w="25400" cap="flat" cmpd="sng" algn="ctr">
+            <a:solidFill>
+              <a:srgbClr val="FF0000"/>
+            </a:solidFill>
+            <a:prstDash val="sysDot"/>
+            <a:tailEnd type="triangle"/>
+          </a:ln>
+          <a:effectLst/>
+        </p:spPr>
+      </p:cxnSp>
+      <p:cxnSp>
+        <p:nvCxnSpPr>
+          <p:cNvPr id="229" name="Straight Connector 228">
+            <a:extLst>
+              <a:ext uri="{FF2B5EF4-FFF2-40B4-BE49-F238E27FC236}">
+                <a16:creationId xmlns:a16="http://schemas.microsoft.com/office/drawing/2014/main" id="{2CBA0739-13CE-465B-86AA-F87C7307574A}"/>
+              </a:ext>
+            </a:extLst>
+          </p:cNvPr>
+          <p:cNvCxnSpPr>
+            <a:cxnSpLocks/>
+          </p:cNvCxnSpPr>
+          <p:nvPr/>
+        </p:nvCxnSpPr>
+        <p:spPr>
+          <a:xfrm>
+            <a:off x="7784524" y="3717340"/>
+            <a:ext cx="807026" cy="0"/>
+          </a:xfrm>
+          <a:prstGeom prst="line">
+            <a:avLst/>
+          </a:prstGeom>
+          <a:ln w="25400">
+            <a:solidFill>
+              <a:srgbClr val="FF0000"/>
+            </a:solidFill>
+            <a:prstDash val="sysDot"/>
+            <a:tailEnd type="triangle"/>
+          </a:ln>
+        </p:spPr>
+        <p:style>
+          <a:lnRef idx="1">
+            <a:schemeClr val="accent1"/>
+          </a:lnRef>
+          <a:fillRef idx="0">
+            <a:schemeClr val="accent1"/>
+          </a:fillRef>
+          <a:effectRef idx="0">
+            <a:schemeClr val="accent1"/>
+          </a:effectRef>
+          <a:fontRef idx="minor">
+            <a:schemeClr val="tx1"/>
+          </a:fontRef>
+        </p:style>
+      </p:cxnSp>
+      <p:cxnSp>
+        <p:nvCxnSpPr>
+          <p:cNvPr id="242" name="Gewinkelte Verbindung 26">
+            <a:extLst>
+              <a:ext uri="{FF2B5EF4-FFF2-40B4-BE49-F238E27FC236}">
+                <a16:creationId xmlns:a16="http://schemas.microsoft.com/office/drawing/2014/main" id="{4B3FDA34-03DC-4E3E-8C02-E34D837E5546}"/>
+              </a:ext>
+            </a:extLst>
+          </p:cNvPr>
+          <p:cNvCxnSpPr>
+            <a:cxnSpLocks/>
+            <a:endCxn id="208" idx="1"/>
+          </p:cNvCxnSpPr>
+          <p:nvPr/>
+        </p:nvCxnSpPr>
+        <p:spPr>
+          <a:xfrm rot="16200000" flipH="1">
+            <a:off x="8338291" y="4573015"/>
+            <a:ext cx="365722" cy="140795"/>
+          </a:xfrm>
+          <a:prstGeom prst="bentConnector2">
+            <a:avLst/>
+          </a:prstGeom>
+          <a:noFill/>
+          <a:ln w="25400" cap="flat" cmpd="sng" algn="ctr">
+            <a:solidFill>
+              <a:srgbClr val="FF0000"/>
+            </a:solidFill>
+            <a:prstDash val="sysDot"/>
+            <a:tailEnd type="triangle"/>
+          </a:ln>
+          <a:effectLst/>
+        </p:spPr>
+      </p:cxnSp>
+      <p:cxnSp>
+        <p:nvCxnSpPr>
+          <p:cNvPr id="118" name="Gewinkelte Verbindung 26">
+            <a:extLst>
+              <a:ext uri="{FF2B5EF4-FFF2-40B4-BE49-F238E27FC236}">
+                <a16:creationId xmlns:a16="http://schemas.microsoft.com/office/drawing/2014/main" id="{631FDB18-677A-43F0-8056-8AC2345EE87B}"/>
+              </a:ext>
+            </a:extLst>
+          </p:cNvPr>
+          <p:cNvCxnSpPr>
+            <a:cxnSpLocks/>
+          </p:cNvCxnSpPr>
+          <p:nvPr/>
+        </p:nvCxnSpPr>
+        <p:spPr>
+          <a:xfrm rot="10800000" flipV="1">
+            <a:off x="6197156" y="3898070"/>
+            <a:ext cx="1808823" cy="964766"/>
+          </a:xfrm>
+          <a:prstGeom prst="bentConnector3">
+            <a:avLst>
+              <a:gd name="adj1" fmla="val -464"/>
+            </a:avLst>
+          </a:prstGeom>
+          <a:noFill/>
+          <a:ln w="25400" cap="flat" cmpd="sng" algn="ctr">
+            <a:solidFill>
+              <a:srgbClr val="0070C0"/>
+            </a:solidFill>
+            <a:prstDash val="solid"/>
+            <a:tailEnd type="arrow"/>
+          </a:ln>
+          <a:effectLst/>
+        </p:spPr>
+      </p:cxnSp>
+      <p:cxnSp>
+        <p:nvCxnSpPr>
+          <p:cNvPr id="41" name="Gewinkelte Verbindung 26"/>
+          <p:cNvCxnSpPr>
+            <a:cxnSpLocks/>
+            <a:stCxn id="2" idx="3"/>
+          </p:cNvCxnSpPr>
+          <p:nvPr/>
+        </p:nvCxnSpPr>
+        <p:spPr>
+          <a:xfrm flipH="1">
+            <a:off x="6185352" y="3649949"/>
+            <a:ext cx="1599172" cy="248120"/>
+          </a:xfrm>
+          <a:prstGeom prst="bentConnector3">
+            <a:avLst>
+              <a:gd name="adj1" fmla="val -14295"/>
+            </a:avLst>
+          </a:prstGeom>
+          <a:noFill/>
+          <a:ln w="25400" cap="flat" cmpd="sng" algn="ctr">
+            <a:solidFill>
+              <a:srgbClr val="0070C0"/>
+            </a:solidFill>
+            <a:prstDash val="solid"/>
+            <a:tailEnd type="arrow"/>
+          </a:ln>
+          <a:effectLst/>
+        </p:spPr>
+      </p:cxnSp>
+      <p:sp>
+        <p:nvSpPr>
+          <p:cNvPr id="250" name="TextBox 249">
+            <a:extLst>
+              <a:ext uri="{FF2B5EF4-FFF2-40B4-BE49-F238E27FC236}">
+                <a16:creationId xmlns:a16="http://schemas.microsoft.com/office/drawing/2014/main" id="{01B55B67-91A6-4035-BF9A-75CB14CF185C}"/>
+              </a:ext>
+            </a:extLst>
+          </p:cNvPr>
+          <p:cNvSpPr txBox="1"/>
+          <p:nvPr/>
+        </p:nvSpPr>
+        <p:spPr>
+          <a:xfrm>
+            <a:off x="7887725" y="4988798"/>
+            <a:ext cx="1145489" cy="400110"/>
+          </a:xfrm>
+          <a:prstGeom prst="rect">
+            <a:avLst/>
+          </a:prstGeom>
+          <a:noFill/>
+        </p:spPr>
+        <p:txBody>
+          <a:bodyPr wrap="square" rtlCol="0">
+            <a:spAutoFit/>
+          </a:bodyPr>
+          <a:lstStyle/>
+          <a:p>
+            <a:pPr algn="ctr" eaLnBrk="0" fontAlgn="base" hangingPunct="0">
+              <a:spcBef>
+                <a:spcPct val="0"/>
+              </a:spcBef>
+              <a:spcAft>
+                <a:spcPct val="0"/>
+              </a:spcAft>
+            </a:pPr>
+            <a:r>
+              <a:rPr lang="sv-SE" sz="1000" b="1" dirty="0">
+                <a:solidFill>
+                  <a:srgbClr val="FF0000"/>
+                </a:solidFill>
+                <a:latin typeface="Arial" charset="0"/>
+                <a:cs typeface="Arial" charset="0"/>
+              </a:rPr>
+              <a:t>system integration</a:t>
+            </a:r>
+            <a:endParaRPr lang="en-US" sz="1000" b="1" dirty="0">
+              <a:solidFill>
+                <a:srgbClr val="FF0000"/>
+              </a:solidFill>
+              <a:latin typeface="Arial" charset="0"/>
+              <a:cs typeface="Arial" charset="0"/>
+            </a:endParaRPr>
+          </a:p>
+        </p:txBody>
+      </p:sp>
+      <p:cxnSp>
+        <p:nvCxnSpPr>
+          <p:cNvPr id="252" name="Connector: Elbow 251">
+            <a:extLst>
+              <a:ext uri="{FF2B5EF4-FFF2-40B4-BE49-F238E27FC236}">
+                <a16:creationId xmlns:a16="http://schemas.microsoft.com/office/drawing/2014/main" id="{9D8434B2-6490-4AA6-842B-EFC7B37EA990}"/>
+              </a:ext>
+            </a:extLst>
+          </p:cNvPr>
+          <p:cNvCxnSpPr>
+            <a:cxnSpLocks/>
+            <a:stCxn id="10" idx="2"/>
+          </p:cNvCxnSpPr>
+          <p:nvPr/>
+        </p:nvCxnSpPr>
+        <p:spPr>
+          <a:xfrm rot="5400000" flipH="1" flipV="1">
+            <a:off x="3069756" y="4016937"/>
+            <a:ext cx="176128" cy="856692"/>
+          </a:xfrm>
+          <a:prstGeom prst="bentConnector4">
+            <a:avLst>
+              <a:gd name="adj1" fmla="val -105275"/>
+              <a:gd name="adj2" fmla="val 78618"/>
+            </a:avLst>
+          </a:prstGeom>
+          <a:ln w="25400">
+            <a:solidFill>
+              <a:srgbClr val="00B050"/>
+            </a:solidFill>
+            <a:prstDash val="solid"/>
+            <a:headEnd type="none"/>
+            <a:tailEnd type="triangle"/>
+          </a:ln>
+        </p:spPr>
+        <p:style>
+          <a:lnRef idx="1">
+            <a:schemeClr val="accent1"/>
+          </a:lnRef>
+          <a:fillRef idx="0">
+            <a:schemeClr val="accent1"/>
+          </a:fillRef>
+          <a:effectRef idx="0">
+            <a:schemeClr val="accent1"/>
+          </a:effectRef>
+          <a:fontRef idx="minor">
+            <a:schemeClr val="tx1"/>
+          </a:fontRef>
+        </p:style>
+      </p:cxnSp>
+      <p:sp>
+        <p:nvSpPr>
+          <p:cNvPr id="259" name="TextBox 258">
+            <a:extLst>
+              <a:ext uri="{FF2B5EF4-FFF2-40B4-BE49-F238E27FC236}">
+                <a16:creationId xmlns:a16="http://schemas.microsoft.com/office/drawing/2014/main" id="{3AA25DA4-EA2A-4E40-8457-B994F5E15602}"/>
+              </a:ext>
+            </a:extLst>
+          </p:cNvPr>
+          <p:cNvSpPr txBox="1"/>
+          <p:nvPr/>
+        </p:nvSpPr>
+        <p:spPr>
+          <a:xfrm>
+            <a:off x="2541714" y="4678776"/>
+            <a:ext cx="1145489" cy="400110"/>
+          </a:xfrm>
+          <a:prstGeom prst="rect">
+            <a:avLst/>
+          </a:prstGeom>
+          <a:noFill/>
+        </p:spPr>
+        <p:txBody>
+          <a:bodyPr wrap="square" rtlCol="0">
+            <a:spAutoFit/>
+          </a:bodyPr>
+          <a:lstStyle/>
+          <a:p>
+            <a:pPr algn="ctr" eaLnBrk="0" fontAlgn="base" hangingPunct="0">
+              <a:spcBef>
+                <a:spcPct val="0"/>
+              </a:spcBef>
+              <a:spcAft>
+                <a:spcPct val="0"/>
+              </a:spcAft>
+            </a:pPr>
+            <a:r>
+              <a:rPr lang="sv-SE" sz="1000" b="1" dirty="0" err="1">
+                <a:solidFill>
+                  <a:srgbClr val="00B050"/>
+                </a:solidFill>
+                <a:latin typeface="Arial" charset="0"/>
+                <a:cs typeface="Arial" charset="0"/>
+              </a:rPr>
+              <a:t>testing</a:t>
+            </a:r>
+            <a:endParaRPr lang="sv-SE" sz="1000" b="1" dirty="0">
+              <a:solidFill>
+                <a:srgbClr val="00B050"/>
+              </a:solidFill>
+              <a:latin typeface="Arial" charset="0"/>
+              <a:cs typeface="Arial" charset="0"/>
+            </a:endParaRPr>
+          </a:p>
+          <a:p>
+            <a:pPr algn="ctr" eaLnBrk="0" fontAlgn="base" hangingPunct="0">
+              <a:spcBef>
+                <a:spcPct val="0"/>
+              </a:spcBef>
+              <a:spcAft>
+                <a:spcPct val="0"/>
+              </a:spcAft>
+            </a:pPr>
+            <a:r>
+              <a:rPr lang="en-US" sz="1000" b="1" dirty="0" err="1">
+                <a:solidFill>
+                  <a:srgbClr val="00B050"/>
+                </a:solidFill>
+                <a:latin typeface="Arial" charset="0"/>
+                <a:cs typeface="Arial" charset="0"/>
+              </a:rPr>
+              <a:t>MiL</a:t>
+            </a:r>
+            <a:endParaRPr lang="en-US" sz="1000" b="1" dirty="0">
+              <a:solidFill>
+                <a:srgbClr val="00B050"/>
+              </a:solidFill>
+              <a:latin typeface="Arial" charset="0"/>
+              <a:cs typeface="Arial" charset="0"/>
+            </a:endParaRPr>
+          </a:p>
+        </p:txBody>
+      </p:sp>
     </p:spTree>
     <p:extLst>
       <p:ext uri="{BB962C8B-B14F-4D97-AF65-F5344CB8AC3E}">
@@ -4916,18 +5485,127 @@
   <p:clrMapOvr>
     <a:masterClrMapping/>
   </p:clrMapOvr>
-  <mc:AlternateContent xmlns:mc="http://schemas.openxmlformats.org/markup-compatibility/2006" xmlns:p14="http://schemas.microsoft.com/office/powerpoint/2010/main">
-    <mc:Choice Requires="p14">
-      <p:transition spd="slow" p14:dur="2000"/>
-    </mc:Choice>
-    <mc:Fallback xmlns="">
-      <p:transition spd="slow"/>
-    </mc:Fallback>
-  </mc:AlternateContent>
   <p:timing>
     <p:tnLst>
       <p:par>
-        <p:cTn id="1" dur="indefinite" restart="never" nodeType="tmRoot"/>
+        <p:cTn id="1" dur="indefinite" restart="never" nodeType="tmRoot">
+          <p:childTnLst>
+            <p:seq concurrent="1" nextAc="seek">
+              <p:cTn id="2" dur="indefinite" nodeType="mainSeq">
+                <p:childTnLst>
+                  <p:par>
+                    <p:cTn id="3" fill="hold">
+                      <p:stCondLst>
+                        <p:cond delay="indefinite"/>
+                        <p:cond evt="onBegin" delay="0">
+                          <p:tn val="2"/>
+                        </p:cond>
+                      </p:stCondLst>
+                      <p:childTnLst>
+                        <p:par>
+                          <p:cTn id="4" fill="hold">
+                            <p:stCondLst>
+                              <p:cond delay="0"/>
+                            </p:stCondLst>
+                            <p:childTnLst>
+                              <p:par>
+                                <p:cTn id="5" presetID="2" presetClass="entr" presetSubtype="4" fill="hold" nodeType="withEffect">
+                                  <p:stCondLst>
+                                    <p:cond delay="0"/>
+                                  </p:stCondLst>
+                                  <p:childTnLst>
+                                    <p:set>
+                                      <p:cBhvr>
+                                        <p:cTn id="6" dur="1" fill="hold">
+                                          <p:stCondLst>
+                                            <p:cond delay="0"/>
+                                          </p:stCondLst>
+                                        </p:cTn>
+                                        <p:tgtEl>
+                                          <p:spTgt spid="45"/>
+                                        </p:tgtEl>
+                                        <p:attrNameLst>
+                                          <p:attrName>style.visibility</p:attrName>
+                                        </p:attrNameLst>
+                                      </p:cBhvr>
+                                      <p:to>
+                                        <p:strVal val="visible"/>
+                                      </p:to>
+                                    </p:set>
+                                    <p:anim calcmode="lin" valueType="num">
+                                      <p:cBhvr additive="base">
+                                        <p:cTn id="7" dur="4000" fill="hold"/>
+                                        <p:tgtEl>
+                                          <p:spTgt spid="45"/>
+                                        </p:tgtEl>
+                                        <p:attrNameLst>
+                                          <p:attrName>ppt_x</p:attrName>
+                                        </p:attrNameLst>
+                                      </p:cBhvr>
+                                      <p:tavLst>
+                                        <p:tav tm="0">
+                                          <p:val>
+                                            <p:strVal val="#ppt_x"/>
+                                          </p:val>
+                                        </p:tav>
+                                        <p:tav tm="100000">
+                                          <p:val>
+                                            <p:strVal val="#ppt_x"/>
+                                          </p:val>
+                                        </p:tav>
+                                      </p:tavLst>
+                                    </p:anim>
+                                    <p:anim calcmode="lin" valueType="num">
+                                      <p:cBhvr additive="base">
+                                        <p:cTn id="8" dur="4000" fill="hold"/>
+                                        <p:tgtEl>
+                                          <p:spTgt spid="45"/>
+                                        </p:tgtEl>
+                                        <p:attrNameLst>
+                                          <p:attrName>ppt_y</p:attrName>
+                                        </p:attrNameLst>
+                                      </p:cBhvr>
+                                      <p:tavLst>
+                                        <p:tav tm="0">
+                                          <p:val>
+                                            <p:strVal val="1+#ppt_h/2"/>
+                                          </p:val>
+                                        </p:tav>
+                                        <p:tav tm="100000">
+                                          <p:val>
+                                            <p:strVal val="#ppt_y"/>
+                                          </p:val>
+                                        </p:tav>
+                                      </p:tavLst>
+                                    </p:anim>
+                                  </p:childTnLst>
+                                </p:cTn>
+                              </p:par>
+                            </p:childTnLst>
+                          </p:cTn>
+                        </p:par>
+                      </p:childTnLst>
+                    </p:cTn>
+                  </p:par>
+                </p:childTnLst>
+              </p:cTn>
+              <p:prevCondLst>
+                <p:cond evt="onPrev" delay="0">
+                  <p:tgtEl>
+                    <p:sldTgt/>
+                  </p:tgtEl>
+                </p:cond>
+              </p:prevCondLst>
+              <p:nextCondLst>
+                <p:cond evt="onNext" delay="0">
+                  <p:tgtEl>
+                    <p:sldTgt/>
+                  </p:tgtEl>
+                </p:cond>
+              </p:nextCondLst>
+            </p:seq>
+          </p:childTnLst>
+        </p:cTn>
       </p:par>
     </p:tnLst>
   </p:timing>
@@ -4952,6 +5630,13 @@
 <p:tagLst xmlns:a="http://schemas.openxmlformats.org/drawingml/2006/main" xmlns:r="http://schemas.openxmlformats.org/officeDocument/2006/relationships" xmlns:p="http://schemas.openxmlformats.org/presentationml/2006/main">
   <p:tag name="COLORSETCLASSNAME" val="ColorSet2"/>
   <p:tag name="COLORS" val="-2;-2;-2;-2;-1;-2"/>
+</p:tagLst>
+</file>
+
+<file path=ppt/tags/tag4.xml><?xml version="1.0" encoding="utf-8"?>
+<p:tagLst xmlns:a="http://schemas.openxmlformats.org/drawingml/2006/main" xmlns:r="http://schemas.openxmlformats.org/officeDocument/2006/relationships" xmlns:p="http://schemas.openxmlformats.org/presentationml/2006/main">
+  <p:tag name="COLORS" val="-2;-2;-2;-2;-1;-2"/>
+  <p:tag name="COLORSETCLASSNAME" val="ColorSet2"/>
 </p:tagLst>
 </file>
 

--- a/static/media/tools/eFMI-tools.pptx
+++ b/static/media/tools/eFMI-tools.pptx
@@ -255,7 +255,7 @@
           <a:p>
             <a:fld id="{076171DA-D5DD-486B-A5F5-158E752AA603}" type="datetimeFigureOut">
               <a:rPr lang="en-US" smtClean="0"/>
-              <a:t>12/18/2024</a:t>
+              <a:t>12/19/2024</a:t>
             </a:fld>
             <a:endParaRPr lang="en-US"/>
           </a:p>
@@ -423,7 +423,7 @@
           <a:p>
             <a:fld id="{076171DA-D5DD-486B-A5F5-158E752AA603}" type="datetimeFigureOut">
               <a:rPr lang="en-US" smtClean="0"/>
-              <a:t>12/18/2024</a:t>
+              <a:t>12/19/2024</a:t>
             </a:fld>
             <a:endParaRPr lang="en-US"/>
           </a:p>
@@ -601,7 +601,7 @@
           <a:p>
             <a:fld id="{076171DA-D5DD-486B-A5F5-158E752AA603}" type="datetimeFigureOut">
               <a:rPr lang="en-US" smtClean="0"/>
-              <a:t>12/18/2024</a:t>
+              <a:t>12/19/2024</a:t>
             </a:fld>
             <a:endParaRPr lang="en-US"/>
           </a:p>
@@ -769,7 +769,7 @@
           <a:p>
             <a:fld id="{076171DA-D5DD-486B-A5F5-158E752AA603}" type="datetimeFigureOut">
               <a:rPr lang="en-US" smtClean="0"/>
-              <a:t>12/18/2024</a:t>
+              <a:t>12/19/2024</a:t>
             </a:fld>
             <a:endParaRPr lang="en-US"/>
           </a:p>
@@ -1014,7 +1014,7 @@
           <a:p>
             <a:fld id="{076171DA-D5DD-486B-A5F5-158E752AA603}" type="datetimeFigureOut">
               <a:rPr lang="en-US" smtClean="0"/>
-              <a:t>12/18/2024</a:t>
+              <a:t>12/19/2024</a:t>
             </a:fld>
             <a:endParaRPr lang="en-US"/>
           </a:p>
@@ -1243,7 +1243,7 @@
           <a:p>
             <a:fld id="{076171DA-D5DD-486B-A5F5-158E752AA603}" type="datetimeFigureOut">
               <a:rPr lang="en-US" smtClean="0"/>
-              <a:t>12/18/2024</a:t>
+              <a:t>12/19/2024</a:t>
             </a:fld>
             <a:endParaRPr lang="en-US"/>
           </a:p>
@@ -1607,7 +1607,7 @@
           <a:p>
             <a:fld id="{076171DA-D5DD-486B-A5F5-158E752AA603}" type="datetimeFigureOut">
               <a:rPr lang="en-US" smtClean="0"/>
-              <a:t>12/18/2024</a:t>
+              <a:t>12/19/2024</a:t>
             </a:fld>
             <a:endParaRPr lang="en-US"/>
           </a:p>
@@ -1724,7 +1724,7 @@
           <a:p>
             <a:fld id="{076171DA-D5DD-486B-A5F5-158E752AA603}" type="datetimeFigureOut">
               <a:rPr lang="en-US" smtClean="0"/>
-              <a:t>12/18/2024</a:t>
+              <a:t>12/19/2024</a:t>
             </a:fld>
             <a:endParaRPr lang="en-US"/>
           </a:p>
@@ -1819,7 +1819,7 @@
           <a:p>
             <a:fld id="{076171DA-D5DD-486B-A5F5-158E752AA603}" type="datetimeFigureOut">
               <a:rPr lang="en-US" smtClean="0"/>
-              <a:t>12/18/2024</a:t>
+              <a:t>12/19/2024</a:t>
             </a:fld>
             <a:endParaRPr lang="en-US"/>
           </a:p>
@@ -2094,7 +2094,7 @@
           <a:p>
             <a:fld id="{076171DA-D5DD-486B-A5F5-158E752AA603}" type="datetimeFigureOut">
               <a:rPr lang="en-US" smtClean="0"/>
-              <a:t>12/18/2024</a:t>
+              <a:t>12/19/2024</a:t>
             </a:fld>
             <a:endParaRPr lang="en-US"/>
           </a:p>
@@ -2346,7 +2346,7 @@
           <a:p>
             <a:fld id="{076171DA-D5DD-486B-A5F5-158E752AA603}" type="datetimeFigureOut">
               <a:rPr lang="en-US" smtClean="0"/>
-              <a:t>12/18/2024</a:t>
+              <a:t>12/19/2024</a:t>
             </a:fld>
             <a:endParaRPr lang="en-US"/>
           </a:p>
@@ -2557,7 +2557,7 @@
           <a:p>
             <a:fld id="{076171DA-D5DD-486B-A5F5-158E752AA603}" type="datetimeFigureOut">
               <a:rPr lang="en-US" smtClean="0"/>
-              <a:t>12/18/2024</a:t>
+              <a:t>12/19/2024</a:t>
             </a:fld>
             <a:endParaRPr lang="en-US"/>
           </a:p>
@@ -2962,52 +2962,160 @@
           <a:chExt cx="0" cy="0"/>
         </a:xfrm>
       </p:grpSpPr>
-      <p:cxnSp>
-        <p:nvCxnSpPr>
-          <p:cNvPr id="105" name="Connector: Elbow 104">
+      <p:sp>
+        <p:nvSpPr>
+          <p:cNvPr id="126" name="Isosceles Triangle 125">
             <a:extLst>
               <a:ext uri="{FF2B5EF4-FFF2-40B4-BE49-F238E27FC236}">
-                <a16:creationId xmlns:a16="http://schemas.microsoft.com/office/drawing/2014/main" id="{DD7357C7-45BF-4B32-878E-2B29C1CE973B}"/>
+                <a16:creationId xmlns:a16="http://schemas.microsoft.com/office/drawing/2014/main" id="{DA209C68-37CB-41EF-BBB7-FC19B46B6FEA}"/>
               </a:ext>
             </a:extLst>
           </p:cNvPr>
-          <p:cNvCxnSpPr/>
+          <p:cNvSpPr/>
           <p:nvPr/>
-        </p:nvCxnSpPr>
-        <p:spPr>
-          <a:xfrm rot="5400000">
-            <a:off x="4021358" y="3593537"/>
-            <a:ext cx="1379308" cy="163038"/>
-          </a:xfrm>
-          <a:prstGeom prst="bentConnector3">
+        </p:nvSpPr>
+        <p:spPr bwMode="auto">
+          <a:xfrm rot="18591364">
+            <a:off x="2336310" y="4688813"/>
+            <a:ext cx="310894" cy="156653"/>
+          </a:xfrm>
+          <a:prstGeom prst="triangle">
             <a:avLst>
-              <a:gd name="adj1" fmla="val 279"/>
+              <a:gd name="adj" fmla="val 51093"/>
             </a:avLst>
           </a:prstGeom>
-          <a:ln w="25400">
-            <a:solidFill>
-              <a:srgbClr val="00B050"/>
-            </a:solidFill>
+          <a:solidFill>
+            <a:srgbClr val="E5E6E8"/>
+          </a:solidFill>
+          <a:ln w="9525" cap="flat" cmpd="sng" algn="ctr">
+            <a:noFill/>
             <a:prstDash val="solid"/>
-            <a:headEnd type="none"/>
-            <a:tailEnd type="none"/>
+            <a:round/>
+            <a:headEnd type="none" w="med" len="med"/>
+            <a:tailEnd type="arrow" w="med" len="med"/>
           </a:ln>
-        </p:spPr>
-        <p:style>
-          <a:lnRef idx="1">
-            <a:schemeClr val="accent1"/>
-          </a:lnRef>
-          <a:fillRef idx="0">
-            <a:schemeClr val="accent1"/>
-          </a:fillRef>
-          <a:effectRef idx="0">
-            <a:schemeClr val="accent1"/>
-          </a:effectRef>
-          <a:fontRef idx="minor">
-            <a:schemeClr val="tx1"/>
-          </a:fontRef>
-        </p:style>
-      </p:cxnSp>
+          <a:effectLst/>
+        </p:spPr>
+        <p:txBody>
+          <a:bodyPr vert="horz" wrap="square" lIns="90000" tIns="46800" rIns="36000" bIns="46800" numCol="1" rtlCol="0" anchor="t" anchorCtr="0" compatLnSpc="1">
+            <a:prstTxWarp prst="textNoShape">
+              <a:avLst/>
+            </a:prstTxWarp>
+            <a:spAutoFit/>
+          </a:bodyPr>
+          <a:lstStyle/>
+          <a:p>
+            <a:pPr marL="0" marR="0" lvl="0" indent="0" defTabSz="914400" eaLnBrk="0" fontAlgn="base" latinLnBrk="0" hangingPunct="0">
+              <a:lnSpc>
+                <a:spcPct val="100000"/>
+              </a:lnSpc>
+              <a:spcBef>
+                <a:spcPct val="50000"/>
+              </a:spcBef>
+              <a:spcAft>
+                <a:spcPct val="0"/>
+              </a:spcAft>
+              <a:buClrTx/>
+              <a:buSzTx/>
+              <a:buFontTx/>
+              <a:buNone/>
+              <a:tabLst/>
+              <a:defRPr/>
+            </a:pPr>
+            <a:endParaRPr kumimoji="0" lang="en-US" sz="1600" b="0" i="0" u="none" strike="noStrike" kern="0" cap="none" spc="0" normalizeH="0" baseline="0" noProof="0">
+              <a:ln>
+                <a:noFill/>
+              </a:ln>
+              <a:solidFill>
+                <a:srgbClr val="120C80"/>
+              </a:solidFill>
+              <a:effectLst/>
+              <a:uLnTx/>
+              <a:uFillTx/>
+              <a:latin typeface="Arial" charset="0"/>
+              <a:cs typeface="Arial" charset="0"/>
+            </a:endParaRPr>
+          </a:p>
+        </p:txBody>
+      </p:sp>
+      <p:sp>
+        <p:nvSpPr>
+          <p:cNvPr id="125" name="Block Arc 124">
+            <a:extLst>
+              <a:ext uri="{FF2B5EF4-FFF2-40B4-BE49-F238E27FC236}">
+                <a16:creationId xmlns:a16="http://schemas.microsoft.com/office/drawing/2014/main" id="{88EF98FD-1B06-42E9-8C38-807E03EE1DEB}"/>
+              </a:ext>
+            </a:extLst>
+          </p:cNvPr>
+          <p:cNvSpPr/>
+          <p:nvPr/>
+        </p:nvSpPr>
+        <p:spPr bwMode="auto">
+          <a:xfrm rot="10800000">
+            <a:off x="2307978" y="3814290"/>
+            <a:ext cx="1142268" cy="1209159"/>
+          </a:xfrm>
+          <a:prstGeom prst="blockArc">
+            <a:avLst>
+              <a:gd name="adj1" fmla="val 20700548"/>
+              <a:gd name="adj2" fmla="val 18571853"/>
+              <a:gd name="adj3" fmla="val 13492"/>
+            </a:avLst>
+          </a:prstGeom>
+          <a:solidFill>
+            <a:srgbClr val="E5E6E8"/>
+          </a:solidFill>
+          <a:ln w="9525" cap="flat" cmpd="sng" algn="ctr">
+            <a:noFill/>
+            <a:prstDash val="solid"/>
+            <a:round/>
+            <a:headEnd type="none" w="med" len="med"/>
+            <a:tailEnd type="arrow" w="med" len="med"/>
+          </a:ln>
+          <a:effectLst/>
+        </p:spPr>
+        <p:txBody>
+          <a:bodyPr vert="horz" wrap="square" lIns="90000" tIns="46800" rIns="36000" bIns="46800" numCol="1" rtlCol="0" anchor="t" anchorCtr="0" compatLnSpc="1">
+            <a:prstTxWarp prst="textNoShape">
+              <a:avLst/>
+            </a:prstTxWarp>
+            <a:spAutoFit/>
+          </a:bodyPr>
+          <a:lstStyle/>
+          <a:p>
+            <a:pPr marL="0" marR="0" lvl="0" indent="0" defTabSz="914400" eaLnBrk="0" fontAlgn="base" latinLnBrk="0" hangingPunct="0">
+              <a:lnSpc>
+                <a:spcPct val="100000"/>
+              </a:lnSpc>
+              <a:spcBef>
+                <a:spcPct val="50000"/>
+              </a:spcBef>
+              <a:spcAft>
+                <a:spcPct val="0"/>
+              </a:spcAft>
+              <a:buClrTx/>
+              <a:buSzTx/>
+              <a:buFontTx/>
+              <a:buNone/>
+              <a:tabLst/>
+              <a:defRPr/>
+            </a:pPr>
+            <a:endParaRPr kumimoji="0" lang="en-US" sz="1600" b="0" i="0" u="none" strike="noStrike" kern="0" cap="none" spc="0" normalizeH="0" baseline="0" noProof="0">
+              <a:ln>
+                <a:noFill/>
+              </a:ln>
+              <a:solidFill>
+                <a:srgbClr val="120C80"/>
+              </a:solidFill>
+              <a:effectLst/>
+              <a:uLnTx/>
+              <a:uFillTx/>
+              <a:latin typeface="Arial" charset="0"/>
+              <a:cs typeface="Arial" charset="0"/>
+            </a:endParaRPr>
+          </a:p>
+        </p:txBody>
+      </p:sp>
       <p:sp>
         <p:nvSpPr>
           <p:cNvPr id="6" name="Block Arc 5"/>
@@ -3080,6 +3188,106 @@
           </a:p>
         </p:txBody>
       </p:sp>
+      <p:sp>
+        <p:nvSpPr>
+          <p:cNvPr id="34" name="Rectangle 33">
+            <a:extLst>
+              <a:ext uri="{FF2B5EF4-FFF2-40B4-BE49-F238E27FC236}">
+                <a16:creationId xmlns:a16="http://schemas.microsoft.com/office/drawing/2014/main" id="{AF96B3EC-AB20-445F-A5A5-58A3382985F4}"/>
+              </a:ext>
+            </a:extLst>
+          </p:cNvPr>
+          <p:cNvSpPr/>
+          <p:nvPr/>
+        </p:nvSpPr>
+        <p:spPr>
+          <a:xfrm>
+            <a:off x="8292984" y="3612904"/>
+            <a:ext cx="1342169" cy="1559842"/>
+          </a:xfrm>
+          <a:prstGeom prst="rect">
+            <a:avLst/>
+          </a:prstGeom>
+          <a:solidFill>
+            <a:schemeClr val="bg1"/>
+          </a:solidFill>
+          <a:ln w="15875">
+            <a:solidFill>
+              <a:srgbClr val="FF0000"/>
+            </a:solidFill>
+          </a:ln>
+        </p:spPr>
+        <p:style>
+          <a:lnRef idx="2">
+            <a:schemeClr val="accent1">
+              <a:shade val="50000"/>
+            </a:schemeClr>
+          </a:lnRef>
+          <a:fillRef idx="1">
+            <a:schemeClr val="accent1"/>
+          </a:fillRef>
+          <a:effectRef idx="0">
+            <a:schemeClr val="accent1"/>
+          </a:effectRef>
+          <a:fontRef idx="minor">
+            <a:schemeClr val="lt1"/>
+          </a:fontRef>
+        </p:style>
+        <p:txBody>
+          <a:bodyPr rtlCol="0" anchor="ctr"/>
+          <a:lstStyle/>
+          <a:p>
+            <a:pPr algn="ctr"/>
+            <a:endParaRPr lang="en-150"/>
+          </a:p>
+        </p:txBody>
+      </p:sp>
+      <p:cxnSp>
+        <p:nvCxnSpPr>
+          <p:cNvPr id="105" name="Connector: Elbow 104">
+            <a:extLst>
+              <a:ext uri="{FF2B5EF4-FFF2-40B4-BE49-F238E27FC236}">
+                <a16:creationId xmlns:a16="http://schemas.microsoft.com/office/drawing/2014/main" id="{DD7357C7-45BF-4B32-878E-2B29C1CE973B}"/>
+              </a:ext>
+            </a:extLst>
+          </p:cNvPr>
+          <p:cNvCxnSpPr/>
+          <p:nvPr/>
+        </p:nvCxnSpPr>
+        <p:spPr>
+          <a:xfrm rot="5400000">
+            <a:off x="4021358" y="3593537"/>
+            <a:ext cx="1379308" cy="163038"/>
+          </a:xfrm>
+          <a:prstGeom prst="bentConnector3">
+            <a:avLst>
+              <a:gd name="adj1" fmla="val 279"/>
+            </a:avLst>
+          </a:prstGeom>
+          <a:ln w="25400">
+            <a:solidFill>
+              <a:srgbClr val="00B050"/>
+            </a:solidFill>
+            <a:prstDash val="solid"/>
+            <a:headEnd type="none"/>
+            <a:tailEnd type="none"/>
+          </a:ln>
+        </p:spPr>
+        <p:style>
+          <a:lnRef idx="1">
+            <a:schemeClr val="accent1"/>
+          </a:lnRef>
+          <a:fillRef idx="0">
+            <a:schemeClr val="accent1"/>
+          </a:fillRef>
+          <a:effectRef idx="0">
+            <a:schemeClr val="accent1"/>
+          </a:effectRef>
+          <a:fontRef idx="minor">
+            <a:schemeClr val="tx1"/>
+          </a:fontRef>
+        </p:style>
+      </p:cxnSp>
       <p:cxnSp>
         <p:nvCxnSpPr>
           <p:cNvPr id="39" name="Gewinkelte Verbindung 26"/>
@@ -3132,7 +3340,7 @@
         </p:blipFill>
         <p:spPr>
           <a:xfrm>
-            <a:off x="8630493" y="2271526"/>
+            <a:off x="8614574" y="2276467"/>
             <a:ext cx="1017902" cy="340483"/>
           </a:xfrm>
           <a:prstGeom prst="rect">
@@ -3148,7 +3356,7 @@
         </p:nvSpPr>
         <p:spPr bwMode="auto">
           <a:xfrm rot="21273394">
-            <a:off x="3455879" y="3425015"/>
+            <a:off x="3444763" y="3425015"/>
             <a:ext cx="585548" cy="362639"/>
           </a:xfrm>
           <a:prstGeom prst="triangle">
@@ -3210,78 +3418,24 @@
           </a:p>
         </p:txBody>
       </p:sp>
-      <p:pic>
-        <p:nvPicPr>
-          <p:cNvPr id="9" name="Picture 2"/>
-          <p:cNvPicPr>
-            <a:picLocks noChangeAspect="1" noChangeArrowheads="1"/>
-          </p:cNvPicPr>
+      <p:sp>
+        <p:nvSpPr>
+          <p:cNvPr id="10" name="TextBox 9"/>
+          <p:cNvSpPr txBox="1"/>
           <p:nvPr/>
-        </p:nvPicPr>
-        <p:blipFill>
-          <a:blip r:embed="rId7">
-            <a:extLst>
-              <a:ext uri="{28A0092B-C50C-407E-A947-70E740481C1C}">
-                <a14:useLocalDpi xmlns:a14="http://schemas.microsoft.com/office/drawing/2010/main" val="0"/>
-              </a:ext>
-            </a:extLst>
-          </a:blip>
-          <a:srcRect/>
-          <a:stretch>
-            <a:fillRect/>
-          </a:stretch>
-        </p:blipFill>
-        <p:spPr bwMode="auto">
+        </p:nvSpPr>
+        <p:spPr>
           <a:xfrm>
-            <a:off x="2235200" y="3087936"/>
-            <a:ext cx="988547" cy="979450"/>
+            <a:off x="2410216" y="4036762"/>
+            <a:ext cx="658835" cy="369332"/>
           </a:xfrm>
           <a:prstGeom prst="rect">
             <a:avLst/>
           </a:prstGeom>
           <a:noFill/>
-          <a:ln>
-            <a:noFill/>
-          </a:ln>
-          <a:extLst>
-            <a:ext uri="{909E8E84-426E-40DD-AFC4-6F175D3DCCD1}">
-              <a14:hiddenFill xmlns:a14="http://schemas.microsoft.com/office/drawing/2010/main">
-                <a:solidFill>
-                  <a:schemeClr val="accent1"/>
-                </a:solidFill>
-              </a14:hiddenFill>
-            </a:ext>
-            <a:ext uri="{91240B29-F687-4F45-9708-019B960494DF}">
-              <a14:hiddenLine xmlns:a14="http://schemas.microsoft.com/office/drawing/2010/main" w="9525">
-                <a:solidFill>
-                  <a:schemeClr val="tx1"/>
-                </a:solidFill>
-                <a:miter lim="800000"/>
-                <a:headEnd/>
-                <a:tailEnd/>
-              </a14:hiddenLine>
-            </a:ext>
-          </a:extLst>
-        </p:spPr>
-      </p:pic>
-      <p:sp>
-        <p:nvSpPr>
-          <p:cNvPr id="10" name="TextBox 9"/>
-          <p:cNvSpPr txBox="1"/>
-          <p:nvPr/>
-        </p:nvSpPr>
-        <p:spPr>
-          <a:xfrm>
-            <a:off x="2307723" y="4071682"/>
-            <a:ext cx="843501" cy="461665"/>
-          </a:xfrm>
-          <a:prstGeom prst="rect">
-            <a:avLst/>
-          </a:prstGeom>
-          <a:noFill/>
-        </p:spPr>
-        <p:txBody>
-          <a:bodyPr wrap="none" rtlCol="0">
+        </p:spPr>
+        <p:txBody>
+          <a:bodyPr wrap="none" lIns="0" tIns="0" rIns="0" bIns="0" rtlCol="0">
             <a:spAutoFit/>
           </a:bodyPr>
           <a:lstStyle/>
@@ -3338,12 +3492,12 @@
         </p:nvCxnSpPr>
         <p:spPr>
           <a:xfrm flipH="1">
-            <a:off x="6185834" y="2822321"/>
-            <a:ext cx="1263052" cy="1075750"/>
+            <a:off x="6195918" y="2822321"/>
+            <a:ext cx="1252968" cy="1152779"/>
           </a:xfrm>
           <a:prstGeom prst="bentConnector3">
             <a:avLst>
-              <a:gd name="adj1" fmla="val -44619"/>
+              <a:gd name="adj1" fmla="val -45106"/>
             </a:avLst>
           </a:prstGeom>
           <a:noFill/>
@@ -3370,7 +3524,7 @@
           </p:nvPr>
         </p:nvPicPr>
         <p:blipFill rotWithShape="1">
-          <a:blip r:embed="rId8" cstate="print">
+          <a:blip r:embed="rId7" cstate="print">
             <a:extLst>
               <a:ext uri="{28A0092B-C50C-407E-A947-70E740481C1C}">
                 <a14:useLocalDpi xmlns:a14="http://schemas.microsoft.com/office/drawing/2010/main" val="0"/>
@@ -3382,16 +3536,14 @@
         </p:blipFill>
         <p:spPr>
           <a:xfrm>
-            <a:off x="8592744" y="3548729"/>
+            <a:off x="8431403" y="3663700"/>
             <a:ext cx="1120037" cy="719888"/>
           </a:xfrm>
           <a:prstGeom prst="rect">
             <a:avLst/>
           </a:prstGeom>
           <a:ln>
-            <a:solidFill>
-              <a:srgbClr val="FF0000"/>
-            </a:solidFill>
+            <a:noFill/>
           </a:ln>
         </p:spPr>
       </p:pic>
@@ -3399,7 +3551,6 @@
         <p:nvCxnSpPr>
           <p:cNvPr id="21" name="Gewinkelte Verbindung 26"/>
           <p:cNvCxnSpPr>
-            <a:stCxn id="9" idx="3"/>
             <a:endCxn id="32" idx="1"/>
           </p:cNvCxnSpPr>
           <p:nvPr/>
@@ -3436,12 +3587,12 @@
         </p:nvCxnSpPr>
         <p:spPr>
           <a:xfrm>
-            <a:off x="6190196" y="3443492"/>
-            <a:ext cx="408006" cy="206456"/>
+            <a:off x="6190196" y="3443493"/>
+            <a:ext cx="408005" cy="276306"/>
           </a:xfrm>
           <a:prstGeom prst="bentConnector3">
             <a:avLst>
-              <a:gd name="adj1" fmla="val 48057"/>
+              <a:gd name="adj1" fmla="val 48444"/>
             </a:avLst>
           </a:prstGeom>
           <a:noFill/>
@@ -3459,7 +3610,6 @@
         <p:nvCxnSpPr>
           <p:cNvPr id="33" name="Gewinkelte Verbindung 26"/>
           <p:cNvCxnSpPr>
-            <a:stCxn id="9" idx="3"/>
             <a:endCxn id="18" idx="1"/>
           </p:cNvCxnSpPr>
           <p:nvPr/>
@@ -3523,8 +3673,8 @@
         </p:nvSpPr>
         <p:spPr>
           <a:xfrm>
-            <a:off x="8827988" y="2815315"/>
-            <a:ext cx="1145489" cy="400110"/>
+            <a:off x="8292514" y="3305664"/>
+            <a:ext cx="539492" cy="307777"/>
           </a:xfrm>
           <a:prstGeom prst="rect">
             <a:avLst/>
@@ -3532,12 +3682,12 @@
           <a:noFill/>
         </p:spPr>
         <p:txBody>
-          <a:bodyPr wrap="square" rtlCol="0">
+          <a:bodyPr wrap="square" lIns="0" tIns="0" rIns="0" bIns="0" rtlCol="0">
             <a:spAutoFit/>
           </a:bodyPr>
           <a:lstStyle/>
           <a:p>
-            <a:pPr algn="ctr" eaLnBrk="0" fontAlgn="base" hangingPunct="0">
+            <a:pPr eaLnBrk="0" fontAlgn="base" hangingPunct="0">
               <a:spcBef>
                 <a:spcPct val="0"/>
               </a:spcBef>
@@ -4086,12 +4236,12 @@
         </p:nvCxnSpPr>
         <p:spPr>
           <a:xfrm rot="5400000" flipH="1" flipV="1">
-            <a:off x="5994337" y="2638390"/>
-            <a:ext cx="2561063" cy="2157901"/>
+            <a:off x="5901279" y="2744001"/>
+            <a:ext cx="2565404" cy="1951020"/>
           </a:xfrm>
           <a:prstGeom prst="bentConnector3">
             <a:avLst>
-              <a:gd name="adj1" fmla="val -581"/>
+              <a:gd name="adj1" fmla="val 62"/>
             </a:avLst>
           </a:prstGeom>
           <a:noFill/>
@@ -4115,7 +4265,7 @@
         </p:nvCxnSpPr>
         <p:spPr>
           <a:xfrm flipV="1">
-            <a:off x="6185834" y="2441768"/>
+            <a:off x="6169915" y="2446709"/>
             <a:ext cx="2444659" cy="180277"/>
           </a:xfrm>
           <a:prstGeom prst="bentConnector3">
@@ -4137,6 +4287,36 @@
       <p:pic>
         <p:nvPicPr>
           <p:cNvPr id="2" name="Picture 1"/>
+          <p:cNvPicPr>
+            <a:picLocks noChangeAspect="1"/>
+          </p:cNvPicPr>
+          <p:nvPr/>
+        </p:nvPicPr>
+        <p:blipFill>
+          <a:blip r:embed="rId8" cstate="print">
+            <a:extLst>
+              <a:ext uri="{28A0092B-C50C-407E-A947-70E740481C1C}">
+                <a14:useLocalDpi xmlns:a14="http://schemas.microsoft.com/office/drawing/2010/main" val="0"/>
+              </a:ext>
+            </a:extLst>
+          </a:blip>
+          <a:stretch>
+            <a:fillRect/>
+          </a:stretch>
+        </p:blipFill>
+        <p:spPr>
+          <a:xfrm>
+            <a:off x="6598201" y="3505901"/>
+            <a:ext cx="1186323" cy="427795"/>
+          </a:xfrm>
+          <a:prstGeom prst="rect">
+            <a:avLst/>
+          </a:prstGeom>
+        </p:spPr>
+      </p:pic>
+      <p:pic>
+        <p:nvPicPr>
+          <p:cNvPr id="76" name="Picture 75"/>
           <p:cNvPicPr>
             <a:picLocks noChangeAspect="1"/>
           </p:cNvPicPr>
@@ -4156,36 +4336,6 @@
         </p:blipFill>
         <p:spPr>
           <a:xfrm>
-            <a:off x="6598201" y="3436051"/>
-            <a:ext cx="1186323" cy="427795"/>
-          </a:xfrm>
-          <a:prstGeom prst="rect">
-            <a:avLst/>
-          </a:prstGeom>
-        </p:spPr>
-      </p:pic>
-      <p:pic>
-        <p:nvPicPr>
-          <p:cNvPr id="76" name="Picture 75"/>
-          <p:cNvPicPr>
-            <a:picLocks noChangeAspect="1"/>
-          </p:cNvPicPr>
-          <p:nvPr/>
-        </p:nvPicPr>
-        <p:blipFill>
-          <a:blip r:embed="rId10" cstate="print">
-            <a:extLst>
-              <a:ext uri="{28A0092B-C50C-407E-A947-70E740481C1C}">
-                <a14:useLocalDpi xmlns:a14="http://schemas.microsoft.com/office/drawing/2010/main" val="0"/>
-              </a:ext>
-            </a:extLst>
-          </a:blip>
-          <a:stretch>
-            <a:fillRect/>
-          </a:stretch>
-        </p:blipFill>
-        <p:spPr>
-          <a:xfrm>
             <a:off x="6931624" y="2563690"/>
             <a:ext cx="517262" cy="517262"/>
           </a:xfrm>
@@ -4287,6 +4437,86 @@
       <p:pic>
         <p:nvPicPr>
           <p:cNvPr id="32" name="Picture 31"/>
+          <p:cNvPicPr>
+            <a:picLocks noChangeAspect="1"/>
+          </p:cNvPicPr>
+          <p:nvPr/>
+        </p:nvPicPr>
+        <p:blipFill>
+          <a:blip r:embed="rId10">
+            <a:extLst>
+              <a:ext uri="{28A0092B-C50C-407E-A947-70E740481C1C}">
+                <a14:useLocalDpi xmlns:a14="http://schemas.microsoft.com/office/drawing/2010/main" val="0"/>
+              </a:ext>
+            </a:extLst>
+          </a:blip>
+          <a:stretch>
+            <a:fillRect/>
+          </a:stretch>
+        </p:blipFill>
+        <p:spPr>
+          <a:xfrm>
+            <a:off x="3588449" y="4020229"/>
+            <a:ext cx="637764" cy="410763"/>
+          </a:xfrm>
+          <a:prstGeom prst="rect">
+            <a:avLst/>
+          </a:prstGeom>
+        </p:spPr>
+      </p:pic>
+      <p:sp>
+        <p:nvSpPr>
+          <p:cNvPr id="78" name="TextBox 77"/>
+          <p:cNvSpPr txBox="1"/>
+          <p:nvPr/>
+        </p:nvSpPr>
+        <p:spPr>
+          <a:xfrm>
+            <a:off x="3507919" y="4418096"/>
+            <a:ext cx="798824" cy="276999"/>
+          </a:xfrm>
+          <a:prstGeom prst="rect">
+            <a:avLst/>
+          </a:prstGeom>
+          <a:noFill/>
+        </p:spPr>
+        <p:txBody>
+          <a:bodyPr wrap="square" lIns="0" rIns="0" rtlCol="0">
+            <a:spAutoFit/>
+          </a:bodyPr>
+          <a:lstStyle/>
+          <a:p>
+            <a:pPr algn="ctr" eaLnBrk="0" fontAlgn="base" hangingPunct="0">
+              <a:spcBef>
+                <a:spcPct val="0"/>
+              </a:spcBef>
+              <a:spcAft>
+                <a:spcPct val="0"/>
+              </a:spcAft>
+            </a:pPr>
+            <a:r>
+              <a:rPr lang="en-US" sz="1200" b="1" dirty="0" err="1">
+                <a:solidFill>
+                  <a:srgbClr val="5E676E"/>
+                </a:solidFill>
+                <a:latin typeface="Arial" panose="020B0604020202020204" pitchFamily="34" charset="0"/>
+                <a:cs typeface="Arial" panose="020B0604020202020204" pitchFamily="34" charset="0"/>
+              </a:rPr>
+              <a:t>Dymola</a:t>
+            </a:r>
+            <a:endParaRPr lang="en-US" sz="1200" b="1" dirty="0">
+              <a:solidFill>
+                <a:srgbClr val="5E676E"/>
+              </a:solidFill>
+              <a:latin typeface="Arial" panose="020B0604020202020204" pitchFamily="34" charset="0"/>
+              <a:cs typeface="Arial" panose="020B0604020202020204" pitchFamily="34" charset="0"/>
+            </a:endParaRPr>
+          </a:p>
+        </p:txBody>
+      </p:sp>
+      <p:pic>
+        <p:nvPicPr>
+          <p:cNvPr id="18" name="Picture 17"/>
           <p:cNvPicPr>
             <a:picLocks noChangeAspect="1"/>
           </p:cNvPicPr>
@@ -4306,86 +4536,6 @@
         </p:blipFill>
         <p:spPr>
           <a:xfrm>
-            <a:off x="3588449" y="4020229"/>
-            <a:ext cx="637764" cy="410763"/>
-          </a:xfrm>
-          <a:prstGeom prst="rect">
-            <a:avLst/>
-          </a:prstGeom>
-        </p:spPr>
-      </p:pic>
-      <p:sp>
-        <p:nvSpPr>
-          <p:cNvPr id="78" name="TextBox 77"/>
-          <p:cNvSpPr txBox="1"/>
-          <p:nvPr/>
-        </p:nvSpPr>
-        <p:spPr>
-          <a:xfrm>
-            <a:off x="3507919" y="4418096"/>
-            <a:ext cx="798824" cy="276999"/>
-          </a:xfrm>
-          <a:prstGeom prst="rect">
-            <a:avLst/>
-          </a:prstGeom>
-          <a:noFill/>
-        </p:spPr>
-        <p:txBody>
-          <a:bodyPr wrap="square" lIns="0" rIns="0" rtlCol="0">
-            <a:spAutoFit/>
-          </a:bodyPr>
-          <a:lstStyle/>
-          <a:p>
-            <a:pPr algn="ctr" eaLnBrk="0" fontAlgn="base" hangingPunct="0">
-              <a:spcBef>
-                <a:spcPct val="0"/>
-              </a:spcBef>
-              <a:spcAft>
-                <a:spcPct val="0"/>
-              </a:spcAft>
-            </a:pPr>
-            <a:r>
-              <a:rPr lang="en-US" sz="1200" b="1" dirty="0" err="1">
-                <a:solidFill>
-                  <a:srgbClr val="5E676E"/>
-                </a:solidFill>
-                <a:latin typeface="Arial" panose="020B0604020202020204" pitchFamily="34" charset="0"/>
-                <a:cs typeface="Arial" panose="020B0604020202020204" pitchFamily="34" charset="0"/>
-              </a:rPr>
-              <a:t>Dymola</a:t>
-            </a:r>
-            <a:endParaRPr lang="en-US" sz="1200" b="1" dirty="0">
-              <a:solidFill>
-                <a:srgbClr val="5E676E"/>
-              </a:solidFill>
-              <a:latin typeface="Arial" panose="020B0604020202020204" pitchFamily="34" charset="0"/>
-              <a:cs typeface="Arial" panose="020B0604020202020204" pitchFamily="34" charset="0"/>
-            </a:endParaRPr>
-          </a:p>
-        </p:txBody>
-      </p:sp>
-      <p:pic>
-        <p:nvPicPr>
-          <p:cNvPr id="18" name="Picture 17"/>
-          <p:cNvPicPr>
-            <a:picLocks noChangeAspect="1"/>
-          </p:cNvPicPr>
-          <p:nvPr/>
-        </p:nvPicPr>
-        <p:blipFill>
-          <a:blip r:embed="rId12">
-            <a:extLst>
-              <a:ext uri="{28A0092B-C50C-407E-A947-70E740481C1C}">
-                <a14:useLocalDpi xmlns:a14="http://schemas.microsoft.com/office/drawing/2010/main" val="0"/>
-              </a:ext>
-            </a:extLst>
-          </a:blip>
-          <a:stretch>
-            <a:fillRect/>
-          </a:stretch>
-        </p:blipFill>
-        <p:spPr>
-          <a:xfrm>
             <a:off x="3591190" y="2436808"/>
             <a:ext cx="676612" cy="676612"/>
           </a:xfrm>
@@ -4469,46 +4619,16 @@
       </p:cxnSp>
       <p:cxnSp>
         <p:nvCxnSpPr>
-          <p:cNvPr id="75" name="Gewinkelte Verbindung 26"/>
+          <p:cNvPr id="114" name="Straight Arrow Connector 113"/>
           <p:cNvCxnSpPr>
-            <a:endCxn id="3" idx="1"/>
+            <a:cxnSpLocks/>
           </p:cNvCxnSpPr>
           <p:nvPr/>
         </p:nvCxnSpPr>
         <p:spPr>
           <a:xfrm>
-            <a:off x="6185352" y="4149957"/>
-            <a:ext cx="774055" cy="90202"/>
-          </a:xfrm>
-          <a:prstGeom prst="bentConnector3">
-            <a:avLst>
-              <a:gd name="adj1" fmla="val 26005"/>
-            </a:avLst>
-          </a:prstGeom>
-          <a:noFill/>
-          <a:ln w="25400" cap="flat" cmpd="sng" algn="ctr">
-            <a:solidFill>
-              <a:srgbClr val="0070C0"/>
-            </a:solidFill>
-            <a:prstDash val="solid"/>
-            <a:tailEnd type="arrow"/>
-          </a:ln>
-          <a:effectLst/>
-        </p:spPr>
-      </p:cxnSp>
-      <p:cxnSp>
-        <p:nvCxnSpPr>
-          <p:cNvPr id="114" name="Straight Arrow Connector 113"/>
-          <p:cNvCxnSpPr>
-            <a:stCxn id="4" idx="2"/>
-            <a:endCxn id="14" idx="0"/>
-          </p:cNvCxnSpPr>
-          <p:nvPr/>
-        </p:nvCxnSpPr>
-        <p:spPr>
-          <a:xfrm>
-            <a:off x="9139444" y="2612009"/>
-            <a:ext cx="13319" cy="936720"/>
+            <a:off x="8902593" y="2608557"/>
+            <a:ext cx="0" cy="1003094"/>
           </a:xfrm>
           <a:prstGeom prst="straightConnector1">
             <a:avLst/>
@@ -4546,6 +4666,36 @@
           <p:nvPr/>
         </p:nvPicPr>
         <p:blipFill>
+          <a:blip r:embed="rId12" cstate="print">
+            <a:extLst>
+              <a:ext uri="{28A0092B-C50C-407E-A947-70E740481C1C}">
+                <a14:useLocalDpi xmlns:a14="http://schemas.microsoft.com/office/drawing/2010/main" val="0"/>
+              </a:ext>
+            </a:extLst>
+          </a:blip>
+          <a:stretch>
+            <a:fillRect/>
+          </a:stretch>
+        </p:blipFill>
+        <p:spPr>
+          <a:xfrm>
+            <a:off x="2235200" y="1897279"/>
+            <a:ext cx="2071543" cy="496119"/>
+          </a:xfrm>
+          <a:prstGeom prst="rect">
+            <a:avLst/>
+          </a:prstGeom>
+        </p:spPr>
+      </p:pic>
+      <p:pic>
+        <p:nvPicPr>
+          <p:cNvPr id="3" name="Picture 2"/>
+          <p:cNvPicPr>
+            <a:picLocks noChangeAspect="1"/>
+          </p:cNvPicPr>
+          <p:nvPr/>
+        </p:nvPicPr>
+        <p:blipFill>
           <a:blip r:embed="rId13" cstate="print">
             <a:extLst>
               <a:ext uri="{28A0092B-C50C-407E-A947-70E740481C1C}">
@@ -4559,44 +4709,14 @@
         </p:blipFill>
         <p:spPr>
           <a:xfrm>
-            <a:off x="2235200" y="1897279"/>
-            <a:ext cx="2071543" cy="496119"/>
+            <a:off x="6959407" y="4086557"/>
+            <a:ext cx="427854" cy="427854"/>
           </a:xfrm>
           <a:prstGeom prst="rect">
             <a:avLst/>
           </a:prstGeom>
         </p:spPr>
       </p:pic>
-      <p:pic>
-        <p:nvPicPr>
-          <p:cNvPr id="3" name="Picture 2"/>
-          <p:cNvPicPr>
-            <a:picLocks noChangeAspect="1"/>
-          </p:cNvPicPr>
-          <p:nvPr/>
-        </p:nvPicPr>
-        <p:blipFill>
-          <a:blip r:embed="rId14" cstate="print">
-            <a:extLst>
-              <a:ext uri="{28A0092B-C50C-407E-A947-70E740481C1C}">
-                <a14:useLocalDpi xmlns:a14="http://schemas.microsoft.com/office/drawing/2010/main" val="0"/>
-              </a:ext>
-            </a:extLst>
-          </a:blip>
-          <a:stretch>
-            <a:fillRect/>
-          </a:stretch>
-        </p:blipFill>
-        <p:spPr>
-          <a:xfrm>
-            <a:off x="6959407" y="4026232"/>
-            <a:ext cx="427854" cy="427854"/>
-          </a:xfrm>
-          <a:prstGeom prst="rect">
-            <a:avLst/>
-          </a:prstGeom>
-        </p:spPr>
-      </p:pic>
       <p:sp>
         <p:nvSpPr>
           <p:cNvPr id="42" name="TextBox 41"/>
@@ -4609,7 +4729,7 @@
         </p:nvSpPr>
         <p:spPr>
           <a:xfrm>
-            <a:off x="6510730" y="4474443"/>
+            <a:off x="6510730" y="4534768"/>
             <a:ext cx="1330941" cy="184666"/>
           </a:xfrm>
           <a:prstGeom prst="rect">
@@ -4668,38 +4788,6 @@
           </a:p>
         </p:txBody>
       </p:sp>
-      <p:cxnSp>
-        <p:nvCxnSpPr>
-          <p:cNvPr id="43" name="Gewinkelte Verbindung 26"/>
-          <p:cNvCxnSpPr>
-            <a:cxnSpLocks/>
-            <a:stCxn id="3" idx="3"/>
-          </p:cNvCxnSpPr>
-          <p:nvPr/>
-        </p:nvCxnSpPr>
-        <p:spPr>
-          <a:xfrm flipH="1">
-            <a:off x="6186943" y="4240159"/>
-            <a:ext cx="1200318" cy="117059"/>
-          </a:xfrm>
-          <a:prstGeom prst="bentConnector5">
-            <a:avLst>
-              <a:gd name="adj1" fmla="val -52373"/>
-              <a:gd name="adj2" fmla="val 378038"/>
-              <a:gd name="adj3" fmla="val 83562"/>
-            </a:avLst>
-          </a:prstGeom>
-          <a:noFill/>
-          <a:ln w="25400" cap="flat" cmpd="sng" algn="ctr">
-            <a:solidFill>
-              <a:srgbClr val="0070C0"/>
-            </a:solidFill>
-            <a:prstDash val="solid"/>
-            <a:tailEnd type="arrow"/>
-          </a:ln>
-          <a:effectLst/>
-        </p:spPr>
-      </p:cxnSp>
       <p:grpSp>
         <p:nvGrpSpPr>
           <p:cNvPr id="45" name="Group 44">
@@ -4716,7 +4804,7 @@
         </p:nvGrpSpPr>
         <p:grpSpPr>
           <a:xfrm>
-            <a:off x="8592746" y="4667133"/>
+            <a:off x="8431405" y="4688423"/>
             <a:ext cx="1120035" cy="358517"/>
             <a:chOff x="9739710" y="3166852"/>
             <a:chExt cx="1928150" cy="617191"/>
@@ -4737,7 +4825,7 @@
             <p:nvPr/>
           </p:nvPicPr>
           <p:blipFill>
-            <a:blip r:embed="rId15" cstate="print">
+            <a:blip r:embed="rId14" cstate="print">
               <a:extLst>
                 <a:ext uri="{28A0092B-C50C-407E-A947-70E740481C1C}">
                   <a14:useLocalDpi xmlns:a14="http://schemas.microsoft.com/office/drawing/2010/main" val="0"/>
@@ -4773,7 +4861,7 @@
             <p:nvPr/>
           </p:nvPicPr>
           <p:blipFill>
-            <a:blip r:embed="rId16" cstate="print">
+            <a:blip r:embed="rId15" cstate="print">
               <a:extLst>
                 <a:ext uri="{28A0092B-C50C-407E-A947-70E740481C1C}">
                   <a14:useLocalDpi xmlns:a14="http://schemas.microsoft.com/office/drawing/2010/main" val="0"/>
@@ -4814,14 +4902,14 @@
           </p:nvPr>
         </p:nvPicPr>
         <p:blipFill>
-          <a:blip r:embed="rId17"/>
+          <a:blip r:embed="rId16"/>
           <a:stretch>
             <a:fillRect/>
           </a:stretch>
         </p:blipFill>
         <p:spPr>
           <a:xfrm>
-            <a:off x="8592744" y="4394578"/>
+            <a:off x="8431403" y="4439688"/>
             <a:ext cx="1120037" cy="210097"/>
           </a:xfrm>
           <a:prstGeom prst="rect">
@@ -4829,42 +4917,6 @@
           </a:prstGeom>
         </p:spPr>
       </p:pic>
-      <p:cxnSp>
-        <p:nvCxnSpPr>
-          <p:cNvPr id="63" name="Gewinkelte Verbindung 26">
-            <a:extLst>
-              <a:ext uri="{FF2B5EF4-FFF2-40B4-BE49-F238E27FC236}">
-                <a16:creationId xmlns:a16="http://schemas.microsoft.com/office/drawing/2014/main" id="{ED02E10D-E5C3-4F12-BF1D-7207009FDC6B}"/>
-              </a:ext>
-            </a:extLst>
-          </p:cNvPr>
-          <p:cNvCxnSpPr>
-            <a:cxnSpLocks/>
-            <a:stCxn id="3" idx="3"/>
-          </p:cNvCxnSpPr>
-          <p:nvPr/>
-        </p:nvCxnSpPr>
-        <p:spPr>
-          <a:xfrm flipH="1">
-            <a:off x="6195918" y="4240159"/>
-            <a:ext cx="1191343" cy="622678"/>
-          </a:xfrm>
-          <a:prstGeom prst="bentConnector3">
-            <a:avLst>
-              <a:gd name="adj1" fmla="val -52635"/>
-            </a:avLst>
-          </a:prstGeom>
-          <a:noFill/>
-          <a:ln w="25400" cap="flat" cmpd="sng" algn="ctr">
-            <a:solidFill>
-              <a:srgbClr val="0070C0"/>
-            </a:solidFill>
-            <a:prstDash val="solid"/>
-            <a:tailEnd type="arrow"/>
-          </a:ln>
-          <a:effectLst/>
-        </p:spPr>
-      </p:cxnSp>
       <p:cxnSp>
         <p:nvCxnSpPr>
           <p:cNvPr id="94" name="Gewinkelte Verbindung 26">
@@ -4916,8 +4968,8 @@
         </p:nvSpPr>
         <p:spPr>
           <a:xfrm>
-            <a:off x="3931025" y="4678776"/>
-            <a:ext cx="1145489" cy="400110"/>
+            <a:off x="4267802" y="4734457"/>
+            <a:ext cx="504404" cy="307777"/>
           </a:xfrm>
           <a:prstGeom prst="rect">
             <a:avLst/>
@@ -4925,7 +4977,7 @@
           <a:noFill/>
         </p:spPr>
         <p:txBody>
-          <a:bodyPr wrap="square" rtlCol="0">
+          <a:bodyPr wrap="square" lIns="0" tIns="0" rIns="0" bIns="0" rtlCol="0">
             <a:spAutoFit/>
           </a:bodyPr>
           <a:lstStyle/>
@@ -4985,43 +5037,6 @@
           </a:p>
         </p:txBody>
       </p:sp>
-      <p:cxnSp>
-        <p:nvCxnSpPr>
-          <p:cNvPr id="158" name="Gewinkelte Verbindung 26">
-            <a:extLst>
-              <a:ext uri="{FF2B5EF4-FFF2-40B4-BE49-F238E27FC236}">
-                <a16:creationId xmlns:a16="http://schemas.microsoft.com/office/drawing/2014/main" id="{F9D5BBBD-49A2-4402-A57E-484FAF3573AC}"/>
-              </a:ext>
-            </a:extLst>
-          </p:cNvPr>
-          <p:cNvCxnSpPr>
-            <a:cxnSpLocks/>
-            <a:stCxn id="78" idx="2"/>
-            <a:endCxn id="208" idx="2"/>
-          </p:cNvCxnSpPr>
-          <p:nvPr/>
-        </p:nvCxnSpPr>
-        <p:spPr>
-          <a:xfrm rot="16200000" flipH="1">
-            <a:off x="6364172" y="2238253"/>
-            <a:ext cx="330555" cy="5244237"/>
-          </a:xfrm>
-          <a:prstGeom prst="bentConnector3">
-            <a:avLst>
-              <a:gd name="adj1" fmla="val 201186"/>
-            </a:avLst>
-          </a:prstGeom>
-          <a:noFill/>
-          <a:ln w="25400" cap="flat" cmpd="sng" algn="ctr">
-            <a:solidFill>
-              <a:srgbClr val="FF0000"/>
-            </a:solidFill>
-            <a:prstDash val="sysDot"/>
-            <a:tailEnd type="triangle"/>
-          </a:ln>
-          <a:effectLst/>
-        </p:spPr>
-      </p:cxnSp>
       <p:cxnSp>
         <p:nvCxnSpPr>
           <p:cNvPr id="167" name="Gewinkelte Verbindung 26">
@@ -5033,17 +5048,18 @@
           </p:cNvPr>
           <p:cNvCxnSpPr>
             <a:cxnSpLocks/>
+            <a:endCxn id="50" idx="1"/>
           </p:cNvCxnSpPr>
           <p:nvPr/>
         </p:nvCxnSpPr>
         <p:spPr>
           <a:xfrm>
-            <a:off x="7395199" y="4360754"/>
-            <a:ext cx="1199753" cy="177197"/>
+            <a:off x="7387261" y="4432402"/>
+            <a:ext cx="1044142" cy="112335"/>
           </a:xfrm>
           <a:prstGeom prst="bentConnector3">
             <a:avLst>
-              <a:gd name="adj1" fmla="val 66275"/>
+              <a:gd name="adj1" fmla="val 50000"/>
             </a:avLst>
           </a:prstGeom>
           <a:noFill/>
@@ -5109,41 +5125,6 @@
       </p:sp>
       <p:cxnSp>
         <p:nvCxnSpPr>
-          <p:cNvPr id="210" name="Gewinkelte Verbindung 26">
-            <a:extLst>
-              <a:ext uri="{FF2B5EF4-FFF2-40B4-BE49-F238E27FC236}">
-                <a16:creationId xmlns:a16="http://schemas.microsoft.com/office/drawing/2014/main" id="{85B99DAB-036E-49AF-BEEB-6D9F4020AE05}"/>
-              </a:ext>
-            </a:extLst>
-          </p:cNvPr>
-          <p:cNvCxnSpPr>
-            <a:cxnSpLocks/>
-          </p:cNvCxnSpPr>
-          <p:nvPr/>
-        </p:nvCxnSpPr>
-        <p:spPr>
-          <a:xfrm rot="16200000" flipH="1">
-            <a:off x="8153270" y="4006980"/>
-            <a:ext cx="743210" cy="139700"/>
-          </a:xfrm>
-          <a:prstGeom prst="bentConnector3">
-            <a:avLst>
-              <a:gd name="adj1" fmla="val 99983"/>
-            </a:avLst>
-          </a:prstGeom>
-          <a:noFill/>
-          <a:ln w="25400" cap="flat" cmpd="sng" algn="ctr">
-            <a:solidFill>
-              <a:srgbClr val="FF0000"/>
-            </a:solidFill>
-            <a:prstDash val="sysDot"/>
-            <a:tailEnd type="triangle"/>
-          </a:ln>
-          <a:effectLst/>
-        </p:spPr>
-      </p:cxnSp>
-      <p:cxnSp>
-        <p:nvCxnSpPr>
           <p:cNvPr id="229" name="Straight Connector 228">
             <a:extLst>
               <a:ext uri="{FF2B5EF4-FFF2-40B4-BE49-F238E27FC236}">
@@ -5158,8 +5139,8 @@
         </p:nvCxnSpPr>
         <p:spPr>
           <a:xfrm>
-            <a:off x="7784524" y="3717340"/>
-            <a:ext cx="807026" cy="0"/>
+            <a:off x="7780461" y="3805131"/>
+            <a:ext cx="508481" cy="4594"/>
           </a:xfrm>
           <a:prstGeom prst="line">
             <a:avLst/>
@@ -5189,40 +5170,6 @@
       </p:cxnSp>
       <p:cxnSp>
         <p:nvCxnSpPr>
-          <p:cNvPr id="242" name="Gewinkelte Verbindung 26">
-            <a:extLst>
-              <a:ext uri="{FF2B5EF4-FFF2-40B4-BE49-F238E27FC236}">
-                <a16:creationId xmlns:a16="http://schemas.microsoft.com/office/drawing/2014/main" id="{4B3FDA34-03DC-4E3E-8C02-E34D837E5546}"/>
-              </a:ext>
-            </a:extLst>
-          </p:cNvPr>
-          <p:cNvCxnSpPr>
-            <a:cxnSpLocks/>
-            <a:endCxn id="208" idx="1"/>
-          </p:cNvCxnSpPr>
-          <p:nvPr/>
-        </p:nvCxnSpPr>
-        <p:spPr>
-          <a:xfrm rot="16200000" flipH="1">
-            <a:off x="8338291" y="4573015"/>
-            <a:ext cx="365722" cy="140795"/>
-          </a:xfrm>
-          <a:prstGeom prst="bentConnector2">
-            <a:avLst/>
-          </a:prstGeom>
-          <a:noFill/>
-          <a:ln w="25400" cap="flat" cmpd="sng" algn="ctr">
-            <a:solidFill>
-              <a:srgbClr val="FF0000"/>
-            </a:solidFill>
-            <a:prstDash val="sysDot"/>
-            <a:tailEnd type="triangle"/>
-          </a:ln>
-          <a:effectLst/>
-        </p:spPr>
-      </p:cxnSp>
-      <p:cxnSp>
-        <p:nvCxnSpPr>
           <p:cNvPr id="118" name="Gewinkelte Verbindung 26">
             <a:extLst>
               <a:ext uri="{FF2B5EF4-FFF2-40B4-BE49-F238E27FC236}">
@@ -5237,12 +5184,12 @@
         </p:nvCxnSpPr>
         <p:spPr>
           <a:xfrm rot="10800000" flipV="1">
-            <a:off x="6197156" y="3898070"/>
-            <a:ext cx="1808823" cy="964766"/>
+            <a:off x="6197158" y="3975100"/>
+            <a:ext cx="1810193" cy="887736"/>
           </a:xfrm>
           <a:prstGeom prst="bentConnector3">
             <a:avLst>
-              <a:gd name="adj1" fmla="val -464"/>
+              <a:gd name="adj1" fmla="val -339"/>
             </a:avLst>
           </a:prstGeom>
           <a:noFill/>
@@ -5256,36 +5203,6 @@
           <a:effectLst/>
         </p:spPr>
       </p:cxnSp>
-      <p:cxnSp>
-        <p:nvCxnSpPr>
-          <p:cNvPr id="41" name="Gewinkelte Verbindung 26"/>
-          <p:cNvCxnSpPr>
-            <a:cxnSpLocks/>
-            <a:stCxn id="2" idx="3"/>
-          </p:cNvCxnSpPr>
-          <p:nvPr/>
-        </p:nvCxnSpPr>
-        <p:spPr>
-          <a:xfrm flipH="1">
-            <a:off x="6185352" y="3649949"/>
-            <a:ext cx="1599172" cy="248120"/>
-          </a:xfrm>
-          <a:prstGeom prst="bentConnector3">
-            <a:avLst>
-              <a:gd name="adj1" fmla="val -14295"/>
-            </a:avLst>
-          </a:prstGeom>
-          <a:noFill/>
-          <a:ln w="25400" cap="flat" cmpd="sng" algn="ctr">
-            <a:solidFill>
-              <a:srgbClr val="0070C0"/>
-            </a:solidFill>
-            <a:prstDash val="solid"/>
-            <a:tailEnd type="arrow"/>
-          </a:ln>
-          <a:effectLst/>
-        </p:spPr>
-      </p:cxnSp>
       <p:sp>
         <p:nvSpPr>
           <p:cNvPr id="250" name="TextBox 249">
@@ -5300,8 +5217,8 @@
         </p:nvSpPr>
         <p:spPr>
           <a:xfrm>
-            <a:off x="7887725" y="4988798"/>
-            <a:ext cx="1145489" cy="400110"/>
+            <a:off x="8867085" y="3307057"/>
+            <a:ext cx="768068" cy="307777"/>
           </a:xfrm>
           <a:prstGeom prst="rect">
             <a:avLst/>
@@ -5309,12 +5226,12 @@
           <a:noFill/>
         </p:spPr>
         <p:txBody>
-          <a:bodyPr wrap="square" rtlCol="0">
+          <a:bodyPr wrap="square" lIns="0" tIns="0" rIns="0" bIns="0" rtlCol="0">
             <a:spAutoFit/>
           </a:bodyPr>
           <a:lstStyle/>
           <a:p>
-            <a:pPr algn="ctr" eaLnBrk="0" fontAlgn="base" hangingPunct="0">
+            <a:pPr algn="r" eaLnBrk="0" fontAlgn="base" hangingPunct="0">
               <a:spcBef>
                 <a:spcPct val="0"/>
               </a:spcBef>
@@ -5330,7 +5247,27 @@
                 <a:latin typeface="Arial" charset="0"/>
                 <a:cs typeface="Arial" charset="0"/>
               </a:rPr>
-              <a:t>system integration</a:t>
+              <a:t>system</a:t>
+            </a:r>
+          </a:p>
+          <a:p>
+            <a:pPr algn="r" eaLnBrk="0" fontAlgn="base" hangingPunct="0">
+              <a:spcBef>
+                <a:spcPct val="0"/>
+              </a:spcBef>
+              <a:spcAft>
+                <a:spcPct val="0"/>
+              </a:spcAft>
+            </a:pPr>
+            <a:r>
+              <a:rPr lang="sv-SE" sz="1000" b="1" dirty="0">
+                <a:solidFill>
+                  <a:srgbClr val="FF0000"/>
+                </a:solidFill>
+                <a:latin typeface="Arial" charset="0"/>
+                <a:cs typeface="Arial" charset="0"/>
+              </a:rPr>
+              <a:t>integration</a:t>
             </a:r>
             <a:endParaRPr lang="en-US" sz="1000" b="1" dirty="0">
               <a:solidFill>
@@ -5359,13 +5296,13 @@
         </p:nvCxnSpPr>
         <p:spPr>
           <a:xfrm rot="5400000" flipH="1" flipV="1">
-            <a:off x="3069756" y="4016937"/>
-            <a:ext cx="176128" cy="856692"/>
+            <a:off x="3149928" y="3968196"/>
+            <a:ext cx="27604" cy="848192"/>
           </a:xfrm>
           <a:prstGeom prst="bentConnector4">
             <a:avLst>
-              <a:gd name="adj1" fmla="val -105275"/>
-              <a:gd name="adj2" fmla="val 78618"/>
+              <a:gd name="adj1" fmla="val -615356"/>
+              <a:gd name="adj2" fmla="val 78403"/>
             </a:avLst>
           </a:prstGeom>
           <a:ln w="25400">
@@ -5406,8 +5343,8 @@
         </p:nvSpPr>
         <p:spPr>
           <a:xfrm>
-            <a:off x="2541714" y="4678776"/>
-            <a:ext cx="1145489" cy="400110"/>
+            <a:off x="2732459" y="4580568"/>
+            <a:ext cx="671795" cy="307777"/>
           </a:xfrm>
           <a:prstGeom prst="rect">
             <a:avLst/>
@@ -5415,7 +5352,7 @@
           <a:noFill/>
         </p:spPr>
         <p:txBody>
-          <a:bodyPr wrap="square" rtlCol="0">
+          <a:bodyPr wrap="square" lIns="0" tIns="0" rIns="0" bIns="0" rtlCol="0">
             <a:spAutoFit/>
           </a:bodyPr>
           <a:lstStyle/>
@@ -5475,6 +5412,217 @@
           </a:p>
         </p:txBody>
       </p:sp>
+      <p:cxnSp>
+        <p:nvCxnSpPr>
+          <p:cNvPr id="19" name="Straight Arrow Connector 18">
+            <a:extLst>
+              <a:ext uri="{FF2B5EF4-FFF2-40B4-BE49-F238E27FC236}">
+                <a16:creationId xmlns:a16="http://schemas.microsoft.com/office/drawing/2014/main" id="{3FFD129D-EB3A-4897-BF4E-11FE66000953}"/>
+              </a:ext>
+            </a:extLst>
+          </p:cNvPr>
+          <p:cNvCxnSpPr>
+            <a:cxnSpLocks/>
+            <a:endCxn id="3" idx="1"/>
+          </p:cNvCxnSpPr>
+          <p:nvPr/>
+        </p:nvCxnSpPr>
+        <p:spPr>
+          <a:xfrm>
+            <a:off x="6195918" y="4300484"/>
+            <a:ext cx="763489" cy="0"/>
+          </a:xfrm>
+          <a:prstGeom prst="straightConnector1">
+            <a:avLst/>
+          </a:prstGeom>
+          <a:ln w="25400">
+            <a:solidFill>
+              <a:srgbClr val="0070C0"/>
+            </a:solidFill>
+            <a:headEnd type="none"/>
+            <a:tailEnd type="arrow"/>
+          </a:ln>
+        </p:spPr>
+        <p:style>
+          <a:lnRef idx="1">
+            <a:schemeClr val="accent1"/>
+          </a:lnRef>
+          <a:fillRef idx="0">
+            <a:schemeClr val="accent1"/>
+          </a:fillRef>
+          <a:effectRef idx="0">
+            <a:schemeClr val="accent1"/>
+          </a:effectRef>
+          <a:fontRef idx="minor">
+            <a:schemeClr val="tx1"/>
+          </a:fontRef>
+        </p:style>
+      </p:cxnSp>
+      <p:cxnSp>
+        <p:nvCxnSpPr>
+          <p:cNvPr id="64" name="Straight Arrow Connector 63">
+            <a:extLst>
+              <a:ext uri="{FF2B5EF4-FFF2-40B4-BE49-F238E27FC236}">
+                <a16:creationId xmlns:a16="http://schemas.microsoft.com/office/drawing/2014/main" id="{D881394D-3953-45AE-91DC-96665382F0ED}"/>
+              </a:ext>
+            </a:extLst>
+          </p:cNvPr>
+          <p:cNvCxnSpPr>
+            <a:cxnSpLocks/>
+            <a:stCxn id="3" idx="3"/>
+          </p:cNvCxnSpPr>
+          <p:nvPr/>
+        </p:nvCxnSpPr>
+        <p:spPr>
+          <a:xfrm>
+            <a:off x="7387261" y="4300484"/>
+            <a:ext cx="620090" cy="0"/>
+          </a:xfrm>
+          <a:prstGeom prst="straightConnector1">
+            <a:avLst/>
+          </a:prstGeom>
+          <a:ln w="25400">
+            <a:solidFill>
+              <a:srgbClr val="0070C0"/>
+            </a:solidFill>
+            <a:headEnd type="none"/>
+            <a:tailEnd type="none"/>
+          </a:ln>
+        </p:spPr>
+        <p:style>
+          <a:lnRef idx="1">
+            <a:schemeClr val="accent1"/>
+          </a:lnRef>
+          <a:fillRef idx="0">
+            <a:schemeClr val="accent1"/>
+          </a:fillRef>
+          <a:effectRef idx="0">
+            <a:schemeClr val="accent1"/>
+          </a:effectRef>
+          <a:fontRef idx="minor">
+            <a:schemeClr val="tx1"/>
+          </a:fontRef>
+        </p:style>
+      </p:cxnSp>
+      <p:cxnSp>
+        <p:nvCxnSpPr>
+          <p:cNvPr id="85" name="Straight Arrow Connector 84">
+            <a:extLst>
+              <a:ext uri="{FF2B5EF4-FFF2-40B4-BE49-F238E27FC236}">
+                <a16:creationId xmlns:a16="http://schemas.microsoft.com/office/drawing/2014/main" id="{B16F0F9E-613D-49A5-8B86-B44ADF50A8B4}"/>
+              </a:ext>
+            </a:extLst>
+          </p:cNvPr>
+          <p:cNvCxnSpPr>
+            <a:cxnSpLocks/>
+            <a:stCxn id="2" idx="3"/>
+          </p:cNvCxnSpPr>
+          <p:nvPr/>
+        </p:nvCxnSpPr>
+        <p:spPr>
+          <a:xfrm flipV="1">
+            <a:off x="7784524" y="3719798"/>
+            <a:ext cx="224066" cy="1"/>
+          </a:xfrm>
+          <a:prstGeom prst="straightConnector1">
+            <a:avLst/>
+          </a:prstGeom>
+          <a:ln w="25400">
+            <a:solidFill>
+              <a:srgbClr val="0070C0"/>
+            </a:solidFill>
+            <a:headEnd type="none"/>
+            <a:tailEnd type="none"/>
+          </a:ln>
+        </p:spPr>
+        <p:style>
+          <a:lnRef idx="1">
+            <a:schemeClr val="accent1"/>
+          </a:lnRef>
+          <a:fillRef idx="0">
+            <a:schemeClr val="accent1"/>
+          </a:fillRef>
+          <a:effectRef idx="0">
+            <a:schemeClr val="accent1"/>
+          </a:effectRef>
+          <a:fontRef idx="minor">
+            <a:schemeClr val="tx1"/>
+          </a:fontRef>
+        </p:style>
+      </p:cxnSp>
+      <p:cxnSp>
+        <p:nvCxnSpPr>
+          <p:cNvPr id="158" name="Gewinkelte Verbindung 26">
+            <a:extLst>
+              <a:ext uri="{FF2B5EF4-FFF2-40B4-BE49-F238E27FC236}">
+                <a16:creationId xmlns:a16="http://schemas.microsoft.com/office/drawing/2014/main" id="{F9D5BBBD-49A2-4402-A57E-484FAF3573AC}"/>
+              </a:ext>
+            </a:extLst>
+          </p:cNvPr>
+          <p:cNvCxnSpPr>
+            <a:cxnSpLocks/>
+            <a:stCxn id="78" idx="2"/>
+            <a:endCxn id="46" idx="2"/>
+          </p:cNvCxnSpPr>
+          <p:nvPr/>
+        </p:nvCxnSpPr>
+        <p:spPr>
+          <a:xfrm rot="16200000" flipH="1">
+            <a:off x="6327031" y="2275394"/>
+            <a:ext cx="351845" cy="5191245"/>
+          </a:xfrm>
+          <a:prstGeom prst="bentConnector3">
+            <a:avLst>
+              <a:gd name="adj1" fmla="val 164972"/>
+            </a:avLst>
+          </a:prstGeom>
+          <a:noFill/>
+          <a:ln w="25400" cap="flat" cmpd="sng" algn="ctr">
+            <a:solidFill>
+              <a:srgbClr val="FF0000"/>
+            </a:solidFill>
+            <a:prstDash val="sysDot"/>
+            <a:tailEnd type="triangle"/>
+          </a:ln>
+          <a:effectLst/>
+        </p:spPr>
+      </p:cxnSp>
+      <p:pic>
+        <p:nvPicPr>
+          <p:cNvPr id="113" name="Picture 112">
+            <a:extLst>
+              <a:ext uri="{FF2B5EF4-FFF2-40B4-BE49-F238E27FC236}">
+                <a16:creationId xmlns:a16="http://schemas.microsoft.com/office/drawing/2014/main" id="{BB6DEBAC-57D1-40BD-80ED-EB16B14885CC}"/>
+              </a:ext>
+            </a:extLst>
+          </p:cNvPr>
+          <p:cNvPicPr>
+            <a:picLocks noChangeAspect="1"/>
+          </p:cNvPicPr>
+          <p:nvPr/>
+        </p:nvPicPr>
+        <p:blipFill>
+          <a:blip r:embed="rId17">
+            <a:extLst>
+              <a:ext uri="{28A0092B-C50C-407E-A947-70E740481C1C}">
+                <a14:useLocalDpi xmlns:a14="http://schemas.microsoft.com/office/drawing/2010/main" val="0"/>
+              </a:ext>
+            </a:extLst>
+          </a:blip>
+          <a:stretch>
+            <a:fillRect/>
+          </a:stretch>
+        </p:blipFill>
+        <p:spPr>
+          <a:xfrm>
+            <a:off x="2236083" y="3112318"/>
+            <a:ext cx="980952" cy="980952"/>
+          </a:xfrm>
+          <a:prstGeom prst="rect">
+            <a:avLst/>
+          </a:prstGeom>
+        </p:spPr>
+      </p:pic>
     </p:spTree>
     <p:extLst>
       <p:ext uri="{BB962C8B-B14F-4D97-AF65-F5344CB8AC3E}">
